--- a/sourcetracker_figure_update_06272022.pptx
+++ b/sourcetracker_figure_update_06272022.pptx
@@ -9,14 +9,15 @@
     <p:sldId id="279" r:id="rId6"/>
     <p:sldId id="272" r:id="rId7"/>
     <p:sldId id="277" r:id="rId8"/>
-    <p:sldId id="280" r:id="rId9"/>
-    <p:sldId id="274" r:id="rId10"/>
-    <p:sldId id="281" r:id="rId11"/>
-    <p:sldId id="276" r:id="rId12"/>
-    <p:sldId id="275" r:id="rId13"/>
+    <p:sldId id="282" r:id="rId9"/>
+    <p:sldId id="280" r:id="rId10"/>
+    <p:sldId id="274" r:id="rId11"/>
+    <p:sldId id="281" r:id="rId12"/>
+    <p:sldId id="276" r:id="rId13"/>
+    <p:sldId id="275" r:id="rId14"/>
   </p:sldIdLst>
   <p:sldSz cx="12192000" cy="6858000"/>
-  <p:notesSz cx="6858000" cy="9144000"/>
+  <p:notesSz cx="7010400" cy="9296400"/>
   <p:defaultTextStyle>
     <a:defPPr>
       <a:defRPr lang="en-US"/>
@@ -267,7 +268,7 @@
           <a:p>
             <a:fld id="{7DEB3769-3D57-4A49-A933-3BD027B9EF09}" type="datetimeFigureOut">
               <a:rPr lang="en-US" smtClean="0"/>
-              <a:t>6/28/2022</a:t>
+              <a:t>6/29/2022</a:t>
             </a:fld>
             <a:endParaRPr lang="en-US"/>
           </a:p>
@@ -465,7 +466,7 @@
           <a:p>
             <a:fld id="{7DEB3769-3D57-4A49-A933-3BD027B9EF09}" type="datetimeFigureOut">
               <a:rPr lang="en-US" smtClean="0"/>
-              <a:t>6/28/2022</a:t>
+              <a:t>6/29/2022</a:t>
             </a:fld>
             <a:endParaRPr lang="en-US"/>
           </a:p>
@@ -673,7 +674,7 @@
           <a:p>
             <a:fld id="{7DEB3769-3D57-4A49-A933-3BD027B9EF09}" type="datetimeFigureOut">
               <a:rPr lang="en-US" smtClean="0"/>
-              <a:t>6/28/2022</a:t>
+              <a:t>6/29/2022</a:t>
             </a:fld>
             <a:endParaRPr lang="en-US"/>
           </a:p>
@@ -871,7 +872,7 @@
           <a:p>
             <a:fld id="{7DEB3769-3D57-4A49-A933-3BD027B9EF09}" type="datetimeFigureOut">
               <a:rPr lang="en-US" smtClean="0"/>
-              <a:t>6/28/2022</a:t>
+              <a:t>6/29/2022</a:t>
             </a:fld>
             <a:endParaRPr lang="en-US"/>
           </a:p>
@@ -1146,7 +1147,7 @@
           <a:p>
             <a:fld id="{7DEB3769-3D57-4A49-A933-3BD027B9EF09}" type="datetimeFigureOut">
               <a:rPr lang="en-US" smtClean="0"/>
-              <a:t>6/28/2022</a:t>
+              <a:t>6/29/2022</a:t>
             </a:fld>
             <a:endParaRPr lang="en-US"/>
           </a:p>
@@ -1411,7 +1412,7 @@
           <a:p>
             <a:fld id="{7DEB3769-3D57-4A49-A933-3BD027B9EF09}" type="datetimeFigureOut">
               <a:rPr lang="en-US" smtClean="0"/>
-              <a:t>6/28/2022</a:t>
+              <a:t>6/29/2022</a:t>
             </a:fld>
             <a:endParaRPr lang="en-US"/>
           </a:p>
@@ -1823,7 +1824,7 @@
           <a:p>
             <a:fld id="{7DEB3769-3D57-4A49-A933-3BD027B9EF09}" type="datetimeFigureOut">
               <a:rPr lang="en-US" smtClean="0"/>
-              <a:t>6/28/2022</a:t>
+              <a:t>6/29/2022</a:t>
             </a:fld>
             <a:endParaRPr lang="en-US"/>
           </a:p>
@@ -1964,7 +1965,7 @@
           <a:p>
             <a:fld id="{7DEB3769-3D57-4A49-A933-3BD027B9EF09}" type="datetimeFigureOut">
               <a:rPr lang="en-US" smtClean="0"/>
-              <a:t>6/28/2022</a:t>
+              <a:t>6/29/2022</a:t>
             </a:fld>
             <a:endParaRPr lang="en-US"/>
           </a:p>
@@ -2077,7 +2078,7 @@
           <a:p>
             <a:fld id="{7DEB3769-3D57-4A49-A933-3BD027B9EF09}" type="datetimeFigureOut">
               <a:rPr lang="en-US" smtClean="0"/>
-              <a:t>6/28/2022</a:t>
+              <a:t>6/29/2022</a:t>
             </a:fld>
             <a:endParaRPr lang="en-US"/>
           </a:p>
@@ -2388,7 +2389,7 @@
           <a:p>
             <a:fld id="{7DEB3769-3D57-4A49-A933-3BD027B9EF09}" type="datetimeFigureOut">
               <a:rPr lang="en-US" smtClean="0"/>
-              <a:t>6/28/2022</a:t>
+              <a:t>6/29/2022</a:t>
             </a:fld>
             <a:endParaRPr lang="en-US"/>
           </a:p>
@@ -2676,7 +2677,7 @@
           <a:p>
             <a:fld id="{7DEB3769-3D57-4A49-A933-3BD027B9EF09}" type="datetimeFigureOut">
               <a:rPr lang="en-US" smtClean="0"/>
-              <a:t>6/28/2022</a:t>
+              <a:t>6/29/2022</a:t>
             </a:fld>
             <a:endParaRPr lang="en-US"/>
           </a:p>
@@ -2917,7 +2918,7 @@
           <a:p>
             <a:fld id="{7DEB3769-3D57-4A49-A933-3BD027B9EF09}" type="datetimeFigureOut">
               <a:rPr lang="en-US" smtClean="0"/>
-              <a:t>6/28/2022</a:t>
+              <a:t>6/29/2022</a:t>
             </a:fld>
             <a:endParaRPr lang="en-US"/>
           </a:p>
@@ -3404,6 +3405,3831 @@
     <p:extLst>
       <p:ext uri="{BB962C8B-B14F-4D97-AF65-F5344CB8AC3E}">
         <p14:creationId xmlns:p14="http://schemas.microsoft.com/office/powerpoint/2010/main" val="334025611"/>
+      </p:ext>
+    </p:extLst>
+  </p:cSld>
+  <p:clrMapOvr>
+    <a:masterClrMapping/>
+  </p:clrMapOvr>
+</p:sld>
+</file>
+
+<file path=ppt/slides/slide10.xml><?xml version="1.0" encoding="utf-8"?>
+<p:sld xmlns:a="http://schemas.openxmlformats.org/drawingml/2006/main" xmlns:r="http://schemas.openxmlformats.org/officeDocument/2006/relationships" xmlns:p="http://schemas.openxmlformats.org/presentationml/2006/main">
+  <p:cSld>
+    <p:spTree>
+      <p:nvGrpSpPr>
+        <p:cNvPr id="1" name=""/>
+        <p:cNvGrpSpPr/>
+        <p:nvPr/>
+      </p:nvGrpSpPr>
+      <p:grpSpPr>
+        <a:xfrm>
+          <a:off x="0" y="0"/>
+          <a:ext cx="0" cy="0"/>
+          <a:chOff x="0" y="0"/>
+          <a:chExt cx="0" cy="0"/>
+        </a:xfrm>
+      </p:grpSpPr>
+      <p:graphicFrame>
+        <p:nvGraphicFramePr>
+          <p:cNvPr id="5" name="Table 4">
+            <a:extLst>
+              <a:ext uri="{FF2B5EF4-FFF2-40B4-BE49-F238E27FC236}">
+                <a16:creationId xmlns:a16="http://schemas.microsoft.com/office/drawing/2014/main" id="{D06536CA-8A1E-D77E-4051-D73A30068151}"/>
+              </a:ext>
+            </a:extLst>
+          </p:cNvPr>
+          <p:cNvGraphicFramePr>
+            <a:graphicFrameLocks noGrp="1"/>
+          </p:cNvGraphicFramePr>
+          <p:nvPr/>
+        </p:nvGraphicFramePr>
+        <p:xfrm>
+          <a:off x="1813665" y="1214123"/>
+          <a:ext cx="8564669" cy="1886070"/>
+        </p:xfrm>
+        <a:graphic>
+          <a:graphicData uri="http://schemas.openxmlformats.org/drawingml/2006/table">
+            <a:tbl>
+              <a:tblPr firstRow="1" firstCol="1" bandRow="1"/>
+              <a:tblGrid>
+                <a:gridCol w="878809">
+                  <a:extLst>
+                    <a:ext uri="{9D8B030D-6E8A-4147-A177-3AD203B41FA5}">
+                      <a16:colId xmlns:a16="http://schemas.microsoft.com/office/drawing/2014/main" val="3583062955"/>
+                    </a:ext>
+                  </a:extLst>
+                </a:gridCol>
+                <a:gridCol w="714964">
+                  <a:extLst>
+                    <a:ext uri="{9D8B030D-6E8A-4147-A177-3AD203B41FA5}">
+                      <a16:colId xmlns:a16="http://schemas.microsoft.com/office/drawing/2014/main" val="2479120348"/>
+                    </a:ext>
+                  </a:extLst>
+                </a:gridCol>
+                <a:gridCol w="1161816">
+                  <a:extLst>
+                    <a:ext uri="{9D8B030D-6E8A-4147-A177-3AD203B41FA5}">
+                      <a16:colId xmlns:a16="http://schemas.microsoft.com/office/drawing/2014/main" val="514176885"/>
+                    </a:ext>
+                  </a:extLst>
+                </a:gridCol>
+                <a:gridCol w="1161816">
+                  <a:extLst>
+                    <a:ext uri="{9D8B030D-6E8A-4147-A177-3AD203B41FA5}">
+                      <a16:colId xmlns:a16="http://schemas.microsoft.com/office/drawing/2014/main" val="2891191553"/>
+                    </a:ext>
+                  </a:extLst>
+                </a:gridCol>
+                <a:gridCol w="1161816">
+                  <a:extLst>
+                    <a:ext uri="{9D8B030D-6E8A-4147-A177-3AD203B41FA5}">
+                      <a16:colId xmlns:a16="http://schemas.microsoft.com/office/drawing/2014/main" val="3319371728"/>
+                    </a:ext>
+                  </a:extLst>
+                </a:gridCol>
+                <a:gridCol w="1161816">
+                  <a:extLst>
+                    <a:ext uri="{9D8B030D-6E8A-4147-A177-3AD203B41FA5}">
+                      <a16:colId xmlns:a16="http://schemas.microsoft.com/office/drawing/2014/main" val="174534887"/>
+                    </a:ext>
+                  </a:extLst>
+                </a:gridCol>
+                <a:gridCol w="1161816">
+                  <a:extLst>
+                    <a:ext uri="{9D8B030D-6E8A-4147-A177-3AD203B41FA5}">
+                      <a16:colId xmlns:a16="http://schemas.microsoft.com/office/drawing/2014/main" val="1720346803"/>
+                    </a:ext>
+                  </a:extLst>
+                </a:gridCol>
+                <a:gridCol w="1161816">
+                  <a:extLst>
+                    <a:ext uri="{9D8B030D-6E8A-4147-A177-3AD203B41FA5}">
+                      <a16:colId xmlns:a16="http://schemas.microsoft.com/office/drawing/2014/main" val="2727880583"/>
+                    </a:ext>
+                  </a:extLst>
+                </a:gridCol>
+              </a:tblGrid>
+              <a:tr h="188607">
+                <a:tc>
+                  <a:txBody>
+                    <a:bodyPr/>
+                    <a:lstStyle/>
+                    <a:p>
+                      <a:pPr algn="l">
+                        <a:lnSpc>
+                          <a:spcPct val="107000"/>
+                        </a:lnSpc>
+                      </a:pPr>
+                      <a:endParaRPr lang="en-US" sz="1100" dirty="0">
+                        <a:effectLst/>
+                        <a:latin typeface="Calibri" panose="020F0502020204030204" pitchFamily="34" charset="0"/>
+                        <a:cs typeface="Times New Roman" panose="02020603050405020304" pitchFamily="18" charset="0"/>
+                      </a:endParaRPr>
+                    </a:p>
+                  </a:txBody>
+                  <a:tcPr marL="42863" marR="42863" marT="0" marB="0" anchor="b">
+                    <a:lnL>
+                      <a:noFill/>
+                    </a:lnL>
+                    <a:lnR>
+                      <a:noFill/>
+                    </a:lnR>
+                    <a:lnT>
+                      <a:noFill/>
+                    </a:lnT>
+                    <a:lnB>
+                      <a:noFill/>
+                    </a:lnB>
+                  </a:tcPr>
+                </a:tc>
+                <a:tc>
+                  <a:txBody>
+                    <a:bodyPr/>
+                    <a:lstStyle/>
+                    <a:p>
+                      <a:pPr algn="l">
+                        <a:lnSpc>
+                          <a:spcPct val="107000"/>
+                        </a:lnSpc>
+                      </a:pPr>
+                      <a:endParaRPr lang="en-US" sz="1100">
+                        <a:effectLst/>
+                        <a:latin typeface="Calibri" panose="020F0502020204030204" pitchFamily="34" charset="0"/>
+                        <a:cs typeface="Times New Roman" panose="02020603050405020304" pitchFamily="18" charset="0"/>
+                      </a:endParaRPr>
+                    </a:p>
+                  </a:txBody>
+                  <a:tcPr marL="42863" marR="42863" marT="0" marB="0" anchor="b">
+                    <a:lnL>
+                      <a:noFill/>
+                    </a:lnL>
+                    <a:lnR>
+                      <a:noFill/>
+                    </a:lnR>
+                    <a:lnT>
+                      <a:noFill/>
+                    </a:lnT>
+                    <a:lnB>
+                      <a:noFill/>
+                    </a:lnB>
+                  </a:tcPr>
+                </a:tc>
+                <a:tc>
+                  <a:txBody>
+                    <a:bodyPr/>
+                    <a:lstStyle/>
+                    <a:p>
+                      <a:pPr algn="l">
+                        <a:lnSpc>
+                          <a:spcPct val="107000"/>
+                        </a:lnSpc>
+                      </a:pPr>
+                      <a:endParaRPr lang="en-US" sz="1100">
+                        <a:effectLst/>
+                        <a:latin typeface="Calibri" panose="020F0502020204030204" pitchFamily="34" charset="0"/>
+                        <a:cs typeface="Times New Roman" panose="02020603050405020304" pitchFamily="18" charset="0"/>
+                      </a:endParaRPr>
+                    </a:p>
+                  </a:txBody>
+                  <a:tcPr marL="42863" marR="42863" marT="0" marB="0" anchor="b">
+                    <a:lnL>
+                      <a:noFill/>
+                    </a:lnL>
+                    <a:lnR>
+                      <a:noFill/>
+                    </a:lnR>
+                    <a:lnT>
+                      <a:noFill/>
+                    </a:lnT>
+                    <a:lnB>
+                      <a:noFill/>
+                    </a:lnB>
+                  </a:tcPr>
+                </a:tc>
+                <a:tc gridSpan="5">
+                  <a:txBody>
+                    <a:bodyPr/>
+                    <a:lstStyle/>
+                    <a:p>
+                      <a:pPr marL="0" marR="0" algn="ctr">
+                        <a:lnSpc>
+                          <a:spcPct val="107000"/>
+                        </a:lnSpc>
+                        <a:spcBef>
+                          <a:spcPts val="0"/>
+                        </a:spcBef>
+                        <a:spcAft>
+                          <a:spcPts val="0"/>
+                        </a:spcAft>
+                      </a:pPr>
+                      <a:r>
+                        <a:rPr lang="en-US" sz="1100" dirty="0">
+                          <a:solidFill>
+                            <a:srgbClr val="000000"/>
+                          </a:solidFill>
+                          <a:effectLst/>
+                          <a:latin typeface="Calibri" panose="020F0502020204030204" pitchFamily="34" charset="0"/>
+                          <a:ea typeface="Times New Roman" panose="02020603050405020304" pitchFamily="18" charset="0"/>
+                          <a:cs typeface="Calibri" panose="020F0502020204030204" pitchFamily="34" charset="0"/>
+                        </a:rPr>
+                        <a:t>Source (mean ± std. error)</a:t>
+                      </a:r>
+                      <a:endParaRPr lang="en-US" sz="1100" dirty="0">
+                        <a:effectLst/>
+                        <a:latin typeface="Calibri" panose="020F0502020204030204" pitchFamily="34" charset="0"/>
+                        <a:ea typeface="Calibri" panose="020F0502020204030204" pitchFamily="34" charset="0"/>
+                        <a:cs typeface="Times New Roman" panose="02020603050405020304" pitchFamily="18" charset="0"/>
+                      </a:endParaRPr>
+                    </a:p>
+                  </a:txBody>
+                  <a:tcPr marL="42863" marR="42863" marT="0" marB="0" anchor="b">
+                    <a:lnL>
+                      <a:noFill/>
+                    </a:lnL>
+                    <a:lnR>
+                      <a:noFill/>
+                    </a:lnR>
+                    <a:lnT>
+                      <a:noFill/>
+                    </a:lnT>
+                    <a:lnB w="12700" cap="flat" cmpd="sng" algn="ctr">
+                      <a:solidFill>
+                        <a:srgbClr val="000000"/>
+                      </a:solidFill>
+                      <a:prstDash val="solid"/>
+                      <a:round/>
+                      <a:headEnd type="none" w="med" len="med"/>
+                      <a:tailEnd type="none" w="med" len="med"/>
+                    </a:lnB>
+                  </a:tcPr>
+                </a:tc>
+                <a:tc hMerge="1">
+                  <a:txBody>
+                    <a:bodyPr/>
+                    <a:lstStyle/>
+                    <a:p>
+                      <a:endParaRPr lang="en-US"/>
+                    </a:p>
+                  </a:txBody>
+                  <a:tcPr/>
+                </a:tc>
+                <a:tc hMerge="1">
+                  <a:txBody>
+                    <a:bodyPr/>
+                    <a:lstStyle/>
+                    <a:p>
+                      <a:endParaRPr lang="en-US"/>
+                    </a:p>
+                  </a:txBody>
+                  <a:tcPr/>
+                </a:tc>
+                <a:tc hMerge="1">
+                  <a:txBody>
+                    <a:bodyPr/>
+                    <a:lstStyle/>
+                    <a:p>
+                      <a:endParaRPr lang="en-US"/>
+                    </a:p>
+                  </a:txBody>
+                  <a:tcPr/>
+                </a:tc>
+                <a:tc hMerge="1">
+                  <a:txBody>
+                    <a:bodyPr/>
+                    <a:lstStyle/>
+                    <a:p>
+                      <a:endParaRPr lang="en-US"/>
+                    </a:p>
+                  </a:txBody>
+                  <a:tcPr/>
+                </a:tc>
+                <a:extLst>
+                  <a:ext uri="{0D108BD9-81ED-4DB2-BD59-A6C34878D82A}">
+                    <a16:rowId xmlns:a16="http://schemas.microsoft.com/office/drawing/2014/main" val="4192140537"/>
+                  </a:ext>
+                </a:extLst>
+              </a:tr>
+              <a:tr h="188607">
+                <a:tc>
+                  <a:txBody>
+                    <a:bodyPr/>
+                    <a:lstStyle/>
+                    <a:p>
+                      <a:pPr marL="0" marR="0" algn="ctr">
+                        <a:lnSpc>
+                          <a:spcPct val="107000"/>
+                        </a:lnSpc>
+                        <a:spcBef>
+                          <a:spcPts val="0"/>
+                        </a:spcBef>
+                        <a:spcAft>
+                          <a:spcPts val="0"/>
+                        </a:spcAft>
+                      </a:pPr>
+                      <a:r>
+                        <a:rPr lang="en-US" sz="1100">
+                          <a:solidFill>
+                            <a:srgbClr val="000000"/>
+                          </a:solidFill>
+                          <a:effectLst/>
+                          <a:latin typeface="Calibri" panose="020F0502020204030204" pitchFamily="34" charset="0"/>
+                          <a:ea typeface="Times New Roman" panose="02020603050405020304" pitchFamily="18" charset="0"/>
+                          <a:cs typeface="Calibri" panose="020F0502020204030204" pitchFamily="34" charset="0"/>
+                        </a:rPr>
+                        <a:t>Delivery</a:t>
+                      </a:r>
+                      <a:endParaRPr lang="en-US" sz="1100">
+                        <a:effectLst/>
+                        <a:latin typeface="Calibri" panose="020F0502020204030204" pitchFamily="34" charset="0"/>
+                        <a:ea typeface="Calibri" panose="020F0502020204030204" pitchFamily="34" charset="0"/>
+                        <a:cs typeface="Times New Roman" panose="02020603050405020304" pitchFamily="18" charset="0"/>
+                      </a:endParaRPr>
+                    </a:p>
+                  </a:txBody>
+                  <a:tcPr marL="42863" marR="42863" marT="0" marB="0" anchor="b">
+                    <a:lnL>
+                      <a:noFill/>
+                    </a:lnL>
+                    <a:lnR>
+                      <a:noFill/>
+                    </a:lnR>
+                    <a:lnT>
+                      <a:noFill/>
+                    </a:lnT>
+                    <a:lnB w="12700" cap="flat" cmpd="sng" algn="ctr">
+                      <a:solidFill>
+                        <a:srgbClr val="000000"/>
+                      </a:solidFill>
+                      <a:prstDash val="solid"/>
+                      <a:round/>
+                      <a:headEnd type="none" w="med" len="med"/>
+                      <a:tailEnd type="none" w="med" len="med"/>
+                    </a:lnB>
+                  </a:tcPr>
+                </a:tc>
+                <a:tc>
+                  <a:txBody>
+                    <a:bodyPr/>
+                    <a:lstStyle/>
+                    <a:p>
+                      <a:pPr marL="0" marR="0" algn="ctr">
+                        <a:lnSpc>
+                          <a:spcPct val="107000"/>
+                        </a:lnSpc>
+                        <a:spcBef>
+                          <a:spcPts val="0"/>
+                        </a:spcBef>
+                        <a:spcAft>
+                          <a:spcPts val="0"/>
+                        </a:spcAft>
+                      </a:pPr>
+                      <a:r>
+                        <a:rPr lang="en-US" sz="1100">
+                          <a:solidFill>
+                            <a:srgbClr val="000000"/>
+                          </a:solidFill>
+                          <a:effectLst/>
+                          <a:latin typeface="Calibri" panose="020F0502020204030204" pitchFamily="34" charset="0"/>
+                          <a:ea typeface="Times New Roman" panose="02020603050405020304" pitchFamily="18" charset="0"/>
+                          <a:cs typeface="Calibri" panose="020F0502020204030204" pitchFamily="34" charset="0"/>
+                        </a:rPr>
+                        <a:t>Sink</a:t>
+                      </a:r>
+                      <a:endParaRPr lang="en-US" sz="1100">
+                        <a:effectLst/>
+                        <a:latin typeface="Calibri" panose="020F0502020204030204" pitchFamily="34" charset="0"/>
+                        <a:ea typeface="Calibri" panose="020F0502020204030204" pitchFamily="34" charset="0"/>
+                        <a:cs typeface="Times New Roman" panose="02020603050405020304" pitchFamily="18" charset="0"/>
+                      </a:endParaRPr>
+                    </a:p>
+                  </a:txBody>
+                  <a:tcPr marL="42863" marR="42863" marT="0" marB="0" anchor="ctr">
+                    <a:lnL>
+                      <a:noFill/>
+                    </a:lnL>
+                    <a:lnR>
+                      <a:noFill/>
+                    </a:lnR>
+                    <a:lnT>
+                      <a:noFill/>
+                    </a:lnT>
+                    <a:lnB w="12700" cap="flat" cmpd="sng" algn="ctr">
+                      <a:solidFill>
+                        <a:srgbClr val="000000"/>
+                      </a:solidFill>
+                      <a:prstDash val="solid"/>
+                      <a:round/>
+                      <a:headEnd type="none" w="med" len="med"/>
+                      <a:tailEnd type="none" w="med" len="med"/>
+                    </a:lnB>
+                  </a:tcPr>
+                </a:tc>
+                <a:tc>
+                  <a:txBody>
+                    <a:bodyPr/>
+                    <a:lstStyle/>
+                    <a:p>
+                      <a:pPr marL="0" marR="0" algn="ctr">
+                        <a:lnSpc>
+                          <a:spcPct val="107000"/>
+                        </a:lnSpc>
+                        <a:spcBef>
+                          <a:spcPts val="0"/>
+                        </a:spcBef>
+                        <a:spcAft>
+                          <a:spcPts val="0"/>
+                        </a:spcAft>
+                      </a:pPr>
+                      <a:r>
+                        <a:rPr lang="en-US" sz="1100">
+                          <a:solidFill>
+                            <a:srgbClr val="000000"/>
+                          </a:solidFill>
+                          <a:effectLst/>
+                          <a:latin typeface="Calibri" panose="020F0502020204030204" pitchFamily="34" charset="0"/>
+                          <a:ea typeface="Times New Roman" panose="02020603050405020304" pitchFamily="18" charset="0"/>
+                          <a:cs typeface="Calibri" panose="020F0502020204030204" pitchFamily="34" charset="0"/>
+                        </a:rPr>
+                        <a:t>Disease</a:t>
+                      </a:r>
+                      <a:endParaRPr lang="en-US" sz="1100">
+                        <a:effectLst/>
+                        <a:latin typeface="Calibri" panose="020F0502020204030204" pitchFamily="34" charset="0"/>
+                        <a:ea typeface="Calibri" panose="020F0502020204030204" pitchFamily="34" charset="0"/>
+                        <a:cs typeface="Times New Roman" panose="02020603050405020304" pitchFamily="18" charset="0"/>
+                      </a:endParaRPr>
+                    </a:p>
+                  </a:txBody>
+                  <a:tcPr marL="42863" marR="42863" marT="0" marB="0" anchor="ctr">
+                    <a:lnL>
+                      <a:noFill/>
+                    </a:lnL>
+                    <a:lnR>
+                      <a:noFill/>
+                    </a:lnR>
+                    <a:lnT>
+                      <a:noFill/>
+                    </a:lnT>
+                    <a:lnB w="12700" cap="flat" cmpd="sng" algn="ctr">
+                      <a:solidFill>
+                        <a:srgbClr val="000000"/>
+                      </a:solidFill>
+                      <a:prstDash val="solid"/>
+                      <a:round/>
+                      <a:headEnd type="none" w="med" len="med"/>
+                      <a:tailEnd type="none" w="med" len="med"/>
+                    </a:lnB>
+                  </a:tcPr>
+                </a:tc>
+                <a:tc>
+                  <a:txBody>
+                    <a:bodyPr/>
+                    <a:lstStyle/>
+                    <a:p>
+                      <a:pPr marL="0" marR="0" algn="ctr">
+                        <a:lnSpc>
+                          <a:spcPct val="107000"/>
+                        </a:lnSpc>
+                        <a:spcBef>
+                          <a:spcPts val="0"/>
+                        </a:spcBef>
+                        <a:spcAft>
+                          <a:spcPts val="0"/>
+                        </a:spcAft>
+                      </a:pPr>
+                      <a:r>
+                        <a:rPr lang="en-US" sz="1100">
+                          <a:solidFill>
+                            <a:srgbClr val="000000"/>
+                          </a:solidFill>
+                          <a:effectLst/>
+                          <a:latin typeface="Calibri" panose="020F0502020204030204" pitchFamily="34" charset="0"/>
+                          <a:ea typeface="Times New Roman" panose="02020603050405020304" pitchFamily="18" charset="0"/>
+                          <a:cs typeface="Calibri" panose="020F0502020204030204" pitchFamily="34" charset="0"/>
+                        </a:rPr>
+                        <a:t>Anus</a:t>
+                      </a:r>
+                      <a:endParaRPr lang="en-US" sz="1100">
+                        <a:effectLst/>
+                        <a:latin typeface="Calibri" panose="020F0502020204030204" pitchFamily="34" charset="0"/>
+                        <a:ea typeface="Calibri" panose="020F0502020204030204" pitchFamily="34" charset="0"/>
+                        <a:cs typeface="Times New Roman" panose="02020603050405020304" pitchFamily="18" charset="0"/>
+                      </a:endParaRPr>
+                    </a:p>
+                  </a:txBody>
+                  <a:tcPr marL="42863" marR="42863" marT="0" marB="0" anchor="ctr">
+                    <a:lnL>
+                      <a:noFill/>
+                    </a:lnL>
+                    <a:lnR>
+                      <a:noFill/>
+                    </a:lnR>
+                    <a:lnT w="12700" cap="flat" cmpd="sng" algn="ctr">
+                      <a:solidFill>
+                        <a:srgbClr val="000000"/>
+                      </a:solidFill>
+                      <a:prstDash val="solid"/>
+                      <a:round/>
+                      <a:headEnd type="none" w="med" len="med"/>
+                      <a:tailEnd type="none" w="med" len="med"/>
+                    </a:lnT>
+                    <a:lnB w="12700" cap="flat" cmpd="sng" algn="ctr">
+                      <a:solidFill>
+                        <a:srgbClr val="000000"/>
+                      </a:solidFill>
+                      <a:prstDash val="solid"/>
+                      <a:round/>
+                      <a:headEnd type="none" w="med" len="med"/>
+                      <a:tailEnd type="none" w="med" len="med"/>
+                    </a:lnB>
+                  </a:tcPr>
+                </a:tc>
+                <a:tc>
+                  <a:txBody>
+                    <a:bodyPr/>
+                    <a:lstStyle/>
+                    <a:p>
+                      <a:pPr marL="0" marR="0" algn="ctr">
+                        <a:lnSpc>
+                          <a:spcPct val="107000"/>
+                        </a:lnSpc>
+                        <a:spcBef>
+                          <a:spcPts val="0"/>
+                        </a:spcBef>
+                        <a:spcAft>
+                          <a:spcPts val="0"/>
+                        </a:spcAft>
+                      </a:pPr>
+                      <a:r>
+                        <a:rPr lang="en-US" sz="1100">
+                          <a:solidFill>
+                            <a:srgbClr val="000000"/>
+                          </a:solidFill>
+                          <a:effectLst/>
+                          <a:latin typeface="Calibri" panose="020F0502020204030204" pitchFamily="34" charset="0"/>
+                          <a:ea typeface="Times New Roman" panose="02020603050405020304" pitchFamily="18" charset="0"/>
+                          <a:cs typeface="Calibri" panose="020F0502020204030204" pitchFamily="34" charset="0"/>
+                        </a:rPr>
+                        <a:t>Cervix</a:t>
+                      </a:r>
+                      <a:endParaRPr lang="en-US" sz="1100">
+                        <a:effectLst/>
+                        <a:latin typeface="Calibri" panose="020F0502020204030204" pitchFamily="34" charset="0"/>
+                        <a:ea typeface="Calibri" panose="020F0502020204030204" pitchFamily="34" charset="0"/>
+                        <a:cs typeface="Times New Roman" panose="02020603050405020304" pitchFamily="18" charset="0"/>
+                      </a:endParaRPr>
+                    </a:p>
+                  </a:txBody>
+                  <a:tcPr marL="42863" marR="42863" marT="0" marB="0" anchor="ctr">
+                    <a:lnL>
+                      <a:noFill/>
+                    </a:lnL>
+                    <a:lnR>
+                      <a:noFill/>
+                    </a:lnR>
+                    <a:lnT w="12700" cap="flat" cmpd="sng" algn="ctr">
+                      <a:solidFill>
+                        <a:srgbClr val="000000"/>
+                      </a:solidFill>
+                      <a:prstDash val="solid"/>
+                      <a:round/>
+                      <a:headEnd type="none" w="med" len="med"/>
+                      <a:tailEnd type="none" w="med" len="med"/>
+                    </a:lnT>
+                    <a:lnB w="12700" cap="flat" cmpd="sng" algn="ctr">
+                      <a:solidFill>
+                        <a:srgbClr val="000000"/>
+                      </a:solidFill>
+                      <a:prstDash val="solid"/>
+                      <a:round/>
+                      <a:headEnd type="none" w="med" len="med"/>
+                      <a:tailEnd type="none" w="med" len="med"/>
+                    </a:lnB>
+                  </a:tcPr>
+                </a:tc>
+                <a:tc>
+                  <a:txBody>
+                    <a:bodyPr/>
+                    <a:lstStyle/>
+                    <a:p>
+                      <a:pPr marL="0" marR="0" algn="ctr">
+                        <a:lnSpc>
+                          <a:spcPct val="107000"/>
+                        </a:lnSpc>
+                        <a:spcBef>
+                          <a:spcPts val="0"/>
+                        </a:spcBef>
+                        <a:spcAft>
+                          <a:spcPts val="0"/>
+                        </a:spcAft>
+                      </a:pPr>
+                      <a:r>
+                        <a:rPr lang="en-US" sz="1100">
+                          <a:solidFill>
+                            <a:srgbClr val="000000"/>
+                          </a:solidFill>
+                          <a:effectLst/>
+                          <a:latin typeface="Calibri" panose="020F0502020204030204" pitchFamily="34" charset="0"/>
+                          <a:ea typeface="Times New Roman" panose="02020603050405020304" pitchFamily="18" charset="0"/>
+                          <a:cs typeface="Calibri" panose="020F0502020204030204" pitchFamily="34" charset="0"/>
+                        </a:rPr>
+                        <a:t>Introitus</a:t>
+                      </a:r>
+                      <a:endParaRPr lang="en-US" sz="1100">
+                        <a:effectLst/>
+                        <a:latin typeface="Calibri" panose="020F0502020204030204" pitchFamily="34" charset="0"/>
+                        <a:ea typeface="Calibri" panose="020F0502020204030204" pitchFamily="34" charset="0"/>
+                        <a:cs typeface="Times New Roman" panose="02020603050405020304" pitchFamily="18" charset="0"/>
+                      </a:endParaRPr>
+                    </a:p>
+                  </a:txBody>
+                  <a:tcPr marL="42863" marR="42863" marT="0" marB="0" anchor="ctr">
+                    <a:lnL>
+                      <a:noFill/>
+                    </a:lnL>
+                    <a:lnR>
+                      <a:noFill/>
+                    </a:lnR>
+                    <a:lnT w="12700" cap="flat" cmpd="sng" algn="ctr">
+                      <a:solidFill>
+                        <a:srgbClr val="000000"/>
+                      </a:solidFill>
+                      <a:prstDash val="solid"/>
+                      <a:round/>
+                      <a:headEnd type="none" w="med" len="med"/>
+                      <a:tailEnd type="none" w="med" len="med"/>
+                    </a:lnT>
+                    <a:lnB w="12700" cap="flat" cmpd="sng" algn="ctr">
+                      <a:solidFill>
+                        <a:srgbClr val="000000"/>
+                      </a:solidFill>
+                      <a:prstDash val="solid"/>
+                      <a:round/>
+                      <a:headEnd type="none" w="med" len="med"/>
+                      <a:tailEnd type="none" w="med" len="med"/>
+                    </a:lnB>
+                  </a:tcPr>
+                </a:tc>
+                <a:tc>
+                  <a:txBody>
+                    <a:bodyPr/>
+                    <a:lstStyle/>
+                    <a:p>
+                      <a:pPr marL="0" marR="0" algn="ctr">
+                        <a:lnSpc>
+                          <a:spcPct val="107000"/>
+                        </a:lnSpc>
+                        <a:spcBef>
+                          <a:spcPts val="0"/>
+                        </a:spcBef>
+                        <a:spcAft>
+                          <a:spcPts val="0"/>
+                        </a:spcAft>
+                      </a:pPr>
+                      <a:r>
+                        <a:rPr lang="en-US" sz="1100">
+                          <a:solidFill>
+                            <a:srgbClr val="000000"/>
+                          </a:solidFill>
+                          <a:effectLst/>
+                          <a:latin typeface="Calibri" panose="020F0502020204030204" pitchFamily="34" charset="0"/>
+                          <a:ea typeface="Times New Roman" panose="02020603050405020304" pitchFamily="18" charset="0"/>
+                          <a:cs typeface="Calibri" panose="020F0502020204030204" pitchFamily="34" charset="0"/>
+                        </a:rPr>
+                        <a:t>Unknown</a:t>
+                      </a:r>
+                      <a:endParaRPr lang="en-US" sz="1100">
+                        <a:effectLst/>
+                        <a:latin typeface="Calibri" panose="020F0502020204030204" pitchFamily="34" charset="0"/>
+                        <a:ea typeface="Calibri" panose="020F0502020204030204" pitchFamily="34" charset="0"/>
+                        <a:cs typeface="Times New Roman" panose="02020603050405020304" pitchFamily="18" charset="0"/>
+                      </a:endParaRPr>
+                    </a:p>
+                  </a:txBody>
+                  <a:tcPr marL="42863" marR="42863" marT="0" marB="0" anchor="ctr">
+                    <a:lnL>
+                      <a:noFill/>
+                    </a:lnL>
+                    <a:lnR>
+                      <a:noFill/>
+                    </a:lnR>
+                    <a:lnT w="12700" cap="flat" cmpd="sng" algn="ctr">
+                      <a:solidFill>
+                        <a:srgbClr val="000000"/>
+                      </a:solidFill>
+                      <a:prstDash val="solid"/>
+                      <a:round/>
+                      <a:headEnd type="none" w="med" len="med"/>
+                      <a:tailEnd type="none" w="med" len="med"/>
+                    </a:lnT>
+                    <a:lnB w="12700" cap="flat" cmpd="sng" algn="ctr">
+                      <a:solidFill>
+                        <a:srgbClr val="000000"/>
+                      </a:solidFill>
+                      <a:prstDash val="solid"/>
+                      <a:round/>
+                      <a:headEnd type="none" w="med" len="med"/>
+                      <a:tailEnd type="none" w="med" len="med"/>
+                    </a:lnB>
+                  </a:tcPr>
+                </a:tc>
+                <a:tc>
+                  <a:txBody>
+                    <a:bodyPr/>
+                    <a:lstStyle/>
+                    <a:p>
+                      <a:pPr marL="0" marR="0" algn="ctr">
+                        <a:lnSpc>
+                          <a:spcPct val="107000"/>
+                        </a:lnSpc>
+                        <a:spcBef>
+                          <a:spcPts val="0"/>
+                        </a:spcBef>
+                        <a:spcAft>
+                          <a:spcPts val="0"/>
+                        </a:spcAft>
+                      </a:pPr>
+                      <a:r>
+                        <a:rPr lang="en-US" sz="1100">
+                          <a:solidFill>
+                            <a:srgbClr val="000000"/>
+                          </a:solidFill>
+                          <a:effectLst/>
+                          <a:latin typeface="Calibri" panose="020F0502020204030204" pitchFamily="34" charset="0"/>
+                          <a:ea typeface="Times New Roman" panose="02020603050405020304" pitchFamily="18" charset="0"/>
+                          <a:cs typeface="Calibri" panose="020F0502020204030204" pitchFamily="34" charset="0"/>
+                        </a:rPr>
+                        <a:t>Vagina</a:t>
+                      </a:r>
+                      <a:endParaRPr lang="en-US" sz="1100">
+                        <a:effectLst/>
+                        <a:latin typeface="Calibri" panose="020F0502020204030204" pitchFamily="34" charset="0"/>
+                        <a:ea typeface="Calibri" panose="020F0502020204030204" pitchFamily="34" charset="0"/>
+                        <a:cs typeface="Times New Roman" panose="02020603050405020304" pitchFamily="18" charset="0"/>
+                      </a:endParaRPr>
+                    </a:p>
+                  </a:txBody>
+                  <a:tcPr marL="42863" marR="42863" marT="0" marB="0" anchor="ctr">
+                    <a:lnL>
+                      <a:noFill/>
+                    </a:lnL>
+                    <a:lnR>
+                      <a:noFill/>
+                    </a:lnR>
+                    <a:lnT w="12700" cap="flat" cmpd="sng" algn="ctr">
+                      <a:solidFill>
+                        <a:srgbClr val="000000"/>
+                      </a:solidFill>
+                      <a:prstDash val="solid"/>
+                      <a:round/>
+                      <a:headEnd type="none" w="med" len="med"/>
+                      <a:tailEnd type="none" w="med" len="med"/>
+                    </a:lnT>
+                    <a:lnB w="12700" cap="flat" cmpd="sng" algn="ctr">
+                      <a:solidFill>
+                        <a:srgbClr val="000000"/>
+                      </a:solidFill>
+                      <a:prstDash val="solid"/>
+                      <a:round/>
+                      <a:headEnd type="none" w="med" len="med"/>
+                      <a:tailEnd type="none" w="med" len="med"/>
+                    </a:lnB>
+                  </a:tcPr>
+                </a:tc>
+                <a:extLst>
+                  <a:ext uri="{0D108BD9-81ED-4DB2-BD59-A6C34878D82A}">
+                    <a16:rowId xmlns:a16="http://schemas.microsoft.com/office/drawing/2014/main" val="726880910"/>
+                  </a:ext>
+                </a:extLst>
+              </a:tr>
+              <a:tr h="188607">
+                <a:tc rowSpan="4">
+                  <a:txBody>
+                    <a:bodyPr/>
+                    <a:lstStyle/>
+                    <a:p>
+                      <a:pPr marL="0" marR="0" algn="ctr">
+                        <a:lnSpc>
+                          <a:spcPct val="107000"/>
+                        </a:lnSpc>
+                        <a:spcBef>
+                          <a:spcPts val="0"/>
+                        </a:spcBef>
+                        <a:spcAft>
+                          <a:spcPts val="0"/>
+                        </a:spcAft>
+                      </a:pPr>
+                      <a:r>
+                        <a:rPr lang="en-US" sz="1100">
+                          <a:solidFill>
+                            <a:srgbClr val="000000"/>
+                          </a:solidFill>
+                          <a:effectLst/>
+                          <a:latin typeface="Calibri" panose="020F0502020204030204" pitchFamily="34" charset="0"/>
+                          <a:ea typeface="Times New Roman" panose="02020603050405020304" pitchFamily="18" charset="0"/>
+                          <a:cs typeface="Calibri" panose="020F0502020204030204" pitchFamily="34" charset="0"/>
+                        </a:rPr>
+                        <a:t>C-section</a:t>
+                      </a:r>
+                      <a:endParaRPr lang="en-US" sz="1100">
+                        <a:effectLst/>
+                        <a:latin typeface="Calibri" panose="020F0502020204030204" pitchFamily="34" charset="0"/>
+                        <a:ea typeface="Calibri" panose="020F0502020204030204" pitchFamily="34" charset="0"/>
+                        <a:cs typeface="Times New Roman" panose="02020603050405020304" pitchFamily="18" charset="0"/>
+                      </a:endParaRPr>
+                    </a:p>
+                  </a:txBody>
+                  <a:tcPr marL="42863" marR="42863" marT="0" marB="0" anchor="ctr">
+                    <a:lnL>
+                      <a:noFill/>
+                    </a:lnL>
+                    <a:lnR>
+                      <a:noFill/>
+                    </a:lnR>
+                    <a:lnT w="12700" cap="flat" cmpd="sng" algn="ctr">
+                      <a:solidFill>
+                        <a:srgbClr val="000000"/>
+                      </a:solidFill>
+                      <a:prstDash val="solid"/>
+                      <a:round/>
+                      <a:headEnd type="none" w="med" len="med"/>
+                      <a:tailEnd type="none" w="med" len="med"/>
+                    </a:lnT>
+                    <a:lnB>
+                      <a:noFill/>
+                    </a:lnB>
+                  </a:tcPr>
+                </a:tc>
+                <a:tc rowSpan="2">
+                  <a:txBody>
+                    <a:bodyPr/>
+                    <a:lstStyle/>
+                    <a:p>
+                      <a:pPr marL="0" marR="0" algn="ctr">
+                        <a:lnSpc>
+                          <a:spcPct val="107000"/>
+                        </a:lnSpc>
+                        <a:spcBef>
+                          <a:spcPts val="0"/>
+                        </a:spcBef>
+                        <a:spcAft>
+                          <a:spcPts val="0"/>
+                        </a:spcAft>
+                      </a:pPr>
+                      <a:r>
+                        <a:rPr lang="en-US" sz="1100">
+                          <a:solidFill>
+                            <a:srgbClr val="000000"/>
+                          </a:solidFill>
+                          <a:effectLst/>
+                          <a:latin typeface="Calibri" panose="020F0502020204030204" pitchFamily="34" charset="0"/>
+                          <a:ea typeface="Times New Roman" panose="02020603050405020304" pitchFamily="18" charset="0"/>
+                          <a:cs typeface="Calibri" panose="020F0502020204030204" pitchFamily="34" charset="0"/>
+                        </a:rPr>
+                        <a:t>Ear</a:t>
+                      </a:r>
+                      <a:endParaRPr lang="en-US" sz="1100">
+                        <a:effectLst/>
+                        <a:latin typeface="Calibri" panose="020F0502020204030204" pitchFamily="34" charset="0"/>
+                        <a:ea typeface="Calibri" panose="020F0502020204030204" pitchFamily="34" charset="0"/>
+                        <a:cs typeface="Times New Roman" panose="02020603050405020304" pitchFamily="18" charset="0"/>
+                      </a:endParaRPr>
+                    </a:p>
+                  </a:txBody>
+                  <a:tcPr marL="42863" marR="42863" marT="0" marB="0" anchor="ctr">
+                    <a:lnL>
+                      <a:noFill/>
+                    </a:lnL>
+                    <a:lnR>
+                      <a:noFill/>
+                    </a:lnR>
+                    <a:lnT w="12700" cap="flat" cmpd="sng" algn="ctr">
+                      <a:solidFill>
+                        <a:srgbClr val="000000"/>
+                      </a:solidFill>
+                      <a:prstDash val="solid"/>
+                      <a:round/>
+                      <a:headEnd type="none" w="med" len="med"/>
+                      <a:tailEnd type="none" w="med" len="med"/>
+                    </a:lnT>
+                    <a:lnB>
+                      <a:noFill/>
+                    </a:lnB>
+                  </a:tcPr>
+                </a:tc>
+                <a:tc>
+                  <a:txBody>
+                    <a:bodyPr/>
+                    <a:lstStyle/>
+                    <a:p>
+                      <a:pPr marL="0" marR="0" algn="ctr">
+                        <a:lnSpc>
+                          <a:spcPct val="107000"/>
+                        </a:lnSpc>
+                        <a:spcBef>
+                          <a:spcPts val="0"/>
+                        </a:spcBef>
+                        <a:spcAft>
+                          <a:spcPts val="0"/>
+                        </a:spcAft>
+                      </a:pPr>
+                      <a:r>
+                        <a:rPr lang="en-US" sz="1100">
+                          <a:solidFill>
+                            <a:srgbClr val="000000"/>
+                          </a:solidFill>
+                          <a:effectLst/>
+                          <a:latin typeface="Calibri" panose="020F0502020204030204" pitchFamily="34" charset="0"/>
+                          <a:ea typeface="Times New Roman" panose="02020603050405020304" pitchFamily="18" charset="0"/>
+                          <a:cs typeface="Calibri" panose="020F0502020204030204" pitchFamily="34" charset="0"/>
+                        </a:rPr>
+                        <a:t>Control</a:t>
+                      </a:r>
+                      <a:endParaRPr lang="en-US" sz="1100">
+                        <a:effectLst/>
+                        <a:latin typeface="Calibri" panose="020F0502020204030204" pitchFamily="34" charset="0"/>
+                        <a:ea typeface="Calibri" panose="020F0502020204030204" pitchFamily="34" charset="0"/>
+                        <a:cs typeface="Times New Roman" panose="02020603050405020304" pitchFamily="18" charset="0"/>
+                      </a:endParaRPr>
+                    </a:p>
+                  </a:txBody>
+                  <a:tcPr marL="42863" marR="42863" marT="0" marB="0" anchor="ctr">
+                    <a:lnL>
+                      <a:noFill/>
+                    </a:lnL>
+                    <a:lnR>
+                      <a:noFill/>
+                    </a:lnR>
+                    <a:lnT w="12700" cap="flat" cmpd="sng" algn="ctr">
+                      <a:solidFill>
+                        <a:srgbClr val="000000"/>
+                      </a:solidFill>
+                      <a:prstDash val="solid"/>
+                      <a:round/>
+                      <a:headEnd type="none" w="med" len="med"/>
+                      <a:tailEnd type="none" w="med" len="med"/>
+                    </a:lnT>
+                    <a:lnB>
+                      <a:noFill/>
+                    </a:lnB>
+                  </a:tcPr>
+                </a:tc>
+                <a:tc>
+                  <a:txBody>
+                    <a:bodyPr/>
+                    <a:lstStyle/>
+                    <a:p>
+                      <a:pPr marL="0" marR="0" algn="ctr">
+                        <a:lnSpc>
+                          <a:spcPct val="107000"/>
+                        </a:lnSpc>
+                        <a:spcBef>
+                          <a:spcPts val="0"/>
+                        </a:spcBef>
+                        <a:spcAft>
+                          <a:spcPts val="0"/>
+                        </a:spcAft>
+                      </a:pPr>
+                      <a:r>
+                        <a:rPr lang="en-US" sz="1100">
+                          <a:solidFill>
+                            <a:srgbClr val="000000"/>
+                          </a:solidFill>
+                          <a:effectLst/>
+                          <a:latin typeface="Calibri" panose="020F0502020204030204" pitchFamily="34" charset="0"/>
+                          <a:ea typeface="Times New Roman" panose="02020603050405020304" pitchFamily="18" charset="0"/>
+                          <a:cs typeface="Calibri" panose="020F0502020204030204" pitchFamily="34" charset="0"/>
+                        </a:rPr>
+                        <a:t>0.635 ± 0.31</a:t>
+                      </a:r>
+                      <a:endParaRPr lang="en-US" sz="1100">
+                        <a:effectLst/>
+                        <a:latin typeface="Calibri" panose="020F0502020204030204" pitchFamily="34" charset="0"/>
+                        <a:ea typeface="Calibri" panose="020F0502020204030204" pitchFamily="34" charset="0"/>
+                        <a:cs typeface="Times New Roman" panose="02020603050405020304" pitchFamily="18" charset="0"/>
+                      </a:endParaRPr>
+                    </a:p>
+                  </a:txBody>
+                  <a:tcPr marL="42863" marR="42863" marT="0" marB="0" anchor="ctr">
+                    <a:lnL>
+                      <a:noFill/>
+                    </a:lnL>
+                    <a:lnR>
+                      <a:noFill/>
+                    </a:lnR>
+                    <a:lnT w="12700" cap="flat" cmpd="sng" algn="ctr">
+                      <a:solidFill>
+                        <a:srgbClr val="000000"/>
+                      </a:solidFill>
+                      <a:prstDash val="solid"/>
+                      <a:round/>
+                      <a:headEnd type="none" w="med" len="med"/>
+                      <a:tailEnd type="none" w="med" len="med"/>
+                    </a:lnT>
+                    <a:lnB>
+                      <a:noFill/>
+                    </a:lnB>
+                  </a:tcPr>
+                </a:tc>
+                <a:tc>
+                  <a:txBody>
+                    <a:bodyPr/>
+                    <a:lstStyle/>
+                    <a:p>
+                      <a:pPr marL="0" marR="0" algn="ctr">
+                        <a:lnSpc>
+                          <a:spcPct val="107000"/>
+                        </a:lnSpc>
+                        <a:spcBef>
+                          <a:spcPts val="0"/>
+                        </a:spcBef>
+                        <a:spcAft>
+                          <a:spcPts val="0"/>
+                        </a:spcAft>
+                      </a:pPr>
+                      <a:r>
+                        <a:rPr lang="en-US" sz="1100">
+                          <a:solidFill>
+                            <a:srgbClr val="000000"/>
+                          </a:solidFill>
+                          <a:effectLst/>
+                          <a:latin typeface="Calibri" panose="020F0502020204030204" pitchFamily="34" charset="0"/>
+                          <a:ea typeface="Times New Roman" panose="02020603050405020304" pitchFamily="18" charset="0"/>
+                          <a:cs typeface="Calibri" panose="020F0502020204030204" pitchFamily="34" charset="0"/>
+                        </a:rPr>
+                        <a:t>0.022 ± 0.048</a:t>
+                      </a:r>
+                      <a:endParaRPr lang="en-US" sz="1100">
+                        <a:effectLst/>
+                        <a:latin typeface="Calibri" panose="020F0502020204030204" pitchFamily="34" charset="0"/>
+                        <a:ea typeface="Calibri" panose="020F0502020204030204" pitchFamily="34" charset="0"/>
+                        <a:cs typeface="Times New Roman" panose="02020603050405020304" pitchFamily="18" charset="0"/>
+                      </a:endParaRPr>
+                    </a:p>
+                  </a:txBody>
+                  <a:tcPr marL="42863" marR="42863" marT="0" marB="0" anchor="ctr">
+                    <a:lnL>
+                      <a:noFill/>
+                    </a:lnL>
+                    <a:lnR>
+                      <a:noFill/>
+                    </a:lnR>
+                    <a:lnT w="12700" cap="flat" cmpd="sng" algn="ctr">
+                      <a:solidFill>
+                        <a:srgbClr val="000000"/>
+                      </a:solidFill>
+                      <a:prstDash val="solid"/>
+                      <a:round/>
+                      <a:headEnd type="none" w="med" len="med"/>
+                      <a:tailEnd type="none" w="med" len="med"/>
+                    </a:lnT>
+                    <a:lnB>
+                      <a:noFill/>
+                    </a:lnB>
+                  </a:tcPr>
+                </a:tc>
+                <a:tc>
+                  <a:txBody>
+                    <a:bodyPr/>
+                    <a:lstStyle/>
+                    <a:p>
+                      <a:pPr marL="0" marR="0" algn="ctr">
+                        <a:lnSpc>
+                          <a:spcPct val="107000"/>
+                        </a:lnSpc>
+                        <a:spcBef>
+                          <a:spcPts val="0"/>
+                        </a:spcBef>
+                        <a:spcAft>
+                          <a:spcPts val="0"/>
+                        </a:spcAft>
+                      </a:pPr>
+                      <a:r>
+                        <a:rPr lang="en-US" sz="1100">
+                          <a:solidFill>
+                            <a:srgbClr val="000000"/>
+                          </a:solidFill>
+                          <a:effectLst/>
+                          <a:latin typeface="Calibri" panose="020F0502020204030204" pitchFamily="34" charset="0"/>
+                          <a:ea typeface="Times New Roman" panose="02020603050405020304" pitchFamily="18" charset="0"/>
+                          <a:cs typeface="Calibri" panose="020F0502020204030204" pitchFamily="34" charset="0"/>
+                        </a:rPr>
+                        <a:t>0.035 ± 0.043</a:t>
+                      </a:r>
+                      <a:endParaRPr lang="en-US" sz="1100">
+                        <a:effectLst/>
+                        <a:latin typeface="Calibri" panose="020F0502020204030204" pitchFamily="34" charset="0"/>
+                        <a:ea typeface="Calibri" panose="020F0502020204030204" pitchFamily="34" charset="0"/>
+                        <a:cs typeface="Times New Roman" panose="02020603050405020304" pitchFamily="18" charset="0"/>
+                      </a:endParaRPr>
+                    </a:p>
+                  </a:txBody>
+                  <a:tcPr marL="42863" marR="42863" marT="0" marB="0" anchor="ctr">
+                    <a:lnL>
+                      <a:noFill/>
+                    </a:lnL>
+                    <a:lnR>
+                      <a:noFill/>
+                    </a:lnR>
+                    <a:lnT w="12700" cap="flat" cmpd="sng" algn="ctr">
+                      <a:solidFill>
+                        <a:srgbClr val="000000"/>
+                      </a:solidFill>
+                      <a:prstDash val="solid"/>
+                      <a:round/>
+                      <a:headEnd type="none" w="med" len="med"/>
+                      <a:tailEnd type="none" w="med" len="med"/>
+                    </a:lnT>
+                    <a:lnB>
+                      <a:noFill/>
+                    </a:lnB>
+                  </a:tcPr>
+                </a:tc>
+                <a:tc>
+                  <a:txBody>
+                    <a:bodyPr/>
+                    <a:lstStyle/>
+                    <a:p>
+                      <a:pPr marL="0" marR="0" algn="ctr">
+                        <a:lnSpc>
+                          <a:spcPct val="107000"/>
+                        </a:lnSpc>
+                        <a:spcBef>
+                          <a:spcPts val="0"/>
+                        </a:spcBef>
+                        <a:spcAft>
+                          <a:spcPts val="0"/>
+                        </a:spcAft>
+                      </a:pPr>
+                      <a:r>
+                        <a:rPr lang="en-US" sz="1100">
+                          <a:solidFill>
+                            <a:srgbClr val="000000"/>
+                          </a:solidFill>
+                          <a:effectLst/>
+                          <a:latin typeface="Calibri" panose="020F0502020204030204" pitchFamily="34" charset="0"/>
+                          <a:ea typeface="Times New Roman" panose="02020603050405020304" pitchFamily="18" charset="0"/>
+                          <a:cs typeface="Calibri" panose="020F0502020204030204" pitchFamily="34" charset="0"/>
+                        </a:rPr>
+                        <a:t>0.276 ± 0.285</a:t>
+                      </a:r>
+                      <a:endParaRPr lang="en-US" sz="1100">
+                        <a:effectLst/>
+                        <a:latin typeface="Calibri" panose="020F0502020204030204" pitchFamily="34" charset="0"/>
+                        <a:ea typeface="Calibri" panose="020F0502020204030204" pitchFamily="34" charset="0"/>
+                        <a:cs typeface="Times New Roman" panose="02020603050405020304" pitchFamily="18" charset="0"/>
+                      </a:endParaRPr>
+                    </a:p>
+                  </a:txBody>
+                  <a:tcPr marL="42863" marR="42863" marT="0" marB="0" anchor="ctr">
+                    <a:lnL>
+                      <a:noFill/>
+                    </a:lnL>
+                    <a:lnR>
+                      <a:noFill/>
+                    </a:lnR>
+                    <a:lnT w="12700" cap="flat" cmpd="sng" algn="ctr">
+                      <a:solidFill>
+                        <a:srgbClr val="000000"/>
+                      </a:solidFill>
+                      <a:prstDash val="solid"/>
+                      <a:round/>
+                      <a:headEnd type="none" w="med" len="med"/>
+                      <a:tailEnd type="none" w="med" len="med"/>
+                    </a:lnT>
+                    <a:lnB>
+                      <a:noFill/>
+                    </a:lnB>
+                  </a:tcPr>
+                </a:tc>
+                <a:tc>
+                  <a:txBody>
+                    <a:bodyPr/>
+                    <a:lstStyle/>
+                    <a:p>
+                      <a:pPr marL="0" marR="0" algn="ctr">
+                        <a:lnSpc>
+                          <a:spcPct val="107000"/>
+                        </a:lnSpc>
+                        <a:spcBef>
+                          <a:spcPts val="0"/>
+                        </a:spcBef>
+                        <a:spcAft>
+                          <a:spcPts val="0"/>
+                        </a:spcAft>
+                      </a:pPr>
+                      <a:r>
+                        <a:rPr lang="en-US" sz="1100">
+                          <a:solidFill>
+                            <a:srgbClr val="000000"/>
+                          </a:solidFill>
+                          <a:effectLst/>
+                          <a:latin typeface="Calibri" panose="020F0502020204030204" pitchFamily="34" charset="0"/>
+                          <a:ea typeface="Times New Roman" panose="02020603050405020304" pitchFamily="18" charset="0"/>
+                          <a:cs typeface="Calibri" panose="020F0502020204030204" pitchFamily="34" charset="0"/>
+                        </a:rPr>
+                        <a:t>0.031 ± 0.051</a:t>
+                      </a:r>
+                      <a:endParaRPr lang="en-US" sz="1100">
+                        <a:effectLst/>
+                        <a:latin typeface="Calibri" panose="020F0502020204030204" pitchFamily="34" charset="0"/>
+                        <a:ea typeface="Calibri" panose="020F0502020204030204" pitchFamily="34" charset="0"/>
+                        <a:cs typeface="Times New Roman" panose="02020603050405020304" pitchFamily="18" charset="0"/>
+                      </a:endParaRPr>
+                    </a:p>
+                  </a:txBody>
+                  <a:tcPr marL="42863" marR="42863" marT="0" marB="0" anchor="ctr">
+                    <a:lnL>
+                      <a:noFill/>
+                    </a:lnL>
+                    <a:lnR>
+                      <a:noFill/>
+                    </a:lnR>
+                    <a:lnT w="12700" cap="flat" cmpd="sng" algn="ctr">
+                      <a:solidFill>
+                        <a:srgbClr val="000000"/>
+                      </a:solidFill>
+                      <a:prstDash val="solid"/>
+                      <a:round/>
+                      <a:headEnd type="none" w="med" len="med"/>
+                      <a:tailEnd type="none" w="med" len="med"/>
+                    </a:lnT>
+                    <a:lnB>
+                      <a:noFill/>
+                    </a:lnB>
+                  </a:tcPr>
+                </a:tc>
+                <a:extLst>
+                  <a:ext uri="{0D108BD9-81ED-4DB2-BD59-A6C34878D82A}">
+                    <a16:rowId xmlns:a16="http://schemas.microsoft.com/office/drawing/2014/main" val="1410334247"/>
+                  </a:ext>
+                </a:extLst>
+              </a:tr>
+              <a:tr h="188607">
+                <a:tc vMerge="1">
+                  <a:txBody>
+                    <a:bodyPr/>
+                    <a:lstStyle/>
+                    <a:p>
+                      <a:endParaRPr lang="en-US"/>
+                    </a:p>
+                  </a:txBody>
+                  <a:tcPr/>
+                </a:tc>
+                <a:tc vMerge="1">
+                  <a:txBody>
+                    <a:bodyPr/>
+                    <a:lstStyle/>
+                    <a:p>
+                      <a:endParaRPr lang="en-US"/>
+                    </a:p>
+                  </a:txBody>
+                  <a:tcPr/>
+                </a:tc>
+                <a:tc>
+                  <a:txBody>
+                    <a:bodyPr/>
+                    <a:lstStyle/>
+                    <a:p>
+                      <a:pPr marL="0" marR="0" algn="ctr">
+                        <a:lnSpc>
+                          <a:spcPct val="107000"/>
+                        </a:lnSpc>
+                        <a:spcBef>
+                          <a:spcPts val="0"/>
+                        </a:spcBef>
+                        <a:spcAft>
+                          <a:spcPts val="0"/>
+                        </a:spcAft>
+                      </a:pPr>
+                      <a:r>
+                        <a:rPr lang="en-US" sz="1100">
+                          <a:solidFill>
+                            <a:srgbClr val="000000"/>
+                          </a:solidFill>
+                          <a:effectLst/>
+                          <a:latin typeface="Calibri" panose="020F0502020204030204" pitchFamily="34" charset="0"/>
+                          <a:ea typeface="Times New Roman" panose="02020603050405020304" pitchFamily="18" charset="0"/>
+                          <a:cs typeface="Calibri" panose="020F0502020204030204" pitchFamily="34" charset="0"/>
+                        </a:rPr>
+                        <a:t>T1D</a:t>
+                      </a:r>
+                      <a:endParaRPr lang="en-US" sz="1100">
+                        <a:effectLst/>
+                        <a:latin typeface="Calibri" panose="020F0502020204030204" pitchFamily="34" charset="0"/>
+                        <a:ea typeface="Calibri" panose="020F0502020204030204" pitchFamily="34" charset="0"/>
+                        <a:cs typeface="Times New Roman" panose="02020603050405020304" pitchFamily="18" charset="0"/>
+                      </a:endParaRPr>
+                    </a:p>
+                  </a:txBody>
+                  <a:tcPr marL="42863" marR="42863" marT="0" marB="0" anchor="ctr">
+                    <a:lnL>
+                      <a:noFill/>
+                    </a:lnL>
+                    <a:lnR>
+                      <a:noFill/>
+                    </a:lnR>
+                    <a:lnT>
+                      <a:noFill/>
+                    </a:lnT>
+                    <a:lnB>
+                      <a:noFill/>
+                    </a:lnB>
+                  </a:tcPr>
+                </a:tc>
+                <a:tc>
+                  <a:txBody>
+                    <a:bodyPr/>
+                    <a:lstStyle/>
+                    <a:p>
+                      <a:pPr marL="0" marR="0" algn="ctr">
+                        <a:lnSpc>
+                          <a:spcPct val="107000"/>
+                        </a:lnSpc>
+                        <a:spcBef>
+                          <a:spcPts val="0"/>
+                        </a:spcBef>
+                        <a:spcAft>
+                          <a:spcPts val="0"/>
+                        </a:spcAft>
+                      </a:pPr>
+                      <a:r>
+                        <a:rPr lang="en-US" sz="1100">
+                          <a:solidFill>
+                            <a:srgbClr val="000000"/>
+                          </a:solidFill>
+                          <a:effectLst/>
+                          <a:latin typeface="Calibri" panose="020F0502020204030204" pitchFamily="34" charset="0"/>
+                          <a:ea typeface="Times New Roman" panose="02020603050405020304" pitchFamily="18" charset="0"/>
+                          <a:cs typeface="Calibri" panose="020F0502020204030204" pitchFamily="34" charset="0"/>
+                        </a:rPr>
+                        <a:t>0.691 ± 0.28</a:t>
+                      </a:r>
+                      <a:endParaRPr lang="en-US" sz="1100">
+                        <a:effectLst/>
+                        <a:latin typeface="Calibri" panose="020F0502020204030204" pitchFamily="34" charset="0"/>
+                        <a:ea typeface="Calibri" panose="020F0502020204030204" pitchFamily="34" charset="0"/>
+                        <a:cs typeface="Times New Roman" panose="02020603050405020304" pitchFamily="18" charset="0"/>
+                      </a:endParaRPr>
+                    </a:p>
+                  </a:txBody>
+                  <a:tcPr marL="42863" marR="42863" marT="0" marB="0" anchor="ctr">
+                    <a:lnL>
+                      <a:noFill/>
+                    </a:lnL>
+                    <a:lnR>
+                      <a:noFill/>
+                    </a:lnR>
+                    <a:lnT>
+                      <a:noFill/>
+                    </a:lnT>
+                    <a:lnB>
+                      <a:noFill/>
+                    </a:lnB>
+                  </a:tcPr>
+                </a:tc>
+                <a:tc>
+                  <a:txBody>
+                    <a:bodyPr/>
+                    <a:lstStyle/>
+                    <a:p>
+                      <a:pPr marL="0" marR="0" algn="ctr">
+                        <a:lnSpc>
+                          <a:spcPct val="107000"/>
+                        </a:lnSpc>
+                        <a:spcBef>
+                          <a:spcPts val="0"/>
+                        </a:spcBef>
+                        <a:spcAft>
+                          <a:spcPts val="0"/>
+                        </a:spcAft>
+                      </a:pPr>
+                      <a:r>
+                        <a:rPr lang="en-US" sz="1100">
+                          <a:solidFill>
+                            <a:srgbClr val="000000"/>
+                          </a:solidFill>
+                          <a:effectLst/>
+                          <a:latin typeface="Calibri" panose="020F0502020204030204" pitchFamily="34" charset="0"/>
+                          <a:ea typeface="Times New Roman" panose="02020603050405020304" pitchFamily="18" charset="0"/>
+                          <a:cs typeface="Calibri" panose="020F0502020204030204" pitchFamily="34" charset="0"/>
+                        </a:rPr>
+                        <a:t>0.02 ± 0.03</a:t>
+                      </a:r>
+                      <a:endParaRPr lang="en-US" sz="1100">
+                        <a:effectLst/>
+                        <a:latin typeface="Calibri" panose="020F0502020204030204" pitchFamily="34" charset="0"/>
+                        <a:ea typeface="Calibri" panose="020F0502020204030204" pitchFamily="34" charset="0"/>
+                        <a:cs typeface="Times New Roman" panose="02020603050405020304" pitchFamily="18" charset="0"/>
+                      </a:endParaRPr>
+                    </a:p>
+                  </a:txBody>
+                  <a:tcPr marL="42863" marR="42863" marT="0" marB="0" anchor="ctr">
+                    <a:lnL>
+                      <a:noFill/>
+                    </a:lnL>
+                    <a:lnR>
+                      <a:noFill/>
+                    </a:lnR>
+                    <a:lnT>
+                      <a:noFill/>
+                    </a:lnT>
+                    <a:lnB>
+                      <a:noFill/>
+                    </a:lnB>
+                  </a:tcPr>
+                </a:tc>
+                <a:tc>
+                  <a:txBody>
+                    <a:bodyPr/>
+                    <a:lstStyle/>
+                    <a:p>
+                      <a:pPr marL="0" marR="0" algn="ctr">
+                        <a:lnSpc>
+                          <a:spcPct val="107000"/>
+                        </a:lnSpc>
+                        <a:spcBef>
+                          <a:spcPts val="0"/>
+                        </a:spcBef>
+                        <a:spcAft>
+                          <a:spcPts val="0"/>
+                        </a:spcAft>
+                      </a:pPr>
+                      <a:r>
+                        <a:rPr lang="en-US" sz="1100">
+                          <a:solidFill>
+                            <a:srgbClr val="000000"/>
+                          </a:solidFill>
+                          <a:effectLst/>
+                          <a:latin typeface="Calibri" panose="020F0502020204030204" pitchFamily="34" charset="0"/>
+                          <a:ea typeface="Times New Roman" panose="02020603050405020304" pitchFamily="18" charset="0"/>
+                          <a:cs typeface="Calibri" panose="020F0502020204030204" pitchFamily="34" charset="0"/>
+                        </a:rPr>
+                        <a:t>0.039 ± 0.038</a:t>
+                      </a:r>
+                      <a:endParaRPr lang="en-US" sz="1100">
+                        <a:effectLst/>
+                        <a:latin typeface="Calibri" panose="020F0502020204030204" pitchFamily="34" charset="0"/>
+                        <a:ea typeface="Calibri" panose="020F0502020204030204" pitchFamily="34" charset="0"/>
+                        <a:cs typeface="Times New Roman" panose="02020603050405020304" pitchFamily="18" charset="0"/>
+                      </a:endParaRPr>
+                    </a:p>
+                  </a:txBody>
+                  <a:tcPr marL="42863" marR="42863" marT="0" marB="0" anchor="ctr">
+                    <a:lnL>
+                      <a:noFill/>
+                    </a:lnL>
+                    <a:lnR>
+                      <a:noFill/>
+                    </a:lnR>
+                    <a:lnT>
+                      <a:noFill/>
+                    </a:lnT>
+                    <a:lnB>
+                      <a:noFill/>
+                    </a:lnB>
+                  </a:tcPr>
+                </a:tc>
+                <a:tc>
+                  <a:txBody>
+                    <a:bodyPr/>
+                    <a:lstStyle/>
+                    <a:p>
+                      <a:pPr marL="0" marR="0" algn="ctr">
+                        <a:lnSpc>
+                          <a:spcPct val="107000"/>
+                        </a:lnSpc>
+                        <a:spcBef>
+                          <a:spcPts val="0"/>
+                        </a:spcBef>
+                        <a:spcAft>
+                          <a:spcPts val="0"/>
+                        </a:spcAft>
+                      </a:pPr>
+                      <a:r>
+                        <a:rPr lang="en-US" sz="1100">
+                          <a:solidFill>
+                            <a:srgbClr val="000000"/>
+                          </a:solidFill>
+                          <a:effectLst/>
+                          <a:latin typeface="Calibri" panose="020F0502020204030204" pitchFamily="34" charset="0"/>
+                          <a:ea typeface="Times New Roman" panose="02020603050405020304" pitchFamily="18" charset="0"/>
+                          <a:cs typeface="Calibri" panose="020F0502020204030204" pitchFamily="34" charset="0"/>
+                        </a:rPr>
+                        <a:t>0.22 ± 0.25</a:t>
+                      </a:r>
+                      <a:endParaRPr lang="en-US" sz="1100">
+                        <a:effectLst/>
+                        <a:latin typeface="Calibri" panose="020F0502020204030204" pitchFamily="34" charset="0"/>
+                        <a:ea typeface="Calibri" panose="020F0502020204030204" pitchFamily="34" charset="0"/>
+                        <a:cs typeface="Times New Roman" panose="02020603050405020304" pitchFamily="18" charset="0"/>
+                      </a:endParaRPr>
+                    </a:p>
+                  </a:txBody>
+                  <a:tcPr marL="42863" marR="42863" marT="0" marB="0" anchor="ctr">
+                    <a:lnL>
+                      <a:noFill/>
+                    </a:lnL>
+                    <a:lnR>
+                      <a:noFill/>
+                    </a:lnR>
+                    <a:lnT>
+                      <a:noFill/>
+                    </a:lnT>
+                    <a:lnB>
+                      <a:noFill/>
+                    </a:lnB>
+                  </a:tcPr>
+                </a:tc>
+                <a:tc>
+                  <a:txBody>
+                    <a:bodyPr/>
+                    <a:lstStyle/>
+                    <a:p>
+                      <a:pPr marL="0" marR="0" algn="ctr">
+                        <a:lnSpc>
+                          <a:spcPct val="107000"/>
+                        </a:lnSpc>
+                        <a:spcBef>
+                          <a:spcPts val="0"/>
+                        </a:spcBef>
+                        <a:spcAft>
+                          <a:spcPts val="0"/>
+                        </a:spcAft>
+                      </a:pPr>
+                      <a:r>
+                        <a:rPr lang="en-US" sz="1100">
+                          <a:solidFill>
+                            <a:srgbClr val="000000"/>
+                          </a:solidFill>
+                          <a:effectLst/>
+                          <a:latin typeface="Calibri" panose="020F0502020204030204" pitchFamily="34" charset="0"/>
+                          <a:ea typeface="Times New Roman" panose="02020603050405020304" pitchFamily="18" charset="0"/>
+                          <a:cs typeface="Calibri" panose="020F0502020204030204" pitchFamily="34" charset="0"/>
+                        </a:rPr>
+                        <a:t>0.031 ± 0.032</a:t>
+                      </a:r>
+                      <a:endParaRPr lang="en-US" sz="1100">
+                        <a:effectLst/>
+                        <a:latin typeface="Calibri" panose="020F0502020204030204" pitchFamily="34" charset="0"/>
+                        <a:ea typeface="Calibri" panose="020F0502020204030204" pitchFamily="34" charset="0"/>
+                        <a:cs typeface="Times New Roman" panose="02020603050405020304" pitchFamily="18" charset="0"/>
+                      </a:endParaRPr>
+                    </a:p>
+                  </a:txBody>
+                  <a:tcPr marL="42863" marR="42863" marT="0" marB="0" anchor="ctr">
+                    <a:lnL>
+                      <a:noFill/>
+                    </a:lnL>
+                    <a:lnR>
+                      <a:noFill/>
+                    </a:lnR>
+                    <a:lnT>
+                      <a:noFill/>
+                    </a:lnT>
+                    <a:lnB>
+                      <a:noFill/>
+                    </a:lnB>
+                  </a:tcPr>
+                </a:tc>
+                <a:extLst>
+                  <a:ext uri="{0D108BD9-81ED-4DB2-BD59-A6C34878D82A}">
+                    <a16:rowId xmlns:a16="http://schemas.microsoft.com/office/drawing/2014/main" val="3278370441"/>
+                  </a:ext>
+                </a:extLst>
+              </a:tr>
+              <a:tr h="188607">
+                <a:tc vMerge="1">
+                  <a:txBody>
+                    <a:bodyPr/>
+                    <a:lstStyle/>
+                    <a:p>
+                      <a:endParaRPr lang="en-US"/>
+                    </a:p>
+                  </a:txBody>
+                  <a:tcPr/>
+                </a:tc>
+                <a:tc rowSpan="2">
+                  <a:txBody>
+                    <a:bodyPr/>
+                    <a:lstStyle/>
+                    <a:p>
+                      <a:pPr marL="0" marR="0" algn="ctr">
+                        <a:lnSpc>
+                          <a:spcPct val="107000"/>
+                        </a:lnSpc>
+                        <a:spcBef>
+                          <a:spcPts val="0"/>
+                        </a:spcBef>
+                        <a:spcAft>
+                          <a:spcPts val="0"/>
+                        </a:spcAft>
+                      </a:pPr>
+                      <a:r>
+                        <a:rPr lang="en-US" sz="1100">
+                          <a:solidFill>
+                            <a:srgbClr val="000000"/>
+                          </a:solidFill>
+                          <a:effectLst/>
+                          <a:latin typeface="Calibri" panose="020F0502020204030204" pitchFamily="34" charset="0"/>
+                          <a:ea typeface="Times New Roman" panose="02020603050405020304" pitchFamily="18" charset="0"/>
+                          <a:cs typeface="Calibri" panose="020F0502020204030204" pitchFamily="34" charset="0"/>
+                        </a:rPr>
+                        <a:t>Stool</a:t>
+                      </a:r>
+                      <a:endParaRPr lang="en-US" sz="1100">
+                        <a:effectLst/>
+                        <a:latin typeface="Calibri" panose="020F0502020204030204" pitchFamily="34" charset="0"/>
+                        <a:ea typeface="Calibri" panose="020F0502020204030204" pitchFamily="34" charset="0"/>
+                        <a:cs typeface="Times New Roman" panose="02020603050405020304" pitchFamily="18" charset="0"/>
+                      </a:endParaRPr>
+                    </a:p>
+                  </a:txBody>
+                  <a:tcPr marL="42863" marR="42863" marT="0" marB="0" anchor="ctr">
+                    <a:lnL>
+                      <a:noFill/>
+                    </a:lnL>
+                    <a:lnR>
+                      <a:noFill/>
+                    </a:lnR>
+                    <a:lnT>
+                      <a:noFill/>
+                    </a:lnT>
+                    <a:lnB>
+                      <a:noFill/>
+                    </a:lnB>
+                  </a:tcPr>
+                </a:tc>
+                <a:tc>
+                  <a:txBody>
+                    <a:bodyPr/>
+                    <a:lstStyle/>
+                    <a:p>
+                      <a:pPr marL="0" marR="0" algn="ctr">
+                        <a:lnSpc>
+                          <a:spcPct val="107000"/>
+                        </a:lnSpc>
+                        <a:spcBef>
+                          <a:spcPts val="0"/>
+                        </a:spcBef>
+                        <a:spcAft>
+                          <a:spcPts val="0"/>
+                        </a:spcAft>
+                      </a:pPr>
+                      <a:r>
+                        <a:rPr lang="en-US" sz="1100">
+                          <a:solidFill>
+                            <a:srgbClr val="000000"/>
+                          </a:solidFill>
+                          <a:effectLst/>
+                          <a:latin typeface="Calibri" panose="020F0502020204030204" pitchFamily="34" charset="0"/>
+                          <a:ea typeface="Times New Roman" panose="02020603050405020304" pitchFamily="18" charset="0"/>
+                          <a:cs typeface="Calibri" panose="020F0502020204030204" pitchFamily="34" charset="0"/>
+                        </a:rPr>
+                        <a:t>Control</a:t>
+                      </a:r>
+                      <a:endParaRPr lang="en-US" sz="1100">
+                        <a:effectLst/>
+                        <a:latin typeface="Calibri" panose="020F0502020204030204" pitchFamily="34" charset="0"/>
+                        <a:ea typeface="Calibri" panose="020F0502020204030204" pitchFamily="34" charset="0"/>
+                        <a:cs typeface="Times New Roman" panose="02020603050405020304" pitchFamily="18" charset="0"/>
+                      </a:endParaRPr>
+                    </a:p>
+                  </a:txBody>
+                  <a:tcPr marL="42863" marR="42863" marT="0" marB="0" anchor="ctr">
+                    <a:lnL>
+                      <a:noFill/>
+                    </a:lnL>
+                    <a:lnR>
+                      <a:noFill/>
+                    </a:lnR>
+                    <a:lnT>
+                      <a:noFill/>
+                    </a:lnT>
+                    <a:lnB>
+                      <a:noFill/>
+                    </a:lnB>
+                  </a:tcPr>
+                </a:tc>
+                <a:tc>
+                  <a:txBody>
+                    <a:bodyPr/>
+                    <a:lstStyle/>
+                    <a:p>
+                      <a:pPr marL="0" marR="0" algn="ctr">
+                        <a:lnSpc>
+                          <a:spcPct val="107000"/>
+                        </a:lnSpc>
+                        <a:spcBef>
+                          <a:spcPts val="0"/>
+                        </a:spcBef>
+                        <a:spcAft>
+                          <a:spcPts val="0"/>
+                        </a:spcAft>
+                      </a:pPr>
+                      <a:r>
+                        <a:rPr lang="en-US" sz="1100">
+                          <a:solidFill>
+                            <a:srgbClr val="000000"/>
+                          </a:solidFill>
+                          <a:effectLst/>
+                          <a:latin typeface="Calibri" panose="020F0502020204030204" pitchFamily="34" charset="0"/>
+                          <a:ea typeface="Times New Roman" panose="02020603050405020304" pitchFamily="18" charset="0"/>
+                          <a:cs typeface="Calibri" panose="020F0502020204030204" pitchFamily="34" charset="0"/>
+                        </a:rPr>
+                        <a:t>0.839 ± 0.104</a:t>
+                      </a:r>
+                      <a:endParaRPr lang="en-US" sz="1100">
+                        <a:effectLst/>
+                        <a:latin typeface="Calibri" panose="020F0502020204030204" pitchFamily="34" charset="0"/>
+                        <a:ea typeface="Calibri" panose="020F0502020204030204" pitchFamily="34" charset="0"/>
+                        <a:cs typeface="Times New Roman" panose="02020603050405020304" pitchFamily="18" charset="0"/>
+                      </a:endParaRPr>
+                    </a:p>
+                  </a:txBody>
+                  <a:tcPr marL="42863" marR="42863" marT="0" marB="0" anchor="ctr">
+                    <a:lnL>
+                      <a:noFill/>
+                    </a:lnL>
+                    <a:lnR>
+                      <a:noFill/>
+                    </a:lnR>
+                    <a:lnT>
+                      <a:noFill/>
+                    </a:lnT>
+                    <a:lnB>
+                      <a:noFill/>
+                    </a:lnB>
+                  </a:tcPr>
+                </a:tc>
+                <a:tc>
+                  <a:txBody>
+                    <a:bodyPr/>
+                    <a:lstStyle/>
+                    <a:p>
+                      <a:pPr marL="0" marR="0" algn="ctr">
+                        <a:lnSpc>
+                          <a:spcPct val="107000"/>
+                        </a:lnSpc>
+                        <a:spcBef>
+                          <a:spcPts val="0"/>
+                        </a:spcBef>
+                        <a:spcAft>
+                          <a:spcPts val="0"/>
+                        </a:spcAft>
+                      </a:pPr>
+                      <a:r>
+                        <a:rPr lang="en-US" sz="1100">
+                          <a:solidFill>
+                            <a:srgbClr val="000000"/>
+                          </a:solidFill>
+                          <a:effectLst/>
+                          <a:latin typeface="Calibri" panose="020F0502020204030204" pitchFamily="34" charset="0"/>
+                          <a:ea typeface="Times New Roman" panose="02020603050405020304" pitchFamily="18" charset="0"/>
+                          <a:cs typeface="Calibri" panose="020F0502020204030204" pitchFamily="34" charset="0"/>
+                        </a:rPr>
+                        <a:t>0.003 ± 0.003</a:t>
+                      </a:r>
+                      <a:endParaRPr lang="en-US" sz="1100">
+                        <a:effectLst/>
+                        <a:latin typeface="Calibri" panose="020F0502020204030204" pitchFamily="34" charset="0"/>
+                        <a:ea typeface="Calibri" panose="020F0502020204030204" pitchFamily="34" charset="0"/>
+                        <a:cs typeface="Times New Roman" panose="02020603050405020304" pitchFamily="18" charset="0"/>
+                      </a:endParaRPr>
+                    </a:p>
+                  </a:txBody>
+                  <a:tcPr marL="42863" marR="42863" marT="0" marB="0" anchor="ctr">
+                    <a:lnL>
+                      <a:noFill/>
+                    </a:lnL>
+                    <a:lnR>
+                      <a:noFill/>
+                    </a:lnR>
+                    <a:lnT>
+                      <a:noFill/>
+                    </a:lnT>
+                    <a:lnB>
+                      <a:noFill/>
+                    </a:lnB>
+                  </a:tcPr>
+                </a:tc>
+                <a:tc>
+                  <a:txBody>
+                    <a:bodyPr/>
+                    <a:lstStyle/>
+                    <a:p>
+                      <a:pPr marL="0" marR="0" algn="ctr">
+                        <a:lnSpc>
+                          <a:spcPct val="107000"/>
+                        </a:lnSpc>
+                        <a:spcBef>
+                          <a:spcPts val="0"/>
+                        </a:spcBef>
+                        <a:spcAft>
+                          <a:spcPts val="0"/>
+                        </a:spcAft>
+                      </a:pPr>
+                      <a:r>
+                        <a:rPr lang="en-US" sz="1100">
+                          <a:solidFill>
+                            <a:srgbClr val="000000"/>
+                          </a:solidFill>
+                          <a:effectLst/>
+                          <a:latin typeface="Calibri" panose="020F0502020204030204" pitchFamily="34" charset="0"/>
+                          <a:ea typeface="Times New Roman" panose="02020603050405020304" pitchFamily="18" charset="0"/>
+                          <a:cs typeface="Calibri" panose="020F0502020204030204" pitchFamily="34" charset="0"/>
+                        </a:rPr>
+                        <a:t>0.067 ± 0.033</a:t>
+                      </a:r>
+                      <a:endParaRPr lang="en-US" sz="1100">
+                        <a:effectLst/>
+                        <a:latin typeface="Calibri" panose="020F0502020204030204" pitchFamily="34" charset="0"/>
+                        <a:ea typeface="Calibri" panose="020F0502020204030204" pitchFamily="34" charset="0"/>
+                        <a:cs typeface="Times New Roman" panose="02020603050405020304" pitchFamily="18" charset="0"/>
+                      </a:endParaRPr>
+                    </a:p>
+                  </a:txBody>
+                  <a:tcPr marL="42863" marR="42863" marT="0" marB="0" anchor="ctr">
+                    <a:lnL>
+                      <a:noFill/>
+                    </a:lnL>
+                    <a:lnR>
+                      <a:noFill/>
+                    </a:lnR>
+                    <a:lnT>
+                      <a:noFill/>
+                    </a:lnT>
+                    <a:lnB>
+                      <a:noFill/>
+                    </a:lnB>
+                  </a:tcPr>
+                </a:tc>
+                <a:tc>
+                  <a:txBody>
+                    <a:bodyPr/>
+                    <a:lstStyle/>
+                    <a:p>
+                      <a:pPr marL="0" marR="0" algn="ctr">
+                        <a:lnSpc>
+                          <a:spcPct val="107000"/>
+                        </a:lnSpc>
+                        <a:spcBef>
+                          <a:spcPts val="0"/>
+                        </a:spcBef>
+                        <a:spcAft>
+                          <a:spcPts val="0"/>
+                        </a:spcAft>
+                      </a:pPr>
+                      <a:r>
+                        <a:rPr lang="en-US" sz="1100">
+                          <a:solidFill>
+                            <a:srgbClr val="000000"/>
+                          </a:solidFill>
+                          <a:effectLst/>
+                          <a:latin typeface="Calibri" panose="020F0502020204030204" pitchFamily="34" charset="0"/>
+                          <a:ea typeface="Times New Roman" panose="02020603050405020304" pitchFamily="18" charset="0"/>
+                          <a:cs typeface="Calibri" panose="020F0502020204030204" pitchFamily="34" charset="0"/>
+                        </a:rPr>
+                        <a:t>0.046 ± 0.111</a:t>
+                      </a:r>
+                      <a:endParaRPr lang="en-US" sz="1100">
+                        <a:effectLst/>
+                        <a:latin typeface="Calibri" panose="020F0502020204030204" pitchFamily="34" charset="0"/>
+                        <a:ea typeface="Calibri" panose="020F0502020204030204" pitchFamily="34" charset="0"/>
+                        <a:cs typeface="Times New Roman" panose="02020603050405020304" pitchFamily="18" charset="0"/>
+                      </a:endParaRPr>
+                    </a:p>
+                  </a:txBody>
+                  <a:tcPr marL="42863" marR="42863" marT="0" marB="0" anchor="ctr">
+                    <a:lnL>
+                      <a:noFill/>
+                    </a:lnL>
+                    <a:lnR>
+                      <a:noFill/>
+                    </a:lnR>
+                    <a:lnT>
+                      <a:noFill/>
+                    </a:lnT>
+                    <a:lnB>
+                      <a:noFill/>
+                    </a:lnB>
+                  </a:tcPr>
+                </a:tc>
+                <a:tc>
+                  <a:txBody>
+                    <a:bodyPr/>
+                    <a:lstStyle/>
+                    <a:p>
+                      <a:pPr marL="0" marR="0" algn="ctr">
+                        <a:lnSpc>
+                          <a:spcPct val="107000"/>
+                        </a:lnSpc>
+                        <a:spcBef>
+                          <a:spcPts val="0"/>
+                        </a:spcBef>
+                        <a:spcAft>
+                          <a:spcPts val="0"/>
+                        </a:spcAft>
+                      </a:pPr>
+                      <a:r>
+                        <a:rPr lang="en-US" sz="1100">
+                          <a:solidFill>
+                            <a:srgbClr val="000000"/>
+                          </a:solidFill>
+                          <a:effectLst/>
+                          <a:latin typeface="Calibri" panose="020F0502020204030204" pitchFamily="34" charset="0"/>
+                          <a:ea typeface="Times New Roman" panose="02020603050405020304" pitchFamily="18" charset="0"/>
+                          <a:cs typeface="Calibri" panose="020F0502020204030204" pitchFamily="34" charset="0"/>
+                        </a:rPr>
+                        <a:t>0.044 ± 0.024</a:t>
+                      </a:r>
+                      <a:endParaRPr lang="en-US" sz="1100">
+                        <a:effectLst/>
+                        <a:latin typeface="Calibri" panose="020F0502020204030204" pitchFamily="34" charset="0"/>
+                        <a:ea typeface="Calibri" panose="020F0502020204030204" pitchFamily="34" charset="0"/>
+                        <a:cs typeface="Times New Roman" panose="02020603050405020304" pitchFamily="18" charset="0"/>
+                      </a:endParaRPr>
+                    </a:p>
+                  </a:txBody>
+                  <a:tcPr marL="42863" marR="42863" marT="0" marB="0" anchor="ctr">
+                    <a:lnL>
+                      <a:noFill/>
+                    </a:lnL>
+                    <a:lnR>
+                      <a:noFill/>
+                    </a:lnR>
+                    <a:lnT>
+                      <a:noFill/>
+                    </a:lnT>
+                    <a:lnB>
+                      <a:noFill/>
+                    </a:lnB>
+                  </a:tcPr>
+                </a:tc>
+                <a:extLst>
+                  <a:ext uri="{0D108BD9-81ED-4DB2-BD59-A6C34878D82A}">
+                    <a16:rowId xmlns:a16="http://schemas.microsoft.com/office/drawing/2014/main" val="864942743"/>
+                  </a:ext>
+                </a:extLst>
+              </a:tr>
+              <a:tr h="188607">
+                <a:tc vMerge="1">
+                  <a:txBody>
+                    <a:bodyPr/>
+                    <a:lstStyle/>
+                    <a:p>
+                      <a:endParaRPr lang="en-US"/>
+                    </a:p>
+                  </a:txBody>
+                  <a:tcPr/>
+                </a:tc>
+                <a:tc vMerge="1">
+                  <a:txBody>
+                    <a:bodyPr/>
+                    <a:lstStyle/>
+                    <a:p>
+                      <a:endParaRPr lang="en-US"/>
+                    </a:p>
+                  </a:txBody>
+                  <a:tcPr/>
+                </a:tc>
+                <a:tc>
+                  <a:txBody>
+                    <a:bodyPr/>
+                    <a:lstStyle/>
+                    <a:p>
+                      <a:pPr marL="0" marR="0" algn="ctr">
+                        <a:lnSpc>
+                          <a:spcPct val="107000"/>
+                        </a:lnSpc>
+                        <a:spcBef>
+                          <a:spcPts val="0"/>
+                        </a:spcBef>
+                        <a:spcAft>
+                          <a:spcPts val="0"/>
+                        </a:spcAft>
+                      </a:pPr>
+                      <a:r>
+                        <a:rPr lang="en-US" sz="1100">
+                          <a:solidFill>
+                            <a:srgbClr val="000000"/>
+                          </a:solidFill>
+                          <a:effectLst/>
+                          <a:latin typeface="Calibri" panose="020F0502020204030204" pitchFamily="34" charset="0"/>
+                          <a:ea typeface="Times New Roman" panose="02020603050405020304" pitchFamily="18" charset="0"/>
+                          <a:cs typeface="Calibri" panose="020F0502020204030204" pitchFamily="34" charset="0"/>
+                        </a:rPr>
+                        <a:t>T1D</a:t>
+                      </a:r>
+                      <a:endParaRPr lang="en-US" sz="1100">
+                        <a:effectLst/>
+                        <a:latin typeface="Calibri" panose="020F0502020204030204" pitchFamily="34" charset="0"/>
+                        <a:ea typeface="Calibri" panose="020F0502020204030204" pitchFamily="34" charset="0"/>
+                        <a:cs typeface="Times New Roman" panose="02020603050405020304" pitchFamily="18" charset="0"/>
+                      </a:endParaRPr>
+                    </a:p>
+                  </a:txBody>
+                  <a:tcPr marL="42863" marR="42863" marT="0" marB="0" anchor="ctr">
+                    <a:lnL>
+                      <a:noFill/>
+                    </a:lnL>
+                    <a:lnR>
+                      <a:noFill/>
+                    </a:lnR>
+                    <a:lnT>
+                      <a:noFill/>
+                    </a:lnT>
+                    <a:lnB>
+                      <a:noFill/>
+                    </a:lnB>
+                  </a:tcPr>
+                </a:tc>
+                <a:tc>
+                  <a:txBody>
+                    <a:bodyPr/>
+                    <a:lstStyle/>
+                    <a:p>
+                      <a:pPr marL="0" marR="0" algn="ctr">
+                        <a:lnSpc>
+                          <a:spcPct val="107000"/>
+                        </a:lnSpc>
+                        <a:spcBef>
+                          <a:spcPts val="0"/>
+                        </a:spcBef>
+                        <a:spcAft>
+                          <a:spcPts val="0"/>
+                        </a:spcAft>
+                      </a:pPr>
+                      <a:r>
+                        <a:rPr lang="en-US" sz="1100">
+                          <a:solidFill>
+                            <a:srgbClr val="000000"/>
+                          </a:solidFill>
+                          <a:effectLst/>
+                          <a:latin typeface="Calibri" panose="020F0502020204030204" pitchFamily="34" charset="0"/>
+                          <a:ea typeface="Times New Roman" panose="02020603050405020304" pitchFamily="18" charset="0"/>
+                          <a:cs typeface="Calibri" panose="020F0502020204030204" pitchFamily="34" charset="0"/>
+                        </a:rPr>
+                        <a:t>0.764 ± 0.252</a:t>
+                      </a:r>
+                      <a:endParaRPr lang="en-US" sz="1100">
+                        <a:effectLst/>
+                        <a:latin typeface="Calibri" panose="020F0502020204030204" pitchFamily="34" charset="0"/>
+                        <a:ea typeface="Calibri" panose="020F0502020204030204" pitchFamily="34" charset="0"/>
+                        <a:cs typeface="Times New Roman" panose="02020603050405020304" pitchFamily="18" charset="0"/>
+                      </a:endParaRPr>
+                    </a:p>
+                  </a:txBody>
+                  <a:tcPr marL="42863" marR="42863" marT="0" marB="0" anchor="ctr">
+                    <a:lnL>
+                      <a:noFill/>
+                    </a:lnL>
+                    <a:lnR>
+                      <a:noFill/>
+                    </a:lnR>
+                    <a:lnT>
+                      <a:noFill/>
+                    </a:lnT>
+                    <a:lnB>
+                      <a:noFill/>
+                    </a:lnB>
+                  </a:tcPr>
+                </a:tc>
+                <a:tc>
+                  <a:txBody>
+                    <a:bodyPr/>
+                    <a:lstStyle/>
+                    <a:p>
+                      <a:pPr marL="0" marR="0" algn="ctr">
+                        <a:lnSpc>
+                          <a:spcPct val="107000"/>
+                        </a:lnSpc>
+                        <a:spcBef>
+                          <a:spcPts val="0"/>
+                        </a:spcBef>
+                        <a:spcAft>
+                          <a:spcPts val="0"/>
+                        </a:spcAft>
+                      </a:pPr>
+                      <a:r>
+                        <a:rPr lang="en-US" sz="1100">
+                          <a:solidFill>
+                            <a:srgbClr val="000000"/>
+                          </a:solidFill>
+                          <a:effectLst/>
+                          <a:latin typeface="Calibri" panose="020F0502020204030204" pitchFamily="34" charset="0"/>
+                          <a:ea typeface="Times New Roman" panose="02020603050405020304" pitchFamily="18" charset="0"/>
+                          <a:cs typeface="Calibri" panose="020F0502020204030204" pitchFamily="34" charset="0"/>
+                        </a:rPr>
+                        <a:t>0.003 ± 0.005</a:t>
+                      </a:r>
+                      <a:endParaRPr lang="en-US" sz="1100">
+                        <a:effectLst/>
+                        <a:latin typeface="Calibri" panose="020F0502020204030204" pitchFamily="34" charset="0"/>
+                        <a:ea typeface="Calibri" panose="020F0502020204030204" pitchFamily="34" charset="0"/>
+                        <a:cs typeface="Times New Roman" panose="02020603050405020304" pitchFamily="18" charset="0"/>
+                      </a:endParaRPr>
+                    </a:p>
+                  </a:txBody>
+                  <a:tcPr marL="42863" marR="42863" marT="0" marB="0" anchor="ctr">
+                    <a:lnL>
+                      <a:noFill/>
+                    </a:lnL>
+                    <a:lnR>
+                      <a:noFill/>
+                    </a:lnR>
+                    <a:lnT>
+                      <a:noFill/>
+                    </a:lnT>
+                    <a:lnB>
+                      <a:noFill/>
+                    </a:lnB>
+                  </a:tcPr>
+                </a:tc>
+                <a:tc>
+                  <a:txBody>
+                    <a:bodyPr/>
+                    <a:lstStyle/>
+                    <a:p>
+                      <a:pPr marL="0" marR="0" algn="ctr">
+                        <a:lnSpc>
+                          <a:spcPct val="107000"/>
+                        </a:lnSpc>
+                        <a:spcBef>
+                          <a:spcPts val="0"/>
+                        </a:spcBef>
+                        <a:spcAft>
+                          <a:spcPts val="0"/>
+                        </a:spcAft>
+                      </a:pPr>
+                      <a:r>
+                        <a:rPr lang="en-US" sz="1100">
+                          <a:solidFill>
+                            <a:srgbClr val="000000"/>
+                          </a:solidFill>
+                          <a:effectLst/>
+                          <a:latin typeface="Calibri" panose="020F0502020204030204" pitchFamily="34" charset="0"/>
+                          <a:ea typeface="Times New Roman" panose="02020603050405020304" pitchFamily="18" charset="0"/>
+                          <a:cs typeface="Calibri" panose="020F0502020204030204" pitchFamily="34" charset="0"/>
+                        </a:rPr>
+                        <a:t>0.09 ± 0.091</a:t>
+                      </a:r>
+                      <a:endParaRPr lang="en-US" sz="1100">
+                        <a:effectLst/>
+                        <a:latin typeface="Calibri" panose="020F0502020204030204" pitchFamily="34" charset="0"/>
+                        <a:ea typeface="Calibri" panose="020F0502020204030204" pitchFamily="34" charset="0"/>
+                        <a:cs typeface="Times New Roman" panose="02020603050405020304" pitchFamily="18" charset="0"/>
+                      </a:endParaRPr>
+                    </a:p>
+                  </a:txBody>
+                  <a:tcPr marL="42863" marR="42863" marT="0" marB="0" anchor="ctr">
+                    <a:lnL>
+                      <a:noFill/>
+                    </a:lnL>
+                    <a:lnR>
+                      <a:noFill/>
+                    </a:lnR>
+                    <a:lnT>
+                      <a:noFill/>
+                    </a:lnT>
+                    <a:lnB>
+                      <a:noFill/>
+                    </a:lnB>
+                  </a:tcPr>
+                </a:tc>
+                <a:tc>
+                  <a:txBody>
+                    <a:bodyPr/>
+                    <a:lstStyle/>
+                    <a:p>
+                      <a:pPr marL="0" marR="0" algn="ctr">
+                        <a:lnSpc>
+                          <a:spcPct val="107000"/>
+                        </a:lnSpc>
+                        <a:spcBef>
+                          <a:spcPts val="0"/>
+                        </a:spcBef>
+                        <a:spcAft>
+                          <a:spcPts val="0"/>
+                        </a:spcAft>
+                      </a:pPr>
+                      <a:r>
+                        <a:rPr lang="en-US" sz="1100">
+                          <a:solidFill>
+                            <a:srgbClr val="000000"/>
+                          </a:solidFill>
+                          <a:effectLst/>
+                          <a:latin typeface="Calibri" panose="020F0502020204030204" pitchFamily="34" charset="0"/>
+                          <a:ea typeface="Times New Roman" panose="02020603050405020304" pitchFamily="18" charset="0"/>
+                          <a:cs typeface="Calibri" panose="020F0502020204030204" pitchFamily="34" charset="0"/>
+                        </a:rPr>
+                        <a:t>0.091 ± 0.209</a:t>
+                      </a:r>
+                      <a:endParaRPr lang="en-US" sz="1100">
+                        <a:effectLst/>
+                        <a:latin typeface="Calibri" panose="020F0502020204030204" pitchFamily="34" charset="0"/>
+                        <a:ea typeface="Calibri" panose="020F0502020204030204" pitchFamily="34" charset="0"/>
+                        <a:cs typeface="Times New Roman" panose="02020603050405020304" pitchFamily="18" charset="0"/>
+                      </a:endParaRPr>
+                    </a:p>
+                  </a:txBody>
+                  <a:tcPr marL="42863" marR="42863" marT="0" marB="0" anchor="ctr">
+                    <a:lnL>
+                      <a:noFill/>
+                    </a:lnL>
+                    <a:lnR>
+                      <a:noFill/>
+                    </a:lnR>
+                    <a:lnT>
+                      <a:noFill/>
+                    </a:lnT>
+                    <a:lnB>
+                      <a:noFill/>
+                    </a:lnB>
+                  </a:tcPr>
+                </a:tc>
+                <a:tc>
+                  <a:txBody>
+                    <a:bodyPr/>
+                    <a:lstStyle/>
+                    <a:p>
+                      <a:pPr marL="0" marR="0" algn="ctr">
+                        <a:lnSpc>
+                          <a:spcPct val="107000"/>
+                        </a:lnSpc>
+                        <a:spcBef>
+                          <a:spcPts val="0"/>
+                        </a:spcBef>
+                        <a:spcAft>
+                          <a:spcPts val="0"/>
+                        </a:spcAft>
+                      </a:pPr>
+                      <a:r>
+                        <a:rPr lang="en-US" sz="1100">
+                          <a:solidFill>
+                            <a:srgbClr val="000000"/>
+                          </a:solidFill>
+                          <a:effectLst/>
+                          <a:latin typeface="Calibri" panose="020F0502020204030204" pitchFamily="34" charset="0"/>
+                          <a:ea typeface="Times New Roman" panose="02020603050405020304" pitchFamily="18" charset="0"/>
+                          <a:cs typeface="Calibri" panose="020F0502020204030204" pitchFamily="34" charset="0"/>
+                        </a:rPr>
+                        <a:t>0.052 ± 0.069</a:t>
+                      </a:r>
+                      <a:endParaRPr lang="en-US" sz="1100">
+                        <a:effectLst/>
+                        <a:latin typeface="Calibri" panose="020F0502020204030204" pitchFamily="34" charset="0"/>
+                        <a:ea typeface="Calibri" panose="020F0502020204030204" pitchFamily="34" charset="0"/>
+                        <a:cs typeface="Times New Roman" panose="02020603050405020304" pitchFamily="18" charset="0"/>
+                      </a:endParaRPr>
+                    </a:p>
+                  </a:txBody>
+                  <a:tcPr marL="42863" marR="42863" marT="0" marB="0" anchor="ctr">
+                    <a:lnL>
+                      <a:noFill/>
+                    </a:lnL>
+                    <a:lnR>
+                      <a:noFill/>
+                    </a:lnR>
+                    <a:lnT>
+                      <a:noFill/>
+                    </a:lnT>
+                    <a:lnB>
+                      <a:noFill/>
+                    </a:lnB>
+                  </a:tcPr>
+                </a:tc>
+                <a:extLst>
+                  <a:ext uri="{0D108BD9-81ED-4DB2-BD59-A6C34878D82A}">
+                    <a16:rowId xmlns:a16="http://schemas.microsoft.com/office/drawing/2014/main" val="2922261006"/>
+                  </a:ext>
+                </a:extLst>
+              </a:tr>
+              <a:tr h="188607">
+                <a:tc rowSpan="4">
+                  <a:txBody>
+                    <a:bodyPr/>
+                    <a:lstStyle/>
+                    <a:p>
+                      <a:pPr marL="0" marR="0" algn="ctr">
+                        <a:lnSpc>
+                          <a:spcPct val="107000"/>
+                        </a:lnSpc>
+                        <a:spcBef>
+                          <a:spcPts val="0"/>
+                        </a:spcBef>
+                        <a:spcAft>
+                          <a:spcPts val="0"/>
+                        </a:spcAft>
+                      </a:pPr>
+                      <a:r>
+                        <a:rPr lang="en-US" sz="1100">
+                          <a:solidFill>
+                            <a:srgbClr val="000000"/>
+                          </a:solidFill>
+                          <a:effectLst/>
+                          <a:latin typeface="Calibri" panose="020F0502020204030204" pitchFamily="34" charset="0"/>
+                          <a:ea typeface="Times New Roman" panose="02020603050405020304" pitchFamily="18" charset="0"/>
+                          <a:cs typeface="Calibri" panose="020F0502020204030204" pitchFamily="34" charset="0"/>
+                        </a:rPr>
+                        <a:t>Vaginal</a:t>
+                      </a:r>
+                      <a:endParaRPr lang="en-US" sz="1100">
+                        <a:effectLst/>
+                        <a:latin typeface="Calibri" panose="020F0502020204030204" pitchFamily="34" charset="0"/>
+                        <a:ea typeface="Calibri" panose="020F0502020204030204" pitchFamily="34" charset="0"/>
+                        <a:cs typeface="Times New Roman" panose="02020603050405020304" pitchFamily="18" charset="0"/>
+                      </a:endParaRPr>
+                    </a:p>
+                  </a:txBody>
+                  <a:tcPr marL="42863" marR="42863" marT="0" marB="0" anchor="ctr">
+                    <a:lnL>
+                      <a:noFill/>
+                    </a:lnL>
+                    <a:lnR>
+                      <a:noFill/>
+                    </a:lnR>
+                    <a:lnT>
+                      <a:noFill/>
+                    </a:lnT>
+                    <a:lnB>
+                      <a:noFill/>
+                    </a:lnB>
+                  </a:tcPr>
+                </a:tc>
+                <a:tc rowSpan="2">
+                  <a:txBody>
+                    <a:bodyPr/>
+                    <a:lstStyle/>
+                    <a:p>
+                      <a:pPr marL="0" marR="0" algn="ctr">
+                        <a:lnSpc>
+                          <a:spcPct val="107000"/>
+                        </a:lnSpc>
+                        <a:spcBef>
+                          <a:spcPts val="0"/>
+                        </a:spcBef>
+                        <a:spcAft>
+                          <a:spcPts val="0"/>
+                        </a:spcAft>
+                      </a:pPr>
+                      <a:r>
+                        <a:rPr lang="en-US" sz="1100">
+                          <a:solidFill>
+                            <a:srgbClr val="000000"/>
+                          </a:solidFill>
+                          <a:effectLst/>
+                          <a:latin typeface="Calibri" panose="020F0502020204030204" pitchFamily="34" charset="0"/>
+                          <a:ea typeface="Times New Roman" panose="02020603050405020304" pitchFamily="18" charset="0"/>
+                          <a:cs typeface="Calibri" panose="020F0502020204030204" pitchFamily="34" charset="0"/>
+                        </a:rPr>
+                        <a:t>Ear</a:t>
+                      </a:r>
+                      <a:endParaRPr lang="en-US" sz="1100">
+                        <a:effectLst/>
+                        <a:latin typeface="Calibri" panose="020F0502020204030204" pitchFamily="34" charset="0"/>
+                        <a:ea typeface="Calibri" panose="020F0502020204030204" pitchFamily="34" charset="0"/>
+                        <a:cs typeface="Times New Roman" panose="02020603050405020304" pitchFamily="18" charset="0"/>
+                      </a:endParaRPr>
+                    </a:p>
+                  </a:txBody>
+                  <a:tcPr marL="42863" marR="42863" marT="0" marB="0" anchor="ctr">
+                    <a:lnL>
+                      <a:noFill/>
+                    </a:lnL>
+                    <a:lnR>
+                      <a:noFill/>
+                    </a:lnR>
+                    <a:lnT>
+                      <a:noFill/>
+                    </a:lnT>
+                    <a:lnB>
+                      <a:noFill/>
+                    </a:lnB>
+                  </a:tcPr>
+                </a:tc>
+                <a:tc>
+                  <a:txBody>
+                    <a:bodyPr/>
+                    <a:lstStyle/>
+                    <a:p>
+                      <a:pPr marL="0" marR="0" algn="ctr">
+                        <a:lnSpc>
+                          <a:spcPct val="107000"/>
+                        </a:lnSpc>
+                        <a:spcBef>
+                          <a:spcPts val="0"/>
+                        </a:spcBef>
+                        <a:spcAft>
+                          <a:spcPts val="0"/>
+                        </a:spcAft>
+                      </a:pPr>
+                      <a:r>
+                        <a:rPr lang="en-US" sz="1100">
+                          <a:solidFill>
+                            <a:srgbClr val="000000"/>
+                          </a:solidFill>
+                          <a:effectLst/>
+                          <a:latin typeface="Calibri" panose="020F0502020204030204" pitchFamily="34" charset="0"/>
+                          <a:ea typeface="Times New Roman" panose="02020603050405020304" pitchFamily="18" charset="0"/>
+                          <a:cs typeface="Calibri" panose="020F0502020204030204" pitchFamily="34" charset="0"/>
+                        </a:rPr>
+                        <a:t>Control</a:t>
+                      </a:r>
+                      <a:endParaRPr lang="en-US" sz="1100">
+                        <a:effectLst/>
+                        <a:latin typeface="Calibri" panose="020F0502020204030204" pitchFamily="34" charset="0"/>
+                        <a:ea typeface="Calibri" panose="020F0502020204030204" pitchFamily="34" charset="0"/>
+                        <a:cs typeface="Times New Roman" panose="02020603050405020304" pitchFamily="18" charset="0"/>
+                      </a:endParaRPr>
+                    </a:p>
+                  </a:txBody>
+                  <a:tcPr marL="42863" marR="42863" marT="0" marB="0" anchor="ctr">
+                    <a:lnL>
+                      <a:noFill/>
+                    </a:lnL>
+                    <a:lnR>
+                      <a:noFill/>
+                    </a:lnR>
+                    <a:lnT>
+                      <a:noFill/>
+                    </a:lnT>
+                    <a:lnB>
+                      <a:noFill/>
+                    </a:lnB>
+                  </a:tcPr>
+                </a:tc>
+                <a:tc>
+                  <a:txBody>
+                    <a:bodyPr/>
+                    <a:lstStyle/>
+                    <a:p>
+                      <a:pPr marL="0" marR="0" algn="ctr">
+                        <a:lnSpc>
+                          <a:spcPct val="107000"/>
+                        </a:lnSpc>
+                        <a:spcBef>
+                          <a:spcPts val="0"/>
+                        </a:spcBef>
+                        <a:spcAft>
+                          <a:spcPts val="0"/>
+                        </a:spcAft>
+                      </a:pPr>
+                      <a:r>
+                        <a:rPr lang="en-US" sz="1100">
+                          <a:solidFill>
+                            <a:srgbClr val="000000"/>
+                          </a:solidFill>
+                          <a:effectLst/>
+                          <a:latin typeface="Calibri" panose="020F0502020204030204" pitchFamily="34" charset="0"/>
+                          <a:ea typeface="Times New Roman" panose="02020603050405020304" pitchFamily="18" charset="0"/>
+                          <a:cs typeface="Calibri" panose="020F0502020204030204" pitchFamily="34" charset="0"/>
+                        </a:rPr>
+                        <a:t>0.595 ± 0.311</a:t>
+                      </a:r>
+                      <a:endParaRPr lang="en-US" sz="1100">
+                        <a:effectLst/>
+                        <a:latin typeface="Calibri" panose="020F0502020204030204" pitchFamily="34" charset="0"/>
+                        <a:ea typeface="Calibri" panose="020F0502020204030204" pitchFamily="34" charset="0"/>
+                        <a:cs typeface="Times New Roman" panose="02020603050405020304" pitchFamily="18" charset="0"/>
+                      </a:endParaRPr>
+                    </a:p>
+                  </a:txBody>
+                  <a:tcPr marL="42863" marR="42863" marT="0" marB="0" anchor="ctr">
+                    <a:lnL>
+                      <a:noFill/>
+                    </a:lnL>
+                    <a:lnR>
+                      <a:noFill/>
+                    </a:lnR>
+                    <a:lnT>
+                      <a:noFill/>
+                    </a:lnT>
+                    <a:lnB>
+                      <a:noFill/>
+                    </a:lnB>
+                  </a:tcPr>
+                </a:tc>
+                <a:tc>
+                  <a:txBody>
+                    <a:bodyPr/>
+                    <a:lstStyle/>
+                    <a:p>
+                      <a:pPr marL="0" marR="0" algn="ctr">
+                        <a:lnSpc>
+                          <a:spcPct val="107000"/>
+                        </a:lnSpc>
+                        <a:spcBef>
+                          <a:spcPts val="0"/>
+                        </a:spcBef>
+                        <a:spcAft>
+                          <a:spcPts val="0"/>
+                        </a:spcAft>
+                      </a:pPr>
+                      <a:r>
+                        <a:rPr lang="en-US" sz="1100">
+                          <a:solidFill>
+                            <a:srgbClr val="000000"/>
+                          </a:solidFill>
+                          <a:effectLst/>
+                          <a:latin typeface="Calibri" panose="020F0502020204030204" pitchFamily="34" charset="0"/>
+                          <a:ea typeface="Times New Roman" panose="02020603050405020304" pitchFamily="18" charset="0"/>
+                          <a:cs typeface="Calibri" panose="020F0502020204030204" pitchFamily="34" charset="0"/>
+                        </a:rPr>
+                        <a:t>0.052 ± 0.092</a:t>
+                      </a:r>
+                      <a:endParaRPr lang="en-US" sz="1100">
+                        <a:effectLst/>
+                        <a:latin typeface="Calibri" panose="020F0502020204030204" pitchFamily="34" charset="0"/>
+                        <a:ea typeface="Calibri" panose="020F0502020204030204" pitchFamily="34" charset="0"/>
+                        <a:cs typeface="Times New Roman" panose="02020603050405020304" pitchFamily="18" charset="0"/>
+                      </a:endParaRPr>
+                    </a:p>
+                  </a:txBody>
+                  <a:tcPr marL="42863" marR="42863" marT="0" marB="0" anchor="ctr">
+                    <a:lnL>
+                      <a:noFill/>
+                    </a:lnL>
+                    <a:lnR>
+                      <a:noFill/>
+                    </a:lnR>
+                    <a:lnT>
+                      <a:noFill/>
+                    </a:lnT>
+                    <a:lnB>
+                      <a:noFill/>
+                    </a:lnB>
+                  </a:tcPr>
+                </a:tc>
+                <a:tc>
+                  <a:txBody>
+                    <a:bodyPr/>
+                    <a:lstStyle/>
+                    <a:p>
+                      <a:pPr marL="0" marR="0" algn="ctr">
+                        <a:lnSpc>
+                          <a:spcPct val="107000"/>
+                        </a:lnSpc>
+                        <a:spcBef>
+                          <a:spcPts val="0"/>
+                        </a:spcBef>
+                        <a:spcAft>
+                          <a:spcPts val="0"/>
+                        </a:spcAft>
+                      </a:pPr>
+                      <a:r>
+                        <a:rPr lang="en-US" sz="1100">
+                          <a:solidFill>
+                            <a:srgbClr val="000000"/>
+                          </a:solidFill>
+                          <a:effectLst/>
+                          <a:latin typeface="Calibri" panose="020F0502020204030204" pitchFamily="34" charset="0"/>
+                          <a:ea typeface="Times New Roman" panose="02020603050405020304" pitchFamily="18" charset="0"/>
+                          <a:cs typeface="Calibri" panose="020F0502020204030204" pitchFamily="34" charset="0"/>
+                        </a:rPr>
+                        <a:t>0.09 ± 0.096</a:t>
+                      </a:r>
+                      <a:endParaRPr lang="en-US" sz="1100">
+                        <a:effectLst/>
+                        <a:latin typeface="Calibri" panose="020F0502020204030204" pitchFamily="34" charset="0"/>
+                        <a:ea typeface="Calibri" panose="020F0502020204030204" pitchFamily="34" charset="0"/>
+                        <a:cs typeface="Times New Roman" panose="02020603050405020304" pitchFamily="18" charset="0"/>
+                      </a:endParaRPr>
+                    </a:p>
+                  </a:txBody>
+                  <a:tcPr marL="42863" marR="42863" marT="0" marB="0" anchor="ctr">
+                    <a:lnL>
+                      <a:noFill/>
+                    </a:lnL>
+                    <a:lnR>
+                      <a:noFill/>
+                    </a:lnR>
+                    <a:lnT>
+                      <a:noFill/>
+                    </a:lnT>
+                    <a:lnB>
+                      <a:noFill/>
+                    </a:lnB>
+                  </a:tcPr>
+                </a:tc>
+                <a:tc>
+                  <a:txBody>
+                    <a:bodyPr/>
+                    <a:lstStyle/>
+                    <a:p>
+                      <a:pPr marL="0" marR="0" algn="ctr">
+                        <a:lnSpc>
+                          <a:spcPct val="107000"/>
+                        </a:lnSpc>
+                        <a:spcBef>
+                          <a:spcPts val="0"/>
+                        </a:spcBef>
+                        <a:spcAft>
+                          <a:spcPts val="0"/>
+                        </a:spcAft>
+                      </a:pPr>
+                      <a:r>
+                        <a:rPr lang="en-US" sz="1100">
+                          <a:solidFill>
+                            <a:srgbClr val="000000"/>
+                          </a:solidFill>
+                          <a:effectLst/>
+                          <a:latin typeface="Calibri" panose="020F0502020204030204" pitchFamily="34" charset="0"/>
+                          <a:ea typeface="Times New Roman" panose="02020603050405020304" pitchFamily="18" charset="0"/>
+                          <a:cs typeface="Calibri" panose="020F0502020204030204" pitchFamily="34" charset="0"/>
+                        </a:rPr>
+                        <a:t>0.18 ± 0.247</a:t>
+                      </a:r>
+                      <a:endParaRPr lang="en-US" sz="1100">
+                        <a:effectLst/>
+                        <a:latin typeface="Calibri" panose="020F0502020204030204" pitchFamily="34" charset="0"/>
+                        <a:ea typeface="Calibri" panose="020F0502020204030204" pitchFamily="34" charset="0"/>
+                        <a:cs typeface="Times New Roman" panose="02020603050405020304" pitchFamily="18" charset="0"/>
+                      </a:endParaRPr>
+                    </a:p>
+                  </a:txBody>
+                  <a:tcPr marL="42863" marR="42863" marT="0" marB="0" anchor="ctr">
+                    <a:lnL>
+                      <a:noFill/>
+                    </a:lnL>
+                    <a:lnR>
+                      <a:noFill/>
+                    </a:lnR>
+                    <a:lnT>
+                      <a:noFill/>
+                    </a:lnT>
+                    <a:lnB>
+                      <a:noFill/>
+                    </a:lnB>
+                  </a:tcPr>
+                </a:tc>
+                <a:tc>
+                  <a:txBody>
+                    <a:bodyPr/>
+                    <a:lstStyle/>
+                    <a:p>
+                      <a:pPr marL="0" marR="0" algn="ctr">
+                        <a:lnSpc>
+                          <a:spcPct val="107000"/>
+                        </a:lnSpc>
+                        <a:spcBef>
+                          <a:spcPts val="0"/>
+                        </a:spcBef>
+                        <a:spcAft>
+                          <a:spcPts val="0"/>
+                        </a:spcAft>
+                      </a:pPr>
+                      <a:r>
+                        <a:rPr lang="en-US" sz="1100">
+                          <a:solidFill>
+                            <a:srgbClr val="000000"/>
+                          </a:solidFill>
+                          <a:effectLst/>
+                          <a:latin typeface="Calibri" panose="020F0502020204030204" pitchFamily="34" charset="0"/>
+                          <a:ea typeface="Times New Roman" panose="02020603050405020304" pitchFamily="18" charset="0"/>
+                          <a:cs typeface="Calibri" panose="020F0502020204030204" pitchFamily="34" charset="0"/>
+                        </a:rPr>
+                        <a:t>0.083 ± 0.105</a:t>
+                      </a:r>
+                      <a:endParaRPr lang="en-US" sz="1100">
+                        <a:effectLst/>
+                        <a:latin typeface="Calibri" panose="020F0502020204030204" pitchFamily="34" charset="0"/>
+                        <a:ea typeface="Calibri" panose="020F0502020204030204" pitchFamily="34" charset="0"/>
+                        <a:cs typeface="Times New Roman" panose="02020603050405020304" pitchFamily="18" charset="0"/>
+                      </a:endParaRPr>
+                    </a:p>
+                  </a:txBody>
+                  <a:tcPr marL="42863" marR="42863" marT="0" marB="0" anchor="ctr">
+                    <a:lnL>
+                      <a:noFill/>
+                    </a:lnL>
+                    <a:lnR>
+                      <a:noFill/>
+                    </a:lnR>
+                    <a:lnT>
+                      <a:noFill/>
+                    </a:lnT>
+                    <a:lnB>
+                      <a:noFill/>
+                    </a:lnB>
+                  </a:tcPr>
+                </a:tc>
+                <a:extLst>
+                  <a:ext uri="{0D108BD9-81ED-4DB2-BD59-A6C34878D82A}">
+                    <a16:rowId xmlns:a16="http://schemas.microsoft.com/office/drawing/2014/main" val="3279492272"/>
+                  </a:ext>
+                </a:extLst>
+              </a:tr>
+              <a:tr h="188607">
+                <a:tc vMerge="1">
+                  <a:txBody>
+                    <a:bodyPr/>
+                    <a:lstStyle/>
+                    <a:p>
+                      <a:endParaRPr lang="en-US"/>
+                    </a:p>
+                  </a:txBody>
+                  <a:tcPr/>
+                </a:tc>
+                <a:tc vMerge="1">
+                  <a:txBody>
+                    <a:bodyPr/>
+                    <a:lstStyle/>
+                    <a:p>
+                      <a:endParaRPr lang="en-US"/>
+                    </a:p>
+                  </a:txBody>
+                  <a:tcPr/>
+                </a:tc>
+                <a:tc>
+                  <a:txBody>
+                    <a:bodyPr/>
+                    <a:lstStyle/>
+                    <a:p>
+                      <a:pPr marL="0" marR="0" algn="ctr">
+                        <a:lnSpc>
+                          <a:spcPct val="107000"/>
+                        </a:lnSpc>
+                        <a:spcBef>
+                          <a:spcPts val="0"/>
+                        </a:spcBef>
+                        <a:spcAft>
+                          <a:spcPts val="0"/>
+                        </a:spcAft>
+                      </a:pPr>
+                      <a:r>
+                        <a:rPr lang="en-US" sz="1100">
+                          <a:solidFill>
+                            <a:srgbClr val="000000"/>
+                          </a:solidFill>
+                          <a:effectLst/>
+                          <a:latin typeface="Calibri" panose="020F0502020204030204" pitchFamily="34" charset="0"/>
+                          <a:ea typeface="Times New Roman" panose="02020603050405020304" pitchFamily="18" charset="0"/>
+                          <a:cs typeface="Calibri" panose="020F0502020204030204" pitchFamily="34" charset="0"/>
+                        </a:rPr>
+                        <a:t>T1D</a:t>
+                      </a:r>
+                      <a:endParaRPr lang="en-US" sz="1100">
+                        <a:effectLst/>
+                        <a:latin typeface="Calibri" panose="020F0502020204030204" pitchFamily="34" charset="0"/>
+                        <a:ea typeface="Calibri" panose="020F0502020204030204" pitchFamily="34" charset="0"/>
+                        <a:cs typeface="Times New Roman" panose="02020603050405020304" pitchFamily="18" charset="0"/>
+                      </a:endParaRPr>
+                    </a:p>
+                  </a:txBody>
+                  <a:tcPr marL="42863" marR="42863" marT="0" marB="0" anchor="ctr">
+                    <a:lnL>
+                      <a:noFill/>
+                    </a:lnL>
+                    <a:lnR>
+                      <a:noFill/>
+                    </a:lnR>
+                    <a:lnT>
+                      <a:noFill/>
+                    </a:lnT>
+                    <a:lnB>
+                      <a:noFill/>
+                    </a:lnB>
+                  </a:tcPr>
+                </a:tc>
+                <a:tc>
+                  <a:txBody>
+                    <a:bodyPr/>
+                    <a:lstStyle/>
+                    <a:p>
+                      <a:pPr marL="0" marR="0" algn="ctr">
+                        <a:lnSpc>
+                          <a:spcPct val="107000"/>
+                        </a:lnSpc>
+                        <a:spcBef>
+                          <a:spcPts val="0"/>
+                        </a:spcBef>
+                        <a:spcAft>
+                          <a:spcPts val="0"/>
+                        </a:spcAft>
+                      </a:pPr>
+                      <a:r>
+                        <a:rPr lang="en-US" sz="1100">
+                          <a:solidFill>
+                            <a:srgbClr val="000000"/>
+                          </a:solidFill>
+                          <a:effectLst/>
+                          <a:latin typeface="Calibri" panose="020F0502020204030204" pitchFamily="34" charset="0"/>
+                          <a:ea typeface="Times New Roman" panose="02020603050405020304" pitchFamily="18" charset="0"/>
+                          <a:cs typeface="Calibri" panose="020F0502020204030204" pitchFamily="34" charset="0"/>
+                        </a:rPr>
+                        <a:t>0.832 ± 0.198</a:t>
+                      </a:r>
+                      <a:endParaRPr lang="en-US" sz="1100">
+                        <a:effectLst/>
+                        <a:latin typeface="Calibri" panose="020F0502020204030204" pitchFamily="34" charset="0"/>
+                        <a:ea typeface="Calibri" panose="020F0502020204030204" pitchFamily="34" charset="0"/>
+                        <a:cs typeface="Times New Roman" panose="02020603050405020304" pitchFamily="18" charset="0"/>
+                      </a:endParaRPr>
+                    </a:p>
+                  </a:txBody>
+                  <a:tcPr marL="42863" marR="42863" marT="0" marB="0" anchor="ctr">
+                    <a:lnL>
+                      <a:noFill/>
+                    </a:lnL>
+                    <a:lnR>
+                      <a:noFill/>
+                    </a:lnR>
+                    <a:lnT>
+                      <a:noFill/>
+                    </a:lnT>
+                    <a:lnB>
+                      <a:noFill/>
+                    </a:lnB>
+                  </a:tcPr>
+                </a:tc>
+                <a:tc>
+                  <a:txBody>
+                    <a:bodyPr/>
+                    <a:lstStyle/>
+                    <a:p>
+                      <a:pPr marL="0" marR="0" algn="ctr">
+                        <a:lnSpc>
+                          <a:spcPct val="107000"/>
+                        </a:lnSpc>
+                        <a:spcBef>
+                          <a:spcPts val="0"/>
+                        </a:spcBef>
+                        <a:spcAft>
+                          <a:spcPts val="0"/>
+                        </a:spcAft>
+                      </a:pPr>
+                      <a:r>
+                        <a:rPr lang="en-US" sz="1100">
+                          <a:solidFill>
+                            <a:srgbClr val="000000"/>
+                          </a:solidFill>
+                          <a:effectLst/>
+                          <a:latin typeface="Calibri" panose="020F0502020204030204" pitchFamily="34" charset="0"/>
+                          <a:ea typeface="Times New Roman" panose="02020603050405020304" pitchFamily="18" charset="0"/>
+                          <a:cs typeface="Calibri" panose="020F0502020204030204" pitchFamily="34" charset="0"/>
+                        </a:rPr>
+                        <a:t>0.007 ± 0.011</a:t>
+                      </a:r>
+                      <a:endParaRPr lang="en-US" sz="1100">
+                        <a:effectLst/>
+                        <a:latin typeface="Calibri" panose="020F0502020204030204" pitchFamily="34" charset="0"/>
+                        <a:ea typeface="Calibri" panose="020F0502020204030204" pitchFamily="34" charset="0"/>
+                        <a:cs typeface="Times New Roman" panose="02020603050405020304" pitchFamily="18" charset="0"/>
+                      </a:endParaRPr>
+                    </a:p>
+                  </a:txBody>
+                  <a:tcPr marL="42863" marR="42863" marT="0" marB="0" anchor="ctr">
+                    <a:lnL>
+                      <a:noFill/>
+                    </a:lnL>
+                    <a:lnR>
+                      <a:noFill/>
+                    </a:lnR>
+                    <a:lnT>
+                      <a:noFill/>
+                    </a:lnT>
+                    <a:lnB>
+                      <a:noFill/>
+                    </a:lnB>
+                  </a:tcPr>
+                </a:tc>
+                <a:tc>
+                  <a:txBody>
+                    <a:bodyPr/>
+                    <a:lstStyle/>
+                    <a:p>
+                      <a:pPr marL="0" marR="0" algn="ctr">
+                        <a:lnSpc>
+                          <a:spcPct val="107000"/>
+                        </a:lnSpc>
+                        <a:spcBef>
+                          <a:spcPts val="0"/>
+                        </a:spcBef>
+                        <a:spcAft>
+                          <a:spcPts val="0"/>
+                        </a:spcAft>
+                      </a:pPr>
+                      <a:r>
+                        <a:rPr lang="en-US" sz="1100">
+                          <a:solidFill>
+                            <a:srgbClr val="000000"/>
+                          </a:solidFill>
+                          <a:effectLst/>
+                          <a:latin typeface="Calibri" panose="020F0502020204030204" pitchFamily="34" charset="0"/>
+                          <a:ea typeface="Times New Roman" panose="02020603050405020304" pitchFamily="18" charset="0"/>
+                          <a:cs typeface="Calibri" panose="020F0502020204030204" pitchFamily="34" charset="0"/>
+                        </a:rPr>
+                        <a:t>0.051 ± 0.076</a:t>
+                      </a:r>
+                      <a:endParaRPr lang="en-US" sz="1100">
+                        <a:effectLst/>
+                        <a:latin typeface="Calibri" panose="020F0502020204030204" pitchFamily="34" charset="0"/>
+                        <a:ea typeface="Calibri" panose="020F0502020204030204" pitchFamily="34" charset="0"/>
+                        <a:cs typeface="Times New Roman" panose="02020603050405020304" pitchFamily="18" charset="0"/>
+                      </a:endParaRPr>
+                    </a:p>
+                  </a:txBody>
+                  <a:tcPr marL="42863" marR="42863" marT="0" marB="0" anchor="ctr">
+                    <a:lnL>
+                      <a:noFill/>
+                    </a:lnL>
+                    <a:lnR>
+                      <a:noFill/>
+                    </a:lnR>
+                    <a:lnT>
+                      <a:noFill/>
+                    </a:lnT>
+                    <a:lnB>
+                      <a:noFill/>
+                    </a:lnB>
+                  </a:tcPr>
+                </a:tc>
+                <a:tc>
+                  <a:txBody>
+                    <a:bodyPr/>
+                    <a:lstStyle/>
+                    <a:p>
+                      <a:pPr marL="0" marR="0" algn="ctr">
+                        <a:lnSpc>
+                          <a:spcPct val="107000"/>
+                        </a:lnSpc>
+                        <a:spcBef>
+                          <a:spcPts val="0"/>
+                        </a:spcBef>
+                        <a:spcAft>
+                          <a:spcPts val="0"/>
+                        </a:spcAft>
+                      </a:pPr>
+                      <a:r>
+                        <a:rPr lang="en-US" sz="1100">
+                          <a:solidFill>
+                            <a:srgbClr val="000000"/>
+                          </a:solidFill>
+                          <a:effectLst/>
+                          <a:latin typeface="Calibri" panose="020F0502020204030204" pitchFamily="34" charset="0"/>
+                          <a:ea typeface="Times New Roman" panose="02020603050405020304" pitchFamily="18" charset="0"/>
+                          <a:cs typeface="Calibri" panose="020F0502020204030204" pitchFamily="34" charset="0"/>
+                        </a:rPr>
+                        <a:t>0.08 ± 0.174</a:t>
+                      </a:r>
+                      <a:endParaRPr lang="en-US" sz="1100">
+                        <a:effectLst/>
+                        <a:latin typeface="Calibri" panose="020F0502020204030204" pitchFamily="34" charset="0"/>
+                        <a:ea typeface="Calibri" panose="020F0502020204030204" pitchFamily="34" charset="0"/>
+                        <a:cs typeface="Times New Roman" panose="02020603050405020304" pitchFamily="18" charset="0"/>
+                      </a:endParaRPr>
+                    </a:p>
+                  </a:txBody>
+                  <a:tcPr marL="42863" marR="42863" marT="0" marB="0" anchor="ctr">
+                    <a:lnL>
+                      <a:noFill/>
+                    </a:lnL>
+                    <a:lnR>
+                      <a:noFill/>
+                    </a:lnR>
+                    <a:lnT>
+                      <a:noFill/>
+                    </a:lnT>
+                    <a:lnB>
+                      <a:noFill/>
+                    </a:lnB>
+                  </a:tcPr>
+                </a:tc>
+                <a:tc>
+                  <a:txBody>
+                    <a:bodyPr/>
+                    <a:lstStyle/>
+                    <a:p>
+                      <a:pPr marL="0" marR="0" algn="ctr">
+                        <a:lnSpc>
+                          <a:spcPct val="107000"/>
+                        </a:lnSpc>
+                        <a:spcBef>
+                          <a:spcPts val="0"/>
+                        </a:spcBef>
+                        <a:spcAft>
+                          <a:spcPts val="0"/>
+                        </a:spcAft>
+                      </a:pPr>
+                      <a:r>
+                        <a:rPr lang="en-US" sz="1100">
+                          <a:solidFill>
+                            <a:srgbClr val="000000"/>
+                          </a:solidFill>
+                          <a:effectLst/>
+                          <a:latin typeface="Calibri" panose="020F0502020204030204" pitchFamily="34" charset="0"/>
+                          <a:ea typeface="Times New Roman" panose="02020603050405020304" pitchFamily="18" charset="0"/>
+                          <a:cs typeface="Calibri" panose="020F0502020204030204" pitchFamily="34" charset="0"/>
+                        </a:rPr>
+                        <a:t>0.03 ± 0.047</a:t>
+                      </a:r>
+                      <a:endParaRPr lang="en-US" sz="1100">
+                        <a:effectLst/>
+                        <a:latin typeface="Calibri" panose="020F0502020204030204" pitchFamily="34" charset="0"/>
+                        <a:ea typeface="Calibri" panose="020F0502020204030204" pitchFamily="34" charset="0"/>
+                        <a:cs typeface="Times New Roman" panose="02020603050405020304" pitchFamily="18" charset="0"/>
+                      </a:endParaRPr>
+                    </a:p>
+                  </a:txBody>
+                  <a:tcPr marL="42863" marR="42863" marT="0" marB="0" anchor="ctr">
+                    <a:lnL>
+                      <a:noFill/>
+                    </a:lnL>
+                    <a:lnR>
+                      <a:noFill/>
+                    </a:lnR>
+                    <a:lnT>
+                      <a:noFill/>
+                    </a:lnT>
+                    <a:lnB>
+                      <a:noFill/>
+                    </a:lnB>
+                  </a:tcPr>
+                </a:tc>
+                <a:extLst>
+                  <a:ext uri="{0D108BD9-81ED-4DB2-BD59-A6C34878D82A}">
+                    <a16:rowId xmlns:a16="http://schemas.microsoft.com/office/drawing/2014/main" val="2798663544"/>
+                  </a:ext>
+                </a:extLst>
+              </a:tr>
+              <a:tr h="188607">
+                <a:tc vMerge="1">
+                  <a:txBody>
+                    <a:bodyPr/>
+                    <a:lstStyle/>
+                    <a:p>
+                      <a:endParaRPr lang="en-US"/>
+                    </a:p>
+                  </a:txBody>
+                  <a:tcPr/>
+                </a:tc>
+                <a:tc rowSpan="2">
+                  <a:txBody>
+                    <a:bodyPr/>
+                    <a:lstStyle/>
+                    <a:p>
+                      <a:pPr marL="0" marR="0" algn="ctr">
+                        <a:lnSpc>
+                          <a:spcPct val="107000"/>
+                        </a:lnSpc>
+                        <a:spcBef>
+                          <a:spcPts val="0"/>
+                        </a:spcBef>
+                        <a:spcAft>
+                          <a:spcPts val="0"/>
+                        </a:spcAft>
+                      </a:pPr>
+                      <a:r>
+                        <a:rPr lang="en-US" sz="1100">
+                          <a:solidFill>
+                            <a:srgbClr val="000000"/>
+                          </a:solidFill>
+                          <a:effectLst/>
+                          <a:latin typeface="Calibri" panose="020F0502020204030204" pitchFamily="34" charset="0"/>
+                          <a:ea typeface="Times New Roman" panose="02020603050405020304" pitchFamily="18" charset="0"/>
+                          <a:cs typeface="Calibri" panose="020F0502020204030204" pitchFamily="34" charset="0"/>
+                        </a:rPr>
+                        <a:t>Stool</a:t>
+                      </a:r>
+                      <a:endParaRPr lang="en-US" sz="1100">
+                        <a:effectLst/>
+                        <a:latin typeface="Calibri" panose="020F0502020204030204" pitchFamily="34" charset="0"/>
+                        <a:ea typeface="Calibri" panose="020F0502020204030204" pitchFamily="34" charset="0"/>
+                        <a:cs typeface="Times New Roman" panose="02020603050405020304" pitchFamily="18" charset="0"/>
+                      </a:endParaRPr>
+                    </a:p>
+                  </a:txBody>
+                  <a:tcPr marL="42863" marR="42863" marT="0" marB="0" anchor="ctr">
+                    <a:lnL>
+                      <a:noFill/>
+                    </a:lnL>
+                    <a:lnR>
+                      <a:noFill/>
+                    </a:lnR>
+                    <a:lnT>
+                      <a:noFill/>
+                    </a:lnT>
+                    <a:lnB>
+                      <a:noFill/>
+                    </a:lnB>
+                  </a:tcPr>
+                </a:tc>
+                <a:tc>
+                  <a:txBody>
+                    <a:bodyPr/>
+                    <a:lstStyle/>
+                    <a:p>
+                      <a:pPr marL="0" marR="0" algn="ctr">
+                        <a:lnSpc>
+                          <a:spcPct val="107000"/>
+                        </a:lnSpc>
+                        <a:spcBef>
+                          <a:spcPts val="0"/>
+                        </a:spcBef>
+                        <a:spcAft>
+                          <a:spcPts val="0"/>
+                        </a:spcAft>
+                      </a:pPr>
+                      <a:r>
+                        <a:rPr lang="en-US" sz="1100">
+                          <a:solidFill>
+                            <a:srgbClr val="000000"/>
+                          </a:solidFill>
+                          <a:effectLst/>
+                          <a:latin typeface="Calibri" panose="020F0502020204030204" pitchFamily="34" charset="0"/>
+                          <a:ea typeface="Times New Roman" panose="02020603050405020304" pitchFamily="18" charset="0"/>
+                          <a:cs typeface="Calibri" panose="020F0502020204030204" pitchFamily="34" charset="0"/>
+                        </a:rPr>
+                        <a:t>Control</a:t>
+                      </a:r>
+                      <a:endParaRPr lang="en-US" sz="1100">
+                        <a:effectLst/>
+                        <a:latin typeface="Calibri" panose="020F0502020204030204" pitchFamily="34" charset="0"/>
+                        <a:ea typeface="Calibri" panose="020F0502020204030204" pitchFamily="34" charset="0"/>
+                        <a:cs typeface="Times New Roman" panose="02020603050405020304" pitchFamily="18" charset="0"/>
+                      </a:endParaRPr>
+                    </a:p>
+                  </a:txBody>
+                  <a:tcPr marL="42863" marR="42863" marT="0" marB="0" anchor="ctr">
+                    <a:lnL>
+                      <a:noFill/>
+                    </a:lnL>
+                    <a:lnR>
+                      <a:noFill/>
+                    </a:lnR>
+                    <a:lnT>
+                      <a:noFill/>
+                    </a:lnT>
+                    <a:lnB>
+                      <a:noFill/>
+                    </a:lnB>
+                  </a:tcPr>
+                </a:tc>
+                <a:tc>
+                  <a:txBody>
+                    <a:bodyPr/>
+                    <a:lstStyle/>
+                    <a:p>
+                      <a:pPr marL="0" marR="0" algn="ctr">
+                        <a:lnSpc>
+                          <a:spcPct val="107000"/>
+                        </a:lnSpc>
+                        <a:spcBef>
+                          <a:spcPts val="0"/>
+                        </a:spcBef>
+                        <a:spcAft>
+                          <a:spcPts val="0"/>
+                        </a:spcAft>
+                      </a:pPr>
+                      <a:r>
+                        <a:rPr lang="en-US" sz="1100">
+                          <a:solidFill>
+                            <a:srgbClr val="000000"/>
+                          </a:solidFill>
+                          <a:effectLst/>
+                          <a:latin typeface="Calibri" panose="020F0502020204030204" pitchFamily="34" charset="0"/>
+                          <a:ea typeface="Times New Roman" panose="02020603050405020304" pitchFamily="18" charset="0"/>
+                          <a:cs typeface="Calibri" panose="020F0502020204030204" pitchFamily="34" charset="0"/>
+                        </a:rPr>
+                        <a:t>0.653 ± 0.317</a:t>
+                      </a:r>
+                      <a:endParaRPr lang="en-US" sz="1100">
+                        <a:effectLst/>
+                        <a:latin typeface="Calibri" panose="020F0502020204030204" pitchFamily="34" charset="0"/>
+                        <a:ea typeface="Calibri" panose="020F0502020204030204" pitchFamily="34" charset="0"/>
+                        <a:cs typeface="Times New Roman" panose="02020603050405020304" pitchFamily="18" charset="0"/>
+                      </a:endParaRPr>
+                    </a:p>
+                  </a:txBody>
+                  <a:tcPr marL="42863" marR="42863" marT="0" marB="0" anchor="ctr">
+                    <a:lnL>
+                      <a:noFill/>
+                    </a:lnL>
+                    <a:lnR>
+                      <a:noFill/>
+                    </a:lnR>
+                    <a:lnT>
+                      <a:noFill/>
+                    </a:lnT>
+                    <a:lnB>
+                      <a:noFill/>
+                    </a:lnB>
+                  </a:tcPr>
+                </a:tc>
+                <a:tc>
+                  <a:txBody>
+                    <a:bodyPr/>
+                    <a:lstStyle/>
+                    <a:p>
+                      <a:pPr marL="0" marR="0" algn="ctr">
+                        <a:lnSpc>
+                          <a:spcPct val="107000"/>
+                        </a:lnSpc>
+                        <a:spcBef>
+                          <a:spcPts val="0"/>
+                        </a:spcBef>
+                        <a:spcAft>
+                          <a:spcPts val="0"/>
+                        </a:spcAft>
+                      </a:pPr>
+                      <a:r>
+                        <a:rPr lang="en-US" sz="1100">
+                          <a:solidFill>
+                            <a:srgbClr val="000000"/>
+                          </a:solidFill>
+                          <a:effectLst/>
+                          <a:latin typeface="Calibri" panose="020F0502020204030204" pitchFamily="34" charset="0"/>
+                          <a:ea typeface="Times New Roman" panose="02020603050405020304" pitchFamily="18" charset="0"/>
+                          <a:cs typeface="Calibri" panose="020F0502020204030204" pitchFamily="34" charset="0"/>
+                        </a:rPr>
+                        <a:t>0.006 ± 0.006</a:t>
+                      </a:r>
+                      <a:endParaRPr lang="en-US" sz="1100">
+                        <a:effectLst/>
+                        <a:latin typeface="Calibri" panose="020F0502020204030204" pitchFamily="34" charset="0"/>
+                        <a:ea typeface="Calibri" panose="020F0502020204030204" pitchFamily="34" charset="0"/>
+                        <a:cs typeface="Times New Roman" panose="02020603050405020304" pitchFamily="18" charset="0"/>
+                      </a:endParaRPr>
+                    </a:p>
+                  </a:txBody>
+                  <a:tcPr marL="42863" marR="42863" marT="0" marB="0" anchor="ctr">
+                    <a:lnL>
+                      <a:noFill/>
+                    </a:lnL>
+                    <a:lnR>
+                      <a:noFill/>
+                    </a:lnR>
+                    <a:lnT>
+                      <a:noFill/>
+                    </a:lnT>
+                    <a:lnB>
+                      <a:noFill/>
+                    </a:lnB>
+                  </a:tcPr>
+                </a:tc>
+                <a:tc>
+                  <a:txBody>
+                    <a:bodyPr/>
+                    <a:lstStyle/>
+                    <a:p>
+                      <a:pPr marL="0" marR="0" algn="ctr">
+                        <a:lnSpc>
+                          <a:spcPct val="107000"/>
+                        </a:lnSpc>
+                        <a:spcBef>
+                          <a:spcPts val="0"/>
+                        </a:spcBef>
+                        <a:spcAft>
+                          <a:spcPts val="0"/>
+                        </a:spcAft>
+                      </a:pPr>
+                      <a:r>
+                        <a:rPr lang="en-US" sz="1100">
+                          <a:solidFill>
+                            <a:srgbClr val="000000"/>
+                          </a:solidFill>
+                          <a:effectLst/>
+                          <a:latin typeface="Calibri" panose="020F0502020204030204" pitchFamily="34" charset="0"/>
+                          <a:ea typeface="Times New Roman" panose="02020603050405020304" pitchFamily="18" charset="0"/>
+                          <a:cs typeface="Calibri" panose="020F0502020204030204" pitchFamily="34" charset="0"/>
+                        </a:rPr>
+                        <a:t>0.038 ± 0.024</a:t>
+                      </a:r>
+                      <a:endParaRPr lang="en-US" sz="1100">
+                        <a:effectLst/>
+                        <a:latin typeface="Calibri" panose="020F0502020204030204" pitchFamily="34" charset="0"/>
+                        <a:ea typeface="Calibri" panose="020F0502020204030204" pitchFamily="34" charset="0"/>
+                        <a:cs typeface="Times New Roman" panose="02020603050405020304" pitchFamily="18" charset="0"/>
+                      </a:endParaRPr>
+                    </a:p>
+                  </a:txBody>
+                  <a:tcPr marL="42863" marR="42863" marT="0" marB="0" anchor="ctr">
+                    <a:lnL>
+                      <a:noFill/>
+                    </a:lnL>
+                    <a:lnR>
+                      <a:noFill/>
+                    </a:lnR>
+                    <a:lnT>
+                      <a:noFill/>
+                    </a:lnT>
+                    <a:lnB>
+                      <a:noFill/>
+                    </a:lnB>
+                  </a:tcPr>
+                </a:tc>
+                <a:tc>
+                  <a:txBody>
+                    <a:bodyPr/>
+                    <a:lstStyle/>
+                    <a:p>
+                      <a:pPr marL="0" marR="0" algn="ctr">
+                        <a:lnSpc>
+                          <a:spcPct val="107000"/>
+                        </a:lnSpc>
+                        <a:spcBef>
+                          <a:spcPts val="0"/>
+                        </a:spcBef>
+                        <a:spcAft>
+                          <a:spcPts val="0"/>
+                        </a:spcAft>
+                      </a:pPr>
+                      <a:r>
+                        <a:rPr lang="en-US" sz="1100">
+                          <a:solidFill>
+                            <a:srgbClr val="000000"/>
+                          </a:solidFill>
+                          <a:effectLst/>
+                          <a:latin typeface="Calibri" panose="020F0502020204030204" pitchFamily="34" charset="0"/>
+                          <a:ea typeface="Times New Roman" panose="02020603050405020304" pitchFamily="18" charset="0"/>
+                          <a:cs typeface="Calibri" panose="020F0502020204030204" pitchFamily="34" charset="0"/>
+                        </a:rPr>
+                        <a:t>0.282 ± 0.331</a:t>
+                      </a:r>
+                      <a:endParaRPr lang="en-US" sz="1100">
+                        <a:effectLst/>
+                        <a:latin typeface="Calibri" panose="020F0502020204030204" pitchFamily="34" charset="0"/>
+                        <a:ea typeface="Calibri" panose="020F0502020204030204" pitchFamily="34" charset="0"/>
+                        <a:cs typeface="Times New Roman" panose="02020603050405020304" pitchFamily="18" charset="0"/>
+                      </a:endParaRPr>
+                    </a:p>
+                  </a:txBody>
+                  <a:tcPr marL="42863" marR="42863" marT="0" marB="0" anchor="ctr">
+                    <a:lnL>
+                      <a:noFill/>
+                    </a:lnL>
+                    <a:lnR>
+                      <a:noFill/>
+                    </a:lnR>
+                    <a:lnT>
+                      <a:noFill/>
+                    </a:lnT>
+                    <a:lnB>
+                      <a:noFill/>
+                    </a:lnB>
+                  </a:tcPr>
+                </a:tc>
+                <a:tc>
+                  <a:txBody>
+                    <a:bodyPr/>
+                    <a:lstStyle/>
+                    <a:p>
+                      <a:pPr marL="0" marR="0" algn="ctr">
+                        <a:lnSpc>
+                          <a:spcPct val="107000"/>
+                        </a:lnSpc>
+                        <a:spcBef>
+                          <a:spcPts val="0"/>
+                        </a:spcBef>
+                        <a:spcAft>
+                          <a:spcPts val="0"/>
+                        </a:spcAft>
+                      </a:pPr>
+                      <a:r>
+                        <a:rPr lang="en-US" sz="1100">
+                          <a:solidFill>
+                            <a:srgbClr val="000000"/>
+                          </a:solidFill>
+                          <a:effectLst/>
+                          <a:latin typeface="Calibri" panose="020F0502020204030204" pitchFamily="34" charset="0"/>
+                          <a:ea typeface="Times New Roman" panose="02020603050405020304" pitchFamily="18" charset="0"/>
+                          <a:cs typeface="Calibri" panose="020F0502020204030204" pitchFamily="34" charset="0"/>
+                        </a:rPr>
+                        <a:t>0.021 ± 0.014</a:t>
+                      </a:r>
+                      <a:endParaRPr lang="en-US" sz="1100">
+                        <a:effectLst/>
+                        <a:latin typeface="Calibri" panose="020F0502020204030204" pitchFamily="34" charset="0"/>
+                        <a:ea typeface="Calibri" panose="020F0502020204030204" pitchFamily="34" charset="0"/>
+                        <a:cs typeface="Times New Roman" panose="02020603050405020304" pitchFamily="18" charset="0"/>
+                      </a:endParaRPr>
+                    </a:p>
+                  </a:txBody>
+                  <a:tcPr marL="42863" marR="42863" marT="0" marB="0" anchor="ctr">
+                    <a:lnL>
+                      <a:noFill/>
+                    </a:lnL>
+                    <a:lnR>
+                      <a:noFill/>
+                    </a:lnR>
+                    <a:lnT>
+                      <a:noFill/>
+                    </a:lnT>
+                    <a:lnB>
+                      <a:noFill/>
+                    </a:lnB>
+                  </a:tcPr>
+                </a:tc>
+                <a:extLst>
+                  <a:ext uri="{0D108BD9-81ED-4DB2-BD59-A6C34878D82A}">
+                    <a16:rowId xmlns:a16="http://schemas.microsoft.com/office/drawing/2014/main" val="3607586446"/>
+                  </a:ext>
+                </a:extLst>
+              </a:tr>
+              <a:tr h="188607">
+                <a:tc vMerge="1">
+                  <a:txBody>
+                    <a:bodyPr/>
+                    <a:lstStyle/>
+                    <a:p>
+                      <a:endParaRPr lang="en-US"/>
+                    </a:p>
+                  </a:txBody>
+                  <a:tcPr/>
+                </a:tc>
+                <a:tc vMerge="1">
+                  <a:txBody>
+                    <a:bodyPr/>
+                    <a:lstStyle/>
+                    <a:p>
+                      <a:endParaRPr lang="en-US"/>
+                    </a:p>
+                  </a:txBody>
+                  <a:tcPr/>
+                </a:tc>
+                <a:tc>
+                  <a:txBody>
+                    <a:bodyPr/>
+                    <a:lstStyle/>
+                    <a:p>
+                      <a:pPr marL="0" marR="0" algn="ctr">
+                        <a:lnSpc>
+                          <a:spcPct val="107000"/>
+                        </a:lnSpc>
+                        <a:spcBef>
+                          <a:spcPts val="0"/>
+                        </a:spcBef>
+                        <a:spcAft>
+                          <a:spcPts val="0"/>
+                        </a:spcAft>
+                      </a:pPr>
+                      <a:r>
+                        <a:rPr lang="en-US" sz="1100">
+                          <a:solidFill>
+                            <a:srgbClr val="000000"/>
+                          </a:solidFill>
+                          <a:effectLst/>
+                          <a:latin typeface="Calibri" panose="020F0502020204030204" pitchFamily="34" charset="0"/>
+                          <a:ea typeface="Times New Roman" panose="02020603050405020304" pitchFamily="18" charset="0"/>
+                          <a:cs typeface="Calibri" panose="020F0502020204030204" pitchFamily="34" charset="0"/>
+                        </a:rPr>
+                        <a:t>T1D</a:t>
+                      </a:r>
+                      <a:endParaRPr lang="en-US" sz="1100">
+                        <a:effectLst/>
+                        <a:latin typeface="Calibri" panose="020F0502020204030204" pitchFamily="34" charset="0"/>
+                        <a:ea typeface="Calibri" panose="020F0502020204030204" pitchFamily="34" charset="0"/>
+                        <a:cs typeface="Times New Roman" panose="02020603050405020304" pitchFamily="18" charset="0"/>
+                      </a:endParaRPr>
+                    </a:p>
+                  </a:txBody>
+                  <a:tcPr marL="42863" marR="42863" marT="0" marB="0" anchor="ctr">
+                    <a:lnL>
+                      <a:noFill/>
+                    </a:lnL>
+                    <a:lnR>
+                      <a:noFill/>
+                    </a:lnR>
+                    <a:lnT>
+                      <a:noFill/>
+                    </a:lnT>
+                    <a:lnB>
+                      <a:noFill/>
+                    </a:lnB>
+                  </a:tcPr>
+                </a:tc>
+                <a:tc>
+                  <a:txBody>
+                    <a:bodyPr/>
+                    <a:lstStyle/>
+                    <a:p>
+                      <a:pPr marL="0" marR="0" algn="ctr">
+                        <a:lnSpc>
+                          <a:spcPct val="107000"/>
+                        </a:lnSpc>
+                        <a:spcBef>
+                          <a:spcPts val="0"/>
+                        </a:spcBef>
+                        <a:spcAft>
+                          <a:spcPts val="0"/>
+                        </a:spcAft>
+                      </a:pPr>
+                      <a:r>
+                        <a:rPr lang="en-US" sz="1100">
+                          <a:solidFill>
+                            <a:srgbClr val="000000"/>
+                          </a:solidFill>
+                          <a:effectLst/>
+                          <a:latin typeface="Calibri" panose="020F0502020204030204" pitchFamily="34" charset="0"/>
+                          <a:ea typeface="Times New Roman" panose="02020603050405020304" pitchFamily="18" charset="0"/>
+                          <a:cs typeface="Calibri" panose="020F0502020204030204" pitchFamily="34" charset="0"/>
+                        </a:rPr>
+                        <a:t>0.545 ± 0.336</a:t>
+                      </a:r>
+                      <a:endParaRPr lang="en-US" sz="1100">
+                        <a:effectLst/>
+                        <a:latin typeface="Calibri" panose="020F0502020204030204" pitchFamily="34" charset="0"/>
+                        <a:ea typeface="Calibri" panose="020F0502020204030204" pitchFamily="34" charset="0"/>
+                        <a:cs typeface="Times New Roman" panose="02020603050405020304" pitchFamily="18" charset="0"/>
+                      </a:endParaRPr>
+                    </a:p>
+                  </a:txBody>
+                  <a:tcPr marL="42863" marR="42863" marT="0" marB="0" anchor="ctr">
+                    <a:lnL>
+                      <a:noFill/>
+                    </a:lnL>
+                    <a:lnR>
+                      <a:noFill/>
+                    </a:lnR>
+                    <a:lnT>
+                      <a:noFill/>
+                    </a:lnT>
+                    <a:lnB>
+                      <a:noFill/>
+                    </a:lnB>
+                  </a:tcPr>
+                </a:tc>
+                <a:tc>
+                  <a:txBody>
+                    <a:bodyPr/>
+                    <a:lstStyle/>
+                    <a:p>
+                      <a:pPr marL="0" marR="0" algn="ctr">
+                        <a:lnSpc>
+                          <a:spcPct val="107000"/>
+                        </a:lnSpc>
+                        <a:spcBef>
+                          <a:spcPts val="0"/>
+                        </a:spcBef>
+                        <a:spcAft>
+                          <a:spcPts val="0"/>
+                        </a:spcAft>
+                      </a:pPr>
+                      <a:r>
+                        <a:rPr lang="en-US" sz="1100">
+                          <a:solidFill>
+                            <a:srgbClr val="000000"/>
+                          </a:solidFill>
+                          <a:effectLst/>
+                          <a:latin typeface="Calibri" panose="020F0502020204030204" pitchFamily="34" charset="0"/>
+                          <a:ea typeface="Times New Roman" panose="02020603050405020304" pitchFamily="18" charset="0"/>
+                          <a:cs typeface="Calibri" panose="020F0502020204030204" pitchFamily="34" charset="0"/>
+                        </a:rPr>
+                        <a:t>0.02 ± 0.062</a:t>
+                      </a:r>
+                      <a:endParaRPr lang="en-US" sz="1100">
+                        <a:effectLst/>
+                        <a:latin typeface="Calibri" panose="020F0502020204030204" pitchFamily="34" charset="0"/>
+                        <a:ea typeface="Calibri" panose="020F0502020204030204" pitchFamily="34" charset="0"/>
+                        <a:cs typeface="Times New Roman" panose="02020603050405020304" pitchFamily="18" charset="0"/>
+                      </a:endParaRPr>
+                    </a:p>
+                  </a:txBody>
+                  <a:tcPr marL="42863" marR="42863" marT="0" marB="0" anchor="ctr">
+                    <a:lnL>
+                      <a:noFill/>
+                    </a:lnL>
+                    <a:lnR>
+                      <a:noFill/>
+                    </a:lnR>
+                    <a:lnT>
+                      <a:noFill/>
+                    </a:lnT>
+                    <a:lnB>
+                      <a:noFill/>
+                    </a:lnB>
+                  </a:tcPr>
+                </a:tc>
+                <a:tc>
+                  <a:txBody>
+                    <a:bodyPr/>
+                    <a:lstStyle/>
+                    <a:p>
+                      <a:pPr marL="0" marR="0" algn="ctr">
+                        <a:lnSpc>
+                          <a:spcPct val="107000"/>
+                        </a:lnSpc>
+                        <a:spcBef>
+                          <a:spcPts val="0"/>
+                        </a:spcBef>
+                        <a:spcAft>
+                          <a:spcPts val="0"/>
+                        </a:spcAft>
+                      </a:pPr>
+                      <a:r>
+                        <a:rPr lang="en-US" sz="1100">
+                          <a:solidFill>
+                            <a:srgbClr val="000000"/>
+                          </a:solidFill>
+                          <a:effectLst/>
+                          <a:latin typeface="Calibri" panose="020F0502020204030204" pitchFamily="34" charset="0"/>
+                          <a:ea typeface="Times New Roman" panose="02020603050405020304" pitchFamily="18" charset="0"/>
+                          <a:cs typeface="Calibri" panose="020F0502020204030204" pitchFamily="34" charset="0"/>
+                        </a:rPr>
+                        <a:t>0.053 ± 0.053</a:t>
+                      </a:r>
+                      <a:endParaRPr lang="en-US" sz="1100">
+                        <a:effectLst/>
+                        <a:latin typeface="Calibri" panose="020F0502020204030204" pitchFamily="34" charset="0"/>
+                        <a:ea typeface="Calibri" panose="020F0502020204030204" pitchFamily="34" charset="0"/>
+                        <a:cs typeface="Times New Roman" panose="02020603050405020304" pitchFamily="18" charset="0"/>
+                      </a:endParaRPr>
+                    </a:p>
+                  </a:txBody>
+                  <a:tcPr marL="42863" marR="42863" marT="0" marB="0" anchor="ctr">
+                    <a:lnL>
+                      <a:noFill/>
+                    </a:lnL>
+                    <a:lnR>
+                      <a:noFill/>
+                    </a:lnR>
+                    <a:lnT>
+                      <a:noFill/>
+                    </a:lnT>
+                    <a:lnB>
+                      <a:noFill/>
+                    </a:lnB>
+                  </a:tcPr>
+                </a:tc>
+                <a:tc>
+                  <a:txBody>
+                    <a:bodyPr/>
+                    <a:lstStyle/>
+                    <a:p>
+                      <a:pPr marL="0" marR="0" algn="ctr">
+                        <a:lnSpc>
+                          <a:spcPct val="107000"/>
+                        </a:lnSpc>
+                        <a:spcBef>
+                          <a:spcPts val="0"/>
+                        </a:spcBef>
+                        <a:spcAft>
+                          <a:spcPts val="0"/>
+                        </a:spcAft>
+                      </a:pPr>
+                      <a:r>
+                        <a:rPr lang="en-US" sz="1100">
+                          <a:solidFill>
+                            <a:srgbClr val="000000"/>
+                          </a:solidFill>
+                          <a:effectLst/>
+                          <a:latin typeface="Calibri" panose="020F0502020204030204" pitchFamily="34" charset="0"/>
+                          <a:ea typeface="Times New Roman" panose="02020603050405020304" pitchFamily="18" charset="0"/>
+                          <a:cs typeface="Calibri" panose="020F0502020204030204" pitchFamily="34" charset="0"/>
+                        </a:rPr>
+                        <a:t>0.346 ± 0.343</a:t>
+                      </a:r>
+                      <a:endParaRPr lang="en-US" sz="1100">
+                        <a:effectLst/>
+                        <a:latin typeface="Calibri" panose="020F0502020204030204" pitchFamily="34" charset="0"/>
+                        <a:ea typeface="Calibri" panose="020F0502020204030204" pitchFamily="34" charset="0"/>
+                        <a:cs typeface="Times New Roman" panose="02020603050405020304" pitchFamily="18" charset="0"/>
+                      </a:endParaRPr>
+                    </a:p>
+                  </a:txBody>
+                  <a:tcPr marL="42863" marR="42863" marT="0" marB="0" anchor="ctr">
+                    <a:lnL>
+                      <a:noFill/>
+                    </a:lnL>
+                    <a:lnR>
+                      <a:noFill/>
+                    </a:lnR>
+                    <a:lnT>
+                      <a:noFill/>
+                    </a:lnT>
+                    <a:lnB>
+                      <a:noFill/>
+                    </a:lnB>
+                  </a:tcPr>
+                </a:tc>
+                <a:tc>
+                  <a:txBody>
+                    <a:bodyPr/>
+                    <a:lstStyle/>
+                    <a:p>
+                      <a:pPr marL="0" marR="0" algn="ctr">
+                        <a:lnSpc>
+                          <a:spcPct val="107000"/>
+                        </a:lnSpc>
+                        <a:spcBef>
+                          <a:spcPts val="0"/>
+                        </a:spcBef>
+                        <a:spcAft>
+                          <a:spcPts val="0"/>
+                        </a:spcAft>
+                      </a:pPr>
+                      <a:r>
+                        <a:rPr lang="en-US" sz="1100" dirty="0">
+                          <a:solidFill>
+                            <a:srgbClr val="000000"/>
+                          </a:solidFill>
+                          <a:effectLst/>
+                          <a:latin typeface="Calibri" panose="020F0502020204030204" pitchFamily="34" charset="0"/>
+                          <a:ea typeface="Times New Roman" panose="02020603050405020304" pitchFamily="18" charset="0"/>
+                          <a:cs typeface="Calibri" panose="020F0502020204030204" pitchFamily="34" charset="0"/>
+                        </a:rPr>
+                        <a:t>0.036 ± 0.042</a:t>
+                      </a:r>
+                      <a:endParaRPr lang="en-US" sz="1100" dirty="0">
+                        <a:effectLst/>
+                        <a:latin typeface="Calibri" panose="020F0502020204030204" pitchFamily="34" charset="0"/>
+                        <a:ea typeface="Calibri" panose="020F0502020204030204" pitchFamily="34" charset="0"/>
+                        <a:cs typeface="Times New Roman" panose="02020603050405020304" pitchFamily="18" charset="0"/>
+                      </a:endParaRPr>
+                    </a:p>
+                  </a:txBody>
+                  <a:tcPr marL="42863" marR="42863" marT="0" marB="0" anchor="ctr">
+                    <a:lnL>
+                      <a:noFill/>
+                    </a:lnL>
+                    <a:lnR>
+                      <a:noFill/>
+                    </a:lnR>
+                    <a:lnT>
+                      <a:noFill/>
+                    </a:lnT>
+                    <a:lnB>
+                      <a:noFill/>
+                    </a:lnB>
+                  </a:tcPr>
+                </a:tc>
+                <a:extLst>
+                  <a:ext uri="{0D108BD9-81ED-4DB2-BD59-A6C34878D82A}">
+                    <a16:rowId xmlns:a16="http://schemas.microsoft.com/office/drawing/2014/main" val="1154372883"/>
+                  </a:ext>
+                </a:extLst>
+              </a:tr>
+            </a:tbl>
+          </a:graphicData>
+        </a:graphic>
+      </p:graphicFrame>
+      <p:sp>
+        <p:nvSpPr>
+          <p:cNvPr id="7" name="TextBox 6">
+            <a:extLst>
+              <a:ext uri="{FF2B5EF4-FFF2-40B4-BE49-F238E27FC236}">
+                <a16:creationId xmlns:a16="http://schemas.microsoft.com/office/drawing/2014/main" id="{8B6F50E6-C603-BEE5-1BFC-18BE4C002956}"/>
+              </a:ext>
+            </a:extLst>
+          </p:cNvPr>
+          <p:cNvSpPr txBox="1"/>
+          <p:nvPr/>
+        </p:nvSpPr>
+        <p:spPr>
+          <a:xfrm>
+            <a:off x="1856724" y="794176"/>
+            <a:ext cx="8478553" cy="269369"/>
+          </a:xfrm>
+          <a:prstGeom prst="rect">
+            <a:avLst/>
+          </a:prstGeom>
+          <a:noFill/>
+        </p:spPr>
+        <p:txBody>
+          <a:bodyPr wrap="square">
+            <a:spAutoFit/>
+          </a:bodyPr>
+          <a:lstStyle/>
+          <a:p>
+            <a:pPr>
+              <a:lnSpc>
+                <a:spcPct val="107000"/>
+              </a:lnSpc>
+              <a:spcAft>
+                <a:spcPts val="500"/>
+              </a:spcAft>
+            </a:pPr>
+            <a:r>
+              <a:rPr lang="en-US" sz="1125" b="1" dirty="0">
+                <a:latin typeface="Calibri" panose="020F0502020204030204" pitchFamily="34" charset="0"/>
+                <a:ea typeface="Calibri" panose="020F0502020204030204" pitchFamily="34" charset="0"/>
+                <a:cs typeface="Calibri" panose="020F0502020204030204" pitchFamily="34" charset="0"/>
+              </a:rPr>
+              <a:t>Supplementary Table X</a:t>
+            </a:r>
+            <a:r>
+              <a:rPr lang="en-US" sz="1125" dirty="0">
+                <a:latin typeface="Calibri" panose="020F0502020204030204" pitchFamily="34" charset="0"/>
+                <a:ea typeface="Calibri" panose="020F0502020204030204" pitchFamily="34" charset="0"/>
+                <a:cs typeface="Calibri" panose="020F0502020204030204" pitchFamily="34" charset="0"/>
+              </a:rPr>
+              <a:t>. Overview of maternal source mean contributions to newborn sinks by disease and delivery method.</a:t>
+            </a:r>
+            <a:endParaRPr lang="en-US" sz="1125" dirty="0">
+              <a:latin typeface="Calibri" panose="020F0502020204030204" pitchFamily="34" charset="0"/>
+              <a:ea typeface="Calibri" panose="020F0502020204030204" pitchFamily="34" charset="0"/>
+              <a:cs typeface="Times New Roman" panose="02020603050405020304" pitchFamily="18" charset="0"/>
+            </a:endParaRPr>
+          </a:p>
+        </p:txBody>
+      </p:sp>
+    </p:spTree>
+    <p:extLst>
+      <p:ext uri="{BB962C8B-B14F-4D97-AF65-F5344CB8AC3E}">
+        <p14:creationId xmlns:p14="http://schemas.microsoft.com/office/powerpoint/2010/main" val="2551749338"/>
       </p:ext>
     </p:extLst>
   </p:cSld>
@@ -6662,6 +10488,921 @@
           <a:chExt cx="0" cy="0"/>
         </a:xfrm>
       </p:grpSpPr>
+      <p:pic>
+        <p:nvPicPr>
+          <p:cNvPr id="7" name="Picture 6" descr="Chart, box and whisker chart&#10;&#10;Description automatically generated">
+            <a:extLst>
+              <a:ext uri="{FF2B5EF4-FFF2-40B4-BE49-F238E27FC236}">
+                <a16:creationId xmlns:a16="http://schemas.microsoft.com/office/drawing/2014/main" id="{36E440ED-6602-4D0E-23F3-D43E193B6EF2}"/>
+              </a:ext>
+            </a:extLst>
+          </p:cNvPr>
+          <p:cNvPicPr>
+            <a:picLocks noChangeAspect="1"/>
+          </p:cNvPicPr>
+          <p:nvPr/>
+        </p:nvPicPr>
+        <p:blipFill>
+          <a:blip r:embed="rId2">
+            <a:extLst>
+              <a:ext uri="{28A0092B-C50C-407E-A947-70E740481C1C}">
+                <a14:useLocalDpi xmlns:a14="http://schemas.microsoft.com/office/drawing/2010/main" val="0"/>
+              </a:ext>
+            </a:extLst>
+          </a:blip>
+          <a:stretch>
+            <a:fillRect/>
+          </a:stretch>
+        </p:blipFill>
+        <p:spPr>
+          <a:xfrm>
+            <a:off x="3483257" y="624365"/>
+            <a:ext cx="5578098" cy="5149014"/>
+          </a:xfrm>
+          <a:prstGeom prst="rect">
+            <a:avLst/>
+          </a:prstGeom>
+        </p:spPr>
+      </p:pic>
+      <p:graphicFrame>
+        <p:nvGraphicFramePr>
+          <p:cNvPr id="5" name="Table 4">
+            <a:extLst>
+              <a:ext uri="{FF2B5EF4-FFF2-40B4-BE49-F238E27FC236}">
+                <a16:creationId xmlns:a16="http://schemas.microsoft.com/office/drawing/2014/main" id="{35FE8512-716E-A6F8-AE03-BF350D841693}"/>
+              </a:ext>
+            </a:extLst>
+          </p:cNvPr>
+          <p:cNvGraphicFramePr>
+            <a:graphicFrameLocks noGrp="1"/>
+          </p:cNvGraphicFramePr>
+          <p:nvPr>
+            <p:extLst>
+              <p:ext uri="{D42A27DB-BD31-4B8C-83A1-F6EECF244321}">
+                <p14:modId xmlns:p14="http://schemas.microsoft.com/office/powerpoint/2010/main" val="3076929225"/>
+              </p:ext>
+            </p:extLst>
+          </p:nvPr>
+        </p:nvGraphicFramePr>
+        <p:xfrm>
+          <a:off x="2988236" y="5802805"/>
+          <a:ext cx="6568141" cy="628650"/>
+        </p:xfrm>
+        <a:graphic>
+          <a:graphicData uri="http://schemas.openxmlformats.org/drawingml/2006/table">
+            <a:tbl>
+              <a:tblPr/>
+              <a:tblGrid>
+                <a:gridCol w="513519">
+                  <a:extLst>
+                    <a:ext uri="{9D8B030D-6E8A-4147-A177-3AD203B41FA5}">
+                      <a16:colId xmlns:a16="http://schemas.microsoft.com/office/drawing/2014/main" val="3090418941"/>
+                    </a:ext>
+                  </a:extLst>
+                </a:gridCol>
+                <a:gridCol w="575830">
+                  <a:extLst>
+                    <a:ext uri="{9D8B030D-6E8A-4147-A177-3AD203B41FA5}">
+                      <a16:colId xmlns:a16="http://schemas.microsoft.com/office/drawing/2014/main" val="3974398622"/>
+                    </a:ext>
+                  </a:extLst>
+                </a:gridCol>
+                <a:gridCol w="926054">
+                  <a:extLst>
+                    <a:ext uri="{9D8B030D-6E8A-4147-A177-3AD203B41FA5}">
+                      <a16:colId xmlns:a16="http://schemas.microsoft.com/office/drawing/2014/main" val="3732857838"/>
+                    </a:ext>
+                  </a:extLst>
+                </a:gridCol>
+                <a:gridCol w="436168">
+                  <a:extLst>
+                    <a:ext uri="{9D8B030D-6E8A-4147-A177-3AD203B41FA5}">
+                      <a16:colId xmlns:a16="http://schemas.microsoft.com/office/drawing/2014/main" val="3253243933"/>
+                    </a:ext>
+                  </a:extLst>
+                </a:gridCol>
+                <a:gridCol w="553915">
+                  <a:extLst>
+                    <a:ext uri="{9D8B030D-6E8A-4147-A177-3AD203B41FA5}">
+                      <a16:colId xmlns:a16="http://schemas.microsoft.com/office/drawing/2014/main" val="1485509893"/>
+                    </a:ext>
+                  </a:extLst>
+                </a:gridCol>
+                <a:gridCol w="1134470">
+                  <a:extLst>
+                    <a:ext uri="{9D8B030D-6E8A-4147-A177-3AD203B41FA5}">
+                      <a16:colId xmlns:a16="http://schemas.microsoft.com/office/drawing/2014/main" val="1642603286"/>
+                    </a:ext>
+                  </a:extLst>
+                </a:gridCol>
+                <a:gridCol w="1134470">
+                  <a:extLst>
+                    <a:ext uri="{9D8B030D-6E8A-4147-A177-3AD203B41FA5}">
+                      <a16:colId xmlns:a16="http://schemas.microsoft.com/office/drawing/2014/main" val="2766606673"/>
+                    </a:ext>
+                  </a:extLst>
+                </a:gridCol>
+                <a:gridCol w="367413">
+                  <a:extLst>
+                    <a:ext uri="{9D8B030D-6E8A-4147-A177-3AD203B41FA5}">
+                      <a16:colId xmlns:a16="http://schemas.microsoft.com/office/drawing/2014/main" val="1672134432"/>
+                    </a:ext>
+                  </a:extLst>
+                </a:gridCol>
+                <a:gridCol w="926302">
+                  <a:extLst>
+                    <a:ext uri="{9D8B030D-6E8A-4147-A177-3AD203B41FA5}">
+                      <a16:colId xmlns:a16="http://schemas.microsoft.com/office/drawing/2014/main" val="2064040826"/>
+                    </a:ext>
+                  </a:extLst>
+                </a:gridCol>
+              </a:tblGrid>
+              <a:tr h="190500">
+                <a:tc>
+                  <a:txBody>
+                    <a:bodyPr/>
+                    <a:lstStyle/>
+                    <a:p>
+                      <a:pPr algn="ctr" fontAlgn="b"/>
+                      <a:r>
+                        <a:rPr lang="en-US" sz="2000" b="0" i="0" u="none" strike="noStrike" dirty="0">
+                          <a:solidFill>
+                            <a:srgbClr val="000000"/>
+                          </a:solidFill>
+                          <a:effectLst/>
+                          <a:latin typeface="Calibri" panose="020F0502020204030204" pitchFamily="34" charset="0"/>
+                        </a:rPr>
+                        <a:t>min</a:t>
+                      </a:r>
+                    </a:p>
+                  </a:txBody>
+                  <a:tcPr marL="9525" marR="9525" marT="9525" marB="0" anchor="b">
+                    <a:lnL>
+                      <a:noFill/>
+                    </a:lnL>
+                    <a:lnR>
+                      <a:noFill/>
+                    </a:lnR>
+                    <a:lnT>
+                      <a:noFill/>
+                    </a:lnT>
+                    <a:lnB w="12700" cap="flat" cmpd="sng" algn="ctr">
+                      <a:solidFill>
+                        <a:schemeClr val="tx1"/>
+                      </a:solidFill>
+                      <a:prstDash val="solid"/>
+                      <a:round/>
+                      <a:headEnd type="none" w="med" len="med"/>
+                      <a:tailEnd type="none" w="med" len="med"/>
+                    </a:lnB>
+                  </a:tcPr>
+                </a:tc>
+                <a:tc>
+                  <a:txBody>
+                    <a:bodyPr/>
+                    <a:lstStyle/>
+                    <a:p>
+                      <a:pPr algn="ctr" fontAlgn="b"/>
+                      <a:r>
+                        <a:rPr lang="en-US" sz="2000" b="0" i="0" u="none" strike="noStrike" dirty="0">
+                          <a:solidFill>
+                            <a:srgbClr val="000000"/>
+                          </a:solidFill>
+                          <a:effectLst/>
+                          <a:latin typeface="Calibri" panose="020F0502020204030204" pitchFamily="34" charset="0"/>
+                        </a:rPr>
+                        <a:t>Q1</a:t>
+                      </a:r>
+                    </a:p>
+                  </a:txBody>
+                  <a:tcPr marL="9525" marR="9525" marT="9525" marB="0" anchor="b">
+                    <a:lnL>
+                      <a:noFill/>
+                    </a:lnL>
+                    <a:lnR>
+                      <a:noFill/>
+                    </a:lnR>
+                    <a:lnT>
+                      <a:noFill/>
+                    </a:lnT>
+                    <a:lnB w="12700" cap="flat" cmpd="sng" algn="ctr">
+                      <a:solidFill>
+                        <a:schemeClr val="tx1"/>
+                      </a:solidFill>
+                      <a:prstDash val="solid"/>
+                      <a:round/>
+                      <a:headEnd type="none" w="med" len="med"/>
+                      <a:tailEnd type="none" w="med" len="med"/>
+                    </a:lnB>
+                  </a:tcPr>
+                </a:tc>
+                <a:tc>
+                  <a:txBody>
+                    <a:bodyPr/>
+                    <a:lstStyle/>
+                    <a:p>
+                      <a:pPr algn="ctr" fontAlgn="b"/>
+                      <a:r>
+                        <a:rPr lang="en-US" sz="2000" b="0" i="0" u="none" strike="noStrike" dirty="0">
+                          <a:solidFill>
+                            <a:srgbClr val="000000"/>
+                          </a:solidFill>
+                          <a:effectLst/>
+                          <a:latin typeface="Calibri" panose="020F0502020204030204" pitchFamily="34" charset="0"/>
+                        </a:rPr>
+                        <a:t>median</a:t>
+                      </a:r>
+                    </a:p>
+                  </a:txBody>
+                  <a:tcPr marL="9525" marR="9525" marT="9525" marB="0" anchor="b">
+                    <a:lnL>
+                      <a:noFill/>
+                    </a:lnL>
+                    <a:lnR>
+                      <a:noFill/>
+                    </a:lnR>
+                    <a:lnT>
+                      <a:noFill/>
+                    </a:lnT>
+                    <a:lnB w="12700" cap="flat" cmpd="sng" algn="ctr">
+                      <a:solidFill>
+                        <a:schemeClr val="tx1"/>
+                      </a:solidFill>
+                      <a:prstDash val="solid"/>
+                      <a:round/>
+                      <a:headEnd type="none" w="med" len="med"/>
+                      <a:tailEnd type="none" w="med" len="med"/>
+                    </a:lnB>
+                  </a:tcPr>
+                </a:tc>
+                <a:tc>
+                  <a:txBody>
+                    <a:bodyPr/>
+                    <a:lstStyle/>
+                    <a:p>
+                      <a:pPr algn="ctr" fontAlgn="b"/>
+                      <a:r>
+                        <a:rPr lang="en-US" sz="2000" b="0" i="0" u="none" strike="noStrike" dirty="0">
+                          <a:solidFill>
+                            <a:srgbClr val="000000"/>
+                          </a:solidFill>
+                          <a:effectLst/>
+                          <a:latin typeface="Calibri" panose="020F0502020204030204" pitchFamily="34" charset="0"/>
+                        </a:rPr>
+                        <a:t>Q3</a:t>
+                      </a:r>
+                    </a:p>
+                  </a:txBody>
+                  <a:tcPr marL="9525" marR="9525" marT="9525" marB="0" anchor="b">
+                    <a:lnL>
+                      <a:noFill/>
+                    </a:lnL>
+                    <a:lnR>
+                      <a:noFill/>
+                    </a:lnR>
+                    <a:lnT>
+                      <a:noFill/>
+                    </a:lnT>
+                    <a:lnB w="12700" cap="flat" cmpd="sng" algn="ctr">
+                      <a:solidFill>
+                        <a:schemeClr val="tx1"/>
+                      </a:solidFill>
+                      <a:prstDash val="solid"/>
+                      <a:round/>
+                      <a:headEnd type="none" w="med" len="med"/>
+                      <a:tailEnd type="none" w="med" len="med"/>
+                    </a:lnB>
+                  </a:tcPr>
+                </a:tc>
+                <a:tc>
+                  <a:txBody>
+                    <a:bodyPr/>
+                    <a:lstStyle/>
+                    <a:p>
+                      <a:pPr algn="ctr" fontAlgn="b"/>
+                      <a:r>
+                        <a:rPr lang="en-US" sz="2000" b="0" i="0" u="none" strike="noStrike" dirty="0">
+                          <a:solidFill>
+                            <a:srgbClr val="000000"/>
+                          </a:solidFill>
+                          <a:effectLst/>
+                          <a:latin typeface="Calibri" panose="020F0502020204030204" pitchFamily="34" charset="0"/>
+                        </a:rPr>
+                        <a:t>max</a:t>
+                      </a:r>
+                    </a:p>
+                  </a:txBody>
+                  <a:tcPr marL="9525" marR="9525" marT="9525" marB="0" anchor="b">
+                    <a:lnL>
+                      <a:noFill/>
+                    </a:lnL>
+                    <a:lnR>
+                      <a:noFill/>
+                    </a:lnR>
+                    <a:lnT>
+                      <a:noFill/>
+                    </a:lnT>
+                    <a:lnB w="12700" cap="flat" cmpd="sng" algn="ctr">
+                      <a:solidFill>
+                        <a:schemeClr val="tx1"/>
+                      </a:solidFill>
+                      <a:prstDash val="solid"/>
+                      <a:round/>
+                      <a:headEnd type="none" w="med" len="med"/>
+                      <a:tailEnd type="none" w="med" len="med"/>
+                    </a:lnB>
+                  </a:tcPr>
+                </a:tc>
+                <a:tc>
+                  <a:txBody>
+                    <a:bodyPr/>
+                    <a:lstStyle/>
+                    <a:p>
+                      <a:pPr algn="ctr" fontAlgn="b"/>
+                      <a:r>
+                        <a:rPr lang="en-US" sz="2000" b="0" i="0" u="none" strike="noStrike">
+                          <a:solidFill>
+                            <a:srgbClr val="000000"/>
+                          </a:solidFill>
+                          <a:effectLst/>
+                          <a:latin typeface="Calibri" panose="020F0502020204030204" pitchFamily="34" charset="0"/>
+                        </a:rPr>
+                        <a:t>mean</a:t>
+                      </a:r>
+                    </a:p>
+                  </a:txBody>
+                  <a:tcPr marL="9525" marR="9525" marT="9525" marB="0" anchor="b">
+                    <a:lnL>
+                      <a:noFill/>
+                    </a:lnL>
+                    <a:lnR>
+                      <a:noFill/>
+                    </a:lnR>
+                    <a:lnT>
+                      <a:noFill/>
+                    </a:lnT>
+                    <a:lnB w="12700" cap="flat" cmpd="sng" algn="ctr">
+                      <a:solidFill>
+                        <a:schemeClr val="tx1"/>
+                      </a:solidFill>
+                      <a:prstDash val="solid"/>
+                      <a:round/>
+                      <a:headEnd type="none" w="med" len="med"/>
+                      <a:tailEnd type="none" w="med" len="med"/>
+                    </a:lnB>
+                  </a:tcPr>
+                </a:tc>
+                <a:tc>
+                  <a:txBody>
+                    <a:bodyPr/>
+                    <a:lstStyle/>
+                    <a:p>
+                      <a:pPr algn="ctr" fontAlgn="b"/>
+                      <a:r>
+                        <a:rPr lang="en-US" sz="2000" b="0" i="0" u="none" strike="noStrike">
+                          <a:solidFill>
+                            <a:srgbClr val="000000"/>
+                          </a:solidFill>
+                          <a:effectLst/>
+                          <a:latin typeface="Calibri" panose="020F0502020204030204" pitchFamily="34" charset="0"/>
+                        </a:rPr>
+                        <a:t>sd</a:t>
+                      </a:r>
+                    </a:p>
+                  </a:txBody>
+                  <a:tcPr marL="9525" marR="9525" marT="9525" marB="0" anchor="b">
+                    <a:lnL>
+                      <a:noFill/>
+                    </a:lnL>
+                    <a:lnR>
+                      <a:noFill/>
+                    </a:lnR>
+                    <a:lnT>
+                      <a:noFill/>
+                    </a:lnT>
+                    <a:lnB w="12700" cap="flat" cmpd="sng" algn="ctr">
+                      <a:solidFill>
+                        <a:schemeClr val="tx1"/>
+                      </a:solidFill>
+                      <a:prstDash val="solid"/>
+                      <a:round/>
+                      <a:headEnd type="none" w="med" len="med"/>
+                      <a:tailEnd type="none" w="med" len="med"/>
+                    </a:lnB>
+                  </a:tcPr>
+                </a:tc>
+                <a:tc>
+                  <a:txBody>
+                    <a:bodyPr/>
+                    <a:lstStyle/>
+                    <a:p>
+                      <a:pPr algn="ctr" fontAlgn="b"/>
+                      <a:r>
+                        <a:rPr lang="en-US" sz="2000" b="0" i="0" u="none" strike="noStrike">
+                          <a:solidFill>
+                            <a:srgbClr val="000000"/>
+                          </a:solidFill>
+                          <a:effectLst/>
+                          <a:latin typeface="Calibri" panose="020F0502020204030204" pitchFamily="34" charset="0"/>
+                        </a:rPr>
+                        <a:t>n</a:t>
+                      </a:r>
+                    </a:p>
+                  </a:txBody>
+                  <a:tcPr marL="9525" marR="9525" marT="9525" marB="0" anchor="b">
+                    <a:lnL>
+                      <a:noFill/>
+                    </a:lnL>
+                    <a:lnR>
+                      <a:noFill/>
+                    </a:lnR>
+                    <a:lnT>
+                      <a:noFill/>
+                    </a:lnT>
+                    <a:lnB w="12700" cap="flat" cmpd="sng" algn="ctr">
+                      <a:solidFill>
+                        <a:schemeClr val="tx1"/>
+                      </a:solidFill>
+                      <a:prstDash val="solid"/>
+                      <a:round/>
+                      <a:headEnd type="none" w="med" len="med"/>
+                      <a:tailEnd type="none" w="med" len="med"/>
+                    </a:lnB>
+                  </a:tcPr>
+                </a:tc>
+                <a:tc>
+                  <a:txBody>
+                    <a:bodyPr/>
+                    <a:lstStyle/>
+                    <a:p>
+                      <a:pPr algn="ctr" fontAlgn="b"/>
+                      <a:r>
+                        <a:rPr lang="en-US" sz="2000" b="0" i="0" u="none" strike="noStrike" dirty="0">
+                          <a:solidFill>
+                            <a:srgbClr val="000000"/>
+                          </a:solidFill>
+                          <a:effectLst/>
+                          <a:latin typeface="Calibri" panose="020F0502020204030204" pitchFamily="34" charset="0"/>
+                        </a:rPr>
+                        <a:t>missing</a:t>
+                      </a:r>
+                    </a:p>
+                  </a:txBody>
+                  <a:tcPr marL="9525" marR="9525" marT="9525" marB="0" anchor="b">
+                    <a:lnL>
+                      <a:noFill/>
+                    </a:lnL>
+                    <a:lnR>
+                      <a:noFill/>
+                    </a:lnR>
+                    <a:lnT>
+                      <a:noFill/>
+                    </a:lnT>
+                    <a:lnB w="12700" cap="flat" cmpd="sng" algn="ctr">
+                      <a:solidFill>
+                        <a:schemeClr val="tx1"/>
+                      </a:solidFill>
+                      <a:prstDash val="solid"/>
+                      <a:round/>
+                      <a:headEnd type="none" w="med" len="med"/>
+                      <a:tailEnd type="none" w="med" len="med"/>
+                    </a:lnB>
+                  </a:tcPr>
+                </a:tc>
+                <a:extLst>
+                  <a:ext uri="{0D108BD9-81ED-4DB2-BD59-A6C34878D82A}">
+                    <a16:rowId xmlns:a16="http://schemas.microsoft.com/office/drawing/2014/main" val="4239119554"/>
+                  </a:ext>
+                </a:extLst>
+              </a:tr>
+              <a:tr h="190500">
+                <a:tc>
+                  <a:txBody>
+                    <a:bodyPr/>
+                    <a:lstStyle/>
+                    <a:p>
+                      <a:pPr algn="ctr" fontAlgn="b"/>
+                      <a:r>
+                        <a:rPr lang="en-US" sz="2000" b="0" i="0" u="none" strike="noStrike">
+                          <a:solidFill>
+                            <a:srgbClr val="000000"/>
+                          </a:solidFill>
+                          <a:effectLst/>
+                          <a:latin typeface="Calibri" panose="020F0502020204030204" pitchFamily="34" charset="0"/>
+                        </a:rPr>
+                        <a:t>4.8</a:t>
+                      </a:r>
+                    </a:p>
+                  </a:txBody>
+                  <a:tcPr marL="9525" marR="9525" marT="9525" marB="0" anchor="b">
+                    <a:lnL>
+                      <a:noFill/>
+                    </a:lnL>
+                    <a:lnR>
+                      <a:noFill/>
+                    </a:lnR>
+                    <a:lnT w="12700" cap="flat" cmpd="sng" algn="ctr">
+                      <a:solidFill>
+                        <a:schemeClr val="tx1"/>
+                      </a:solidFill>
+                      <a:prstDash val="solid"/>
+                      <a:round/>
+                      <a:headEnd type="none" w="med" len="med"/>
+                      <a:tailEnd type="none" w="med" len="med"/>
+                    </a:lnT>
+                    <a:lnB>
+                      <a:noFill/>
+                    </a:lnB>
+                  </a:tcPr>
+                </a:tc>
+                <a:tc>
+                  <a:txBody>
+                    <a:bodyPr/>
+                    <a:lstStyle/>
+                    <a:p>
+                      <a:pPr algn="ctr" fontAlgn="b"/>
+                      <a:r>
+                        <a:rPr lang="en-US" sz="2000" b="0" i="0" u="none" strike="noStrike" dirty="0">
+                          <a:solidFill>
+                            <a:srgbClr val="000000"/>
+                          </a:solidFill>
+                          <a:effectLst/>
+                          <a:latin typeface="Calibri" panose="020F0502020204030204" pitchFamily="34" charset="0"/>
+                        </a:rPr>
+                        <a:t>5.85</a:t>
+                      </a:r>
+                    </a:p>
+                  </a:txBody>
+                  <a:tcPr marL="9525" marR="9525" marT="9525" marB="0" anchor="b">
+                    <a:lnL>
+                      <a:noFill/>
+                    </a:lnL>
+                    <a:lnR>
+                      <a:noFill/>
+                    </a:lnR>
+                    <a:lnT w="12700" cap="flat" cmpd="sng" algn="ctr">
+                      <a:solidFill>
+                        <a:schemeClr val="tx1"/>
+                      </a:solidFill>
+                      <a:prstDash val="solid"/>
+                      <a:round/>
+                      <a:headEnd type="none" w="med" len="med"/>
+                      <a:tailEnd type="none" w="med" len="med"/>
+                    </a:lnT>
+                    <a:lnB>
+                      <a:noFill/>
+                    </a:lnB>
+                  </a:tcPr>
+                </a:tc>
+                <a:tc>
+                  <a:txBody>
+                    <a:bodyPr/>
+                    <a:lstStyle/>
+                    <a:p>
+                      <a:pPr algn="ctr" fontAlgn="b"/>
+                      <a:r>
+                        <a:rPr lang="en-US" sz="2000" b="0" i="0" u="none" strike="noStrike" dirty="0">
+                          <a:solidFill>
+                            <a:srgbClr val="000000"/>
+                          </a:solidFill>
+                          <a:effectLst/>
+                          <a:latin typeface="Calibri" panose="020F0502020204030204" pitchFamily="34" charset="0"/>
+                        </a:rPr>
+                        <a:t>6.4</a:t>
+                      </a:r>
+                    </a:p>
+                  </a:txBody>
+                  <a:tcPr marL="9525" marR="9525" marT="9525" marB="0" anchor="b">
+                    <a:lnL>
+                      <a:noFill/>
+                    </a:lnL>
+                    <a:lnR>
+                      <a:noFill/>
+                    </a:lnR>
+                    <a:lnT w="12700" cap="flat" cmpd="sng" algn="ctr">
+                      <a:solidFill>
+                        <a:schemeClr val="tx1"/>
+                      </a:solidFill>
+                      <a:prstDash val="solid"/>
+                      <a:round/>
+                      <a:headEnd type="none" w="med" len="med"/>
+                      <a:tailEnd type="none" w="med" len="med"/>
+                    </a:lnT>
+                    <a:lnB>
+                      <a:noFill/>
+                    </a:lnB>
+                  </a:tcPr>
+                </a:tc>
+                <a:tc>
+                  <a:txBody>
+                    <a:bodyPr/>
+                    <a:lstStyle/>
+                    <a:p>
+                      <a:pPr algn="ctr" fontAlgn="b"/>
+                      <a:r>
+                        <a:rPr lang="en-US" sz="2000" b="0" i="0" u="none" strike="noStrike">
+                          <a:solidFill>
+                            <a:srgbClr val="000000"/>
+                          </a:solidFill>
+                          <a:effectLst/>
+                          <a:latin typeface="Calibri" panose="020F0502020204030204" pitchFamily="34" charset="0"/>
+                        </a:rPr>
+                        <a:t>7.2</a:t>
+                      </a:r>
+                    </a:p>
+                  </a:txBody>
+                  <a:tcPr marL="9525" marR="9525" marT="9525" marB="0" anchor="b">
+                    <a:lnL>
+                      <a:noFill/>
+                    </a:lnL>
+                    <a:lnR>
+                      <a:noFill/>
+                    </a:lnR>
+                    <a:lnT w="12700" cap="flat" cmpd="sng" algn="ctr">
+                      <a:solidFill>
+                        <a:schemeClr val="tx1"/>
+                      </a:solidFill>
+                      <a:prstDash val="solid"/>
+                      <a:round/>
+                      <a:headEnd type="none" w="med" len="med"/>
+                      <a:tailEnd type="none" w="med" len="med"/>
+                    </a:lnT>
+                    <a:lnB>
+                      <a:noFill/>
+                    </a:lnB>
+                  </a:tcPr>
+                </a:tc>
+                <a:tc>
+                  <a:txBody>
+                    <a:bodyPr/>
+                    <a:lstStyle/>
+                    <a:p>
+                      <a:pPr algn="ctr" fontAlgn="b"/>
+                      <a:r>
+                        <a:rPr lang="en-US" sz="2000" b="0" i="0" u="none" strike="noStrike" dirty="0">
+                          <a:solidFill>
+                            <a:srgbClr val="000000"/>
+                          </a:solidFill>
+                          <a:effectLst/>
+                          <a:latin typeface="Calibri" panose="020F0502020204030204" pitchFamily="34" charset="0"/>
+                        </a:rPr>
+                        <a:t>10</a:t>
+                      </a:r>
+                    </a:p>
+                  </a:txBody>
+                  <a:tcPr marL="9525" marR="9525" marT="9525" marB="0" anchor="b">
+                    <a:lnL>
+                      <a:noFill/>
+                    </a:lnL>
+                    <a:lnR>
+                      <a:noFill/>
+                    </a:lnR>
+                    <a:lnT w="12700" cap="flat" cmpd="sng" algn="ctr">
+                      <a:solidFill>
+                        <a:schemeClr val="tx1"/>
+                      </a:solidFill>
+                      <a:prstDash val="solid"/>
+                      <a:round/>
+                      <a:headEnd type="none" w="med" len="med"/>
+                      <a:tailEnd type="none" w="med" len="med"/>
+                    </a:lnT>
+                    <a:lnB>
+                      <a:noFill/>
+                    </a:lnB>
+                  </a:tcPr>
+                </a:tc>
+                <a:tc>
+                  <a:txBody>
+                    <a:bodyPr/>
+                    <a:lstStyle/>
+                    <a:p>
+                      <a:pPr algn="ctr" fontAlgn="b"/>
+                      <a:r>
+                        <a:rPr lang="en-US" sz="2000" b="0" i="0" u="none" strike="noStrike" dirty="0">
+                          <a:solidFill>
+                            <a:srgbClr val="000000"/>
+                          </a:solidFill>
+                          <a:effectLst/>
+                          <a:latin typeface="Calibri" panose="020F0502020204030204" pitchFamily="34" charset="0"/>
+                        </a:rPr>
+                        <a:t>6.610638</a:t>
+                      </a:r>
+                    </a:p>
+                  </a:txBody>
+                  <a:tcPr marL="9525" marR="9525" marT="9525" marB="0" anchor="b">
+                    <a:lnL>
+                      <a:noFill/>
+                    </a:lnL>
+                    <a:lnR>
+                      <a:noFill/>
+                    </a:lnR>
+                    <a:lnT w="12700" cap="flat" cmpd="sng" algn="ctr">
+                      <a:solidFill>
+                        <a:schemeClr val="tx1"/>
+                      </a:solidFill>
+                      <a:prstDash val="solid"/>
+                      <a:round/>
+                      <a:headEnd type="none" w="med" len="med"/>
+                      <a:tailEnd type="none" w="med" len="med"/>
+                    </a:lnT>
+                    <a:lnB>
+                      <a:noFill/>
+                    </a:lnB>
+                  </a:tcPr>
+                </a:tc>
+                <a:tc>
+                  <a:txBody>
+                    <a:bodyPr/>
+                    <a:lstStyle/>
+                    <a:p>
+                      <a:pPr algn="ctr" fontAlgn="b"/>
+                      <a:r>
+                        <a:rPr lang="en-US" sz="2000" b="0" i="0" u="none" strike="noStrike" dirty="0">
+                          <a:solidFill>
+                            <a:srgbClr val="000000"/>
+                          </a:solidFill>
+                          <a:effectLst/>
+                          <a:latin typeface="Calibri" panose="020F0502020204030204" pitchFamily="34" charset="0"/>
+                        </a:rPr>
+                        <a:t>1.096087</a:t>
+                      </a:r>
+                    </a:p>
+                  </a:txBody>
+                  <a:tcPr marL="9525" marR="9525" marT="9525" marB="0" anchor="b">
+                    <a:lnL>
+                      <a:noFill/>
+                    </a:lnL>
+                    <a:lnR>
+                      <a:noFill/>
+                    </a:lnR>
+                    <a:lnT w="12700" cap="flat" cmpd="sng" algn="ctr">
+                      <a:solidFill>
+                        <a:schemeClr val="tx1"/>
+                      </a:solidFill>
+                      <a:prstDash val="solid"/>
+                      <a:round/>
+                      <a:headEnd type="none" w="med" len="med"/>
+                      <a:tailEnd type="none" w="med" len="med"/>
+                    </a:lnT>
+                    <a:lnB>
+                      <a:noFill/>
+                    </a:lnB>
+                  </a:tcPr>
+                </a:tc>
+                <a:tc>
+                  <a:txBody>
+                    <a:bodyPr/>
+                    <a:lstStyle/>
+                    <a:p>
+                      <a:pPr algn="ctr" fontAlgn="b"/>
+                      <a:r>
+                        <a:rPr lang="en-US" sz="2000" b="0" i="0" u="none" strike="noStrike">
+                          <a:solidFill>
+                            <a:srgbClr val="000000"/>
+                          </a:solidFill>
+                          <a:effectLst/>
+                          <a:latin typeface="Calibri" panose="020F0502020204030204" pitchFamily="34" charset="0"/>
+                        </a:rPr>
+                        <a:t>47</a:t>
+                      </a:r>
+                    </a:p>
+                  </a:txBody>
+                  <a:tcPr marL="9525" marR="9525" marT="9525" marB="0" anchor="b">
+                    <a:lnL>
+                      <a:noFill/>
+                    </a:lnL>
+                    <a:lnR>
+                      <a:noFill/>
+                    </a:lnR>
+                    <a:lnT w="12700" cap="flat" cmpd="sng" algn="ctr">
+                      <a:solidFill>
+                        <a:schemeClr val="tx1"/>
+                      </a:solidFill>
+                      <a:prstDash val="solid"/>
+                      <a:round/>
+                      <a:headEnd type="none" w="med" len="med"/>
+                      <a:tailEnd type="none" w="med" len="med"/>
+                    </a:lnT>
+                    <a:lnB>
+                      <a:noFill/>
+                    </a:lnB>
+                  </a:tcPr>
+                </a:tc>
+                <a:tc>
+                  <a:txBody>
+                    <a:bodyPr/>
+                    <a:lstStyle/>
+                    <a:p>
+                      <a:pPr algn="ctr" fontAlgn="b"/>
+                      <a:r>
+                        <a:rPr lang="en-US" sz="2000" b="0" i="0" u="none" strike="noStrike" dirty="0">
+                          <a:solidFill>
+                            <a:srgbClr val="000000"/>
+                          </a:solidFill>
+                          <a:effectLst/>
+                          <a:latin typeface="Calibri" panose="020F0502020204030204" pitchFamily="34" charset="0"/>
+                        </a:rPr>
+                        <a:t>0</a:t>
+                      </a:r>
+                    </a:p>
+                  </a:txBody>
+                  <a:tcPr marL="9525" marR="9525" marT="9525" marB="0" anchor="b">
+                    <a:lnL>
+                      <a:noFill/>
+                    </a:lnL>
+                    <a:lnR>
+                      <a:noFill/>
+                    </a:lnR>
+                    <a:lnT w="12700" cap="flat" cmpd="sng" algn="ctr">
+                      <a:solidFill>
+                        <a:schemeClr val="tx1"/>
+                      </a:solidFill>
+                      <a:prstDash val="solid"/>
+                      <a:round/>
+                      <a:headEnd type="none" w="med" len="med"/>
+                      <a:tailEnd type="none" w="med" len="med"/>
+                    </a:lnT>
+                    <a:lnB>
+                      <a:noFill/>
+                    </a:lnB>
+                  </a:tcPr>
+                </a:tc>
+                <a:extLst>
+                  <a:ext uri="{0D108BD9-81ED-4DB2-BD59-A6C34878D82A}">
+                    <a16:rowId xmlns:a16="http://schemas.microsoft.com/office/drawing/2014/main" val="2889312683"/>
+                  </a:ext>
+                </a:extLst>
+              </a:tr>
+            </a:tbl>
+          </a:graphicData>
+        </a:graphic>
+      </p:graphicFrame>
+      <p:sp>
+        <p:nvSpPr>
+          <p:cNvPr id="8" name="TextBox 7">
+            <a:extLst>
+              <a:ext uri="{FF2B5EF4-FFF2-40B4-BE49-F238E27FC236}">
+                <a16:creationId xmlns:a16="http://schemas.microsoft.com/office/drawing/2014/main" id="{60189EC3-A362-C009-844E-3E0ACA45CD63}"/>
+              </a:ext>
+            </a:extLst>
+          </p:cNvPr>
+          <p:cNvSpPr txBox="1"/>
+          <p:nvPr/>
+        </p:nvSpPr>
+        <p:spPr>
+          <a:xfrm>
+            <a:off x="3259139" y="71718"/>
+            <a:ext cx="6026334" cy="523220"/>
+          </a:xfrm>
+          <a:prstGeom prst="rect">
+            <a:avLst/>
+          </a:prstGeom>
+          <a:noFill/>
+        </p:spPr>
+        <p:txBody>
+          <a:bodyPr wrap="square" rtlCol="0">
+            <a:spAutoFit/>
+          </a:bodyPr>
+          <a:lstStyle/>
+          <a:p>
+            <a:pPr algn="ctr"/>
+            <a:r>
+              <a:rPr lang="en-US" sz="2800" dirty="0"/>
+              <a:t>Rationale for the HbA1c cutoff of 7.2</a:t>
+            </a:r>
+          </a:p>
+        </p:txBody>
+      </p:sp>
+    </p:spTree>
+    <p:extLst>
+      <p:ext uri="{BB962C8B-B14F-4D97-AF65-F5344CB8AC3E}">
+        <p14:creationId xmlns:p14="http://schemas.microsoft.com/office/powerpoint/2010/main" val="1315336285"/>
+      </p:ext>
+    </p:extLst>
+  </p:cSld>
+  <p:clrMapOvr>
+    <a:masterClrMapping/>
+  </p:clrMapOvr>
+</p:sld>
+</file>
+
+<file path=ppt/slides/slide6.xml><?xml version="1.0" encoding="utf-8"?>
+<p:sld xmlns:a="http://schemas.openxmlformats.org/drawingml/2006/main" xmlns:r="http://schemas.openxmlformats.org/officeDocument/2006/relationships" xmlns:p="http://schemas.openxmlformats.org/presentationml/2006/main">
+  <p:cSld>
+    <p:spTree>
+      <p:nvGrpSpPr>
+        <p:cNvPr id="1" name=""/>
+        <p:cNvGrpSpPr/>
+        <p:nvPr/>
+      </p:nvGrpSpPr>
+      <p:grpSpPr>
+        <a:xfrm>
+          <a:off x="0" y="0"/>
+          <a:ext cx="0" cy="0"/>
+          <a:chOff x="0" y="0"/>
+          <a:chExt cx="0" cy="0"/>
+        </a:xfrm>
+      </p:grpSpPr>
       <p:sp>
         <p:nvSpPr>
           <p:cNvPr id="2" name="Title 1">
@@ -6728,7 +11469,7 @@
 </p:sld>
 </file>
 
-<file path=ppt/slides/slide6.xml><?xml version="1.0" encoding="utf-8"?>
+<file path=ppt/slides/slide7.xml><?xml version="1.0" encoding="utf-8"?>
 <p:sld xmlns:a="http://schemas.openxmlformats.org/drawingml/2006/main" xmlns:r="http://schemas.openxmlformats.org/officeDocument/2006/relationships" xmlns:p="http://schemas.openxmlformats.org/presentationml/2006/main">
   <p:cSld>
     <p:spTree>
@@ -10645,7 +15386,7 @@
 </p:sld>
 </file>
 
-<file path=ppt/slides/slide7.xml><?xml version="1.0" encoding="utf-8"?>
+<file path=ppt/slides/slide8.xml><?xml version="1.0" encoding="utf-8"?>
 <p:sld xmlns:a="http://schemas.openxmlformats.org/drawingml/2006/main" xmlns:r="http://schemas.openxmlformats.org/officeDocument/2006/relationships" xmlns:p="http://schemas.openxmlformats.org/presentationml/2006/main">
   <p:cSld>
     <p:spTree>
@@ -12851,7 +17592,7 @@
 </p:sld>
 </file>
 
-<file path=ppt/slides/slide8.xml><?xml version="1.0" encoding="utf-8"?>
+<file path=ppt/slides/slide9.xml><?xml version="1.0" encoding="utf-8"?>
 <p:sld xmlns:a="http://schemas.openxmlformats.org/drawingml/2006/main" xmlns:r="http://schemas.openxmlformats.org/officeDocument/2006/relationships" xmlns:p="http://schemas.openxmlformats.org/presentationml/2006/main">
   <p:cSld>
     <p:spTree>
@@ -12970,3831 +17711,6 @@
     <p:extLst>
       <p:ext uri="{BB962C8B-B14F-4D97-AF65-F5344CB8AC3E}">
         <p14:creationId xmlns:p14="http://schemas.microsoft.com/office/powerpoint/2010/main" val="120107560"/>
-      </p:ext>
-    </p:extLst>
-  </p:cSld>
-  <p:clrMapOvr>
-    <a:masterClrMapping/>
-  </p:clrMapOvr>
-</p:sld>
-</file>
-
-<file path=ppt/slides/slide9.xml><?xml version="1.0" encoding="utf-8"?>
-<p:sld xmlns:a="http://schemas.openxmlformats.org/drawingml/2006/main" xmlns:r="http://schemas.openxmlformats.org/officeDocument/2006/relationships" xmlns:p="http://schemas.openxmlformats.org/presentationml/2006/main">
-  <p:cSld>
-    <p:spTree>
-      <p:nvGrpSpPr>
-        <p:cNvPr id="1" name=""/>
-        <p:cNvGrpSpPr/>
-        <p:nvPr/>
-      </p:nvGrpSpPr>
-      <p:grpSpPr>
-        <a:xfrm>
-          <a:off x="0" y="0"/>
-          <a:ext cx="0" cy="0"/>
-          <a:chOff x="0" y="0"/>
-          <a:chExt cx="0" cy="0"/>
-        </a:xfrm>
-      </p:grpSpPr>
-      <p:graphicFrame>
-        <p:nvGraphicFramePr>
-          <p:cNvPr id="5" name="Table 4">
-            <a:extLst>
-              <a:ext uri="{FF2B5EF4-FFF2-40B4-BE49-F238E27FC236}">
-                <a16:creationId xmlns:a16="http://schemas.microsoft.com/office/drawing/2014/main" id="{D06536CA-8A1E-D77E-4051-D73A30068151}"/>
-              </a:ext>
-            </a:extLst>
-          </p:cNvPr>
-          <p:cNvGraphicFramePr>
-            <a:graphicFrameLocks noGrp="1"/>
-          </p:cNvGraphicFramePr>
-          <p:nvPr/>
-        </p:nvGraphicFramePr>
-        <p:xfrm>
-          <a:off x="1813665" y="1214123"/>
-          <a:ext cx="8564669" cy="1886070"/>
-        </p:xfrm>
-        <a:graphic>
-          <a:graphicData uri="http://schemas.openxmlformats.org/drawingml/2006/table">
-            <a:tbl>
-              <a:tblPr firstRow="1" firstCol="1" bandRow="1"/>
-              <a:tblGrid>
-                <a:gridCol w="878809">
-                  <a:extLst>
-                    <a:ext uri="{9D8B030D-6E8A-4147-A177-3AD203B41FA5}">
-                      <a16:colId xmlns:a16="http://schemas.microsoft.com/office/drawing/2014/main" val="3583062955"/>
-                    </a:ext>
-                  </a:extLst>
-                </a:gridCol>
-                <a:gridCol w="714964">
-                  <a:extLst>
-                    <a:ext uri="{9D8B030D-6E8A-4147-A177-3AD203B41FA5}">
-                      <a16:colId xmlns:a16="http://schemas.microsoft.com/office/drawing/2014/main" val="2479120348"/>
-                    </a:ext>
-                  </a:extLst>
-                </a:gridCol>
-                <a:gridCol w="1161816">
-                  <a:extLst>
-                    <a:ext uri="{9D8B030D-6E8A-4147-A177-3AD203B41FA5}">
-                      <a16:colId xmlns:a16="http://schemas.microsoft.com/office/drawing/2014/main" val="514176885"/>
-                    </a:ext>
-                  </a:extLst>
-                </a:gridCol>
-                <a:gridCol w="1161816">
-                  <a:extLst>
-                    <a:ext uri="{9D8B030D-6E8A-4147-A177-3AD203B41FA5}">
-                      <a16:colId xmlns:a16="http://schemas.microsoft.com/office/drawing/2014/main" val="2891191553"/>
-                    </a:ext>
-                  </a:extLst>
-                </a:gridCol>
-                <a:gridCol w="1161816">
-                  <a:extLst>
-                    <a:ext uri="{9D8B030D-6E8A-4147-A177-3AD203B41FA5}">
-                      <a16:colId xmlns:a16="http://schemas.microsoft.com/office/drawing/2014/main" val="3319371728"/>
-                    </a:ext>
-                  </a:extLst>
-                </a:gridCol>
-                <a:gridCol w="1161816">
-                  <a:extLst>
-                    <a:ext uri="{9D8B030D-6E8A-4147-A177-3AD203B41FA5}">
-                      <a16:colId xmlns:a16="http://schemas.microsoft.com/office/drawing/2014/main" val="174534887"/>
-                    </a:ext>
-                  </a:extLst>
-                </a:gridCol>
-                <a:gridCol w="1161816">
-                  <a:extLst>
-                    <a:ext uri="{9D8B030D-6E8A-4147-A177-3AD203B41FA5}">
-                      <a16:colId xmlns:a16="http://schemas.microsoft.com/office/drawing/2014/main" val="1720346803"/>
-                    </a:ext>
-                  </a:extLst>
-                </a:gridCol>
-                <a:gridCol w="1161816">
-                  <a:extLst>
-                    <a:ext uri="{9D8B030D-6E8A-4147-A177-3AD203B41FA5}">
-                      <a16:colId xmlns:a16="http://schemas.microsoft.com/office/drawing/2014/main" val="2727880583"/>
-                    </a:ext>
-                  </a:extLst>
-                </a:gridCol>
-              </a:tblGrid>
-              <a:tr h="188607">
-                <a:tc>
-                  <a:txBody>
-                    <a:bodyPr/>
-                    <a:lstStyle/>
-                    <a:p>
-                      <a:pPr algn="l">
-                        <a:lnSpc>
-                          <a:spcPct val="107000"/>
-                        </a:lnSpc>
-                      </a:pPr>
-                      <a:endParaRPr lang="en-US" sz="1100" dirty="0">
-                        <a:effectLst/>
-                        <a:latin typeface="Calibri" panose="020F0502020204030204" pitchFamily="34" charset="0"/>
-                        <a:cs typeface="Times New Roman" panose="02020603050405020304" pitchFamily="18" charset="0"/>
-                      </a:endParaRPr>
-                    </a:p>
-                  </a:txBody>
-                  <a:tcPr marL="42863" marR="42863" marT="0" marB="0" anchor="b">
-                    <a:lnL>
-                      <a:noFill/>
-                    </a:lnL>
-                    <a:lnR>
-                      <a:noFill/>
-                    </a:lnR>
-                    <a:lnT>
-                      <a:noFill/>
-                    </a:lnT>
-                    <a:lnB>
-                      <a:noFill/>
-                    </a:lnB>
-                  </a:tcPr>
-                </a:tc>
-                <a:tc>
-                  <a:txBody>
-                    <a:bodyPr/>
-                    <a:lstStyle/>
-                    <a:p>
-                      <a:pPr algn="l">
-                        <a:lnSpc>
-                          <a:spcPct val="107000"/>
-                        </a:lnSpc>
-                      </a:pPr>
-                      <a:endParaRPr lang="en-US" sz="1100">
-                        <a:effectLst/>
-                        <a:latin typeface="Calibri" panose="020F0502020204030204" pitchFamily="34" charset="0"/>
-                        <a:cs typeface="Times New Roman" panose="02020603050405020304" pitchFamily="18" charset="0"/>
-                      </a:endParaRPr>
-                    </a:p>
-                  </a:txBody>
-                  <a:tcPr marL="42863" marR="42863" marT="0" marB="0" anchor="b">
-                    <a:lnL>
-                      <a:noFill/>
-                    </a:lnL>
-                    <a:lnR>
-                      <a:noFill/>
-                    </a:lnR>
-                    <a:lnT>
-                      <a:noFill/>
-                    </a:lnT>
-                    <a:lnB>
-                      <a:noFill/>
-                    </a:lnB>
-                  </a:tcPr>
-                </a:tc>
-                <a:tc>
-                  <a:txBody>
-                    <a:bodyPr/>
-                    <a:lstStyle/>
-                    <a:p>
-                      <a:pPr algn="l">
-                        <a:lnSpc>
-                          <a:spcPct val="107000"/>
-                        </a:lnSpc>
-                      </a:pPr>
-                      <a:endParaRPr lang="en-US" sz="1100">
-                        <a:effectLst/>
-                        <a:latin typeface="Calibri" panose="020F0502020204030204" pitchFamily="34" charset="0"/>
-                        <a:cs typeface="Times New Roman" panose="02020603050405020304" pitchFamily="18" charset="0"/>
-                      </a:endParaRPr>
-                    </a:p>
-                  </a:txBody>
-                  <a:tcPr marL="42863" marR="42863" marT="0" marB="0" anchor="b">
-                    <a:lnL>
-                      <a:noFill/>
-                    </a:lnL>
-                    <a:lnR>
-                      <a:noFill/>
-                    </a:lnR>
-                    <a:lnT>
-                      <a:noFill/>
-                    </a:lnT>
-                    <a:lnB>
-                      <a:noFill/>
-                    </a:lnB>
-                  </a:tcPr>
-                </a:tc>
-                <a:tc gridSpan="5">
-                  <a:txBody>
-                    <a:bodyPr/>
-                    <a:lstStyle/>
-                    <a:p>
-                      <a:pPr marL="0" marR="0" algn="ctr">
-                        <a:lnSpc>
-                          <a:spcPct val="107000"/>
-                        </a:lnSpc>
-                        <a:spcBef>
-                          <a:spcPts val="0"/>
-                        </a:spcBef>
-                        <a:spcAft>
-                          <a:spcPts val="0"/>
-                        </a:spcAft>
-                      </a:pPr>
-                      <a:r>
-                        <a:rPr lang="en-US" sz="1100" dirty="0">
-                          <a:solidFill>
-                            <a:srgbClr val="000000"/>
-                          </a:solidFill>
-                          <a:effectLst/>
-                          <a:latin typeface="Calibri" panose="020F0502020204030204" pitchFamily="34" charset="0"/>
-                          <a:ea typeface="Times New Roman" panose="02020603050405020304" pitchFamily="18" charset="0"/>
-                          <a:cs typeface="Calibri" panose="020F0502020204030204" pitchFamily="34" charset="0"/>
-                        </a:rPr>
-                        <a:t>Source (mean ± std. error)</a:t>
-                      </a:r>
-                      <a:endParaRPr lang="en-US" sz="1100" dirty="0">
-                        <a:effectLst/>
-                        <a:latin typeface="Calibri" panose="020F0502020204030204" pitchFamily="34" charset="0"/>
-                        <a:ea typeface="Calibri" panose="020F0502020204030204" pitchFamily="34" charset="0"/>
-                        <a:cs typeface="Times New Roman" panose="02020603050405020304" pitchFamily="18" charset="0"/>
-                      </a:endParaRPr>
-                    </a:p>
-                  </a:txBody>
-                  <a:tcPr marL="42863" marR="42863" marT="0" marB="0" anchor="b">
-                    <a:lnL>
-                      <a:noFill/>
-                    </a:lnL>
-                    <a:lnR>
-                      <a:noFill/>
-                    </a:lnR>
-                    <a:lnT>
-                      <a:noFill/>
-                    </a:lnT>
-                    <a:lnB w="12700" cap="flat" cmpd="sng" algn="ctr">
-                      <a:solidFill>
-                        <a:srgbClr val="000000"/>
-                      </a:solidFill>
-                      <a:prstDash val="solid"/>
-                      <a:round/>
-                      <a:headEnd type="none" w="med" len="med"/>
-                      <a:tailEnd type="none" w="med" len="med"/>
-                    </a:lnB>
-                  </a:tcPr>
-                </a:tc>
-                <a:tc hMerge="1">
-                  <a:txBody>
-                    <a:bodyPr/>
-                    <a:lstStyle/>
-                    <a:p>
-                      <a:endParaRPr lang="en-US"/>
-                    </a:p>
-                  </a:txBody>
-                  <a:tcPr/>
-                </a:tc>
-                <a:tc hMerge="1">
-                  <a:txBody>
-                    <a:bodyPr/>
-                    <a:lstStyle/>
-                    <a:p>
-                      <a:endParaRPr lang="en-US"/>
-                    </a:p>
-                  </a:txBody>
-                  <a:tcPr/>
-                </a:tc>
-                <a:tc hMerge="1">
-                  <a:txBody>
-                    <a:bodyPr/>
-                    <a:lstStyle/>
-                    <a:p>
-                      <a:endParaRPr lang="en-US"/>
-                    </a:p>
-                  </a:txBody>
-                  <a:tcPr/>
-                </a:tc>
-                <a:tc hMerge="1">
-                  <a:txBody>
-                    <a:bodyPr/>
-                    <a:lstStyle/>
-                    <a:p>
-                      <a:endParaRPr lang="en-US"/>
-                    </a:p>
-                  </a:txBody>
-                  <a:tcPr/>
-                </a:tc>
-                <a:extLst>
-                  <a:ext uri="{0D108BD9-81ED-4DB2-BD59-A6C34878D82A}">
-                    <a16:rowId xmlns:a16="http://schemas.microsoft.com/office/drawing/2014/main" val="4192140537"/>
-                  </a:ext>
-                </a:extLst>
-              </a:tr>
-              <a:tr h="188607">
-                <a:tc>
-                  <a:txBody>
-                    <a:bodyPr/>
-                    <a:lstStyle/>
-                    <a:p>
-                      <a:pPr marL="0" marR="0" algn="ctr">
-                        <a:lnSpc>
-                          <a:spcPct val="107000"/>
-                        </a:lnSpc>
-                        <a:spcBef>
-                          <a:spcPts val="0"/>
-                        </a:spcBef>
-                        <a:spcAft>
-                          <a:spcPts val="0"/>
-                        </a:spcAft>
-                      </a:pPr>
-                      <a:r>
-                        <a:rPr lang="en-US" sz="1100">
-                          <a:solidFill>
-                            <a:srgbClr val="000000"/>
-                          </a:solidFill>
-                          <a:effectLst/>
-                          <a:latin typeface="Calibri" panose="020F0502020204030204" pitchFamily="34" charset="0"/>
-                          <a:ea typeface="Times New Roman" panose="02020603050405020304" pitchFamily="18" charset="0"/>
-                          <a:cs typeface="Calibri" panose="020F0502020204030204" pitchFamily="34" charset="0"/>
-                        </a:rPr>
-                        <a:t>Delivery</a:t>
-                      </a:r>
-                      <a:endParaRPr lang="en-US" sz="1100">
-                        <a:effectLst/>
-                        <a:latin typeface="Calibri" panose="020F0502020204030204" pitchFamily="34" charset="0"/>
-                        <a:ea typeface="Calibri" panose="020F0502020204030204" pitchFamily="34" charset="0"/>
-                        <a:cs typeface="Times New Roman" panose="02020603050405020304" pitchFamily="18" charset="0"/>
-                      </a:endParaRPr>
-                    </a:p>
-                  </a:txBody>
-                  <a:tcPr marL="42863" marR="42863" marT="0" marB="0" anchor="b">
-                    <a:lnL>
-                      <a:noFill/>
-                    </a:lnL>
-                    <a:lnR>
-                      <a:noFill/>
-                    </a:lnR>
-                    <a:lnT>
-                      <a:noFill/>
-                    </a:lnT>
-                    <a:lnB w="12700" cap="flat" cmpd="sng" algn="ctr">
-                      <a:solidFill>
-                        <a:srgbClr val="000000"/>
-                      </a:solidFill>
-                      <a:prstDash val="solid"/>
-                      <a:round/>
-                      <a:headEnd type="none" w="med" len="med"/>
-                      <a:tailEnd type="none" w="med" len="med"/>
-                    </a:lnB>
-                  </a:tcPr>
-                </a:tc>
-                <a:tc>
-                  <a:txBody>
-                    <a:bodyPr/>
-                    <a:lstStyle/>
-                    <a:p>
-                      <a:pPr marL="0" marR="0" algn="ctr">
-                        <a:lnSpc>
-                          <a:spcPct val="107000"/>
-                        </a:lnSpc>
-                        <a:spcBef>
-                          <a:spcPts val="0"/>
-                        </a:spcBef>
-                        <a:spcAft>
-                          <a:spcPts val="0"/>
-                        </a:spcAft>
-                      </a:pPr>
-                      <a:r>
-                        <a:rPr lang="en-US" sz="1100">
-                          <a:solidFill>
-                            <a:srgbClr val="000000"/>
-                          </a:solidFill>
-                          <a:effectLst/>
-                          <a:latin typeface="Calibri" panose="020F0502020204030204" pitchFamily="34" charset="0"/>
-                          <a:ea typeface="Times New Roman" panose="02020603050405020304" pitchFamily="18" charset="0"/>
-                          <a:cs typeface="Calibri" panose="020F0502020204030204" pitchFamily="34" charset="0"/>
-                        </a:rPr>
-                        <a:t>Sink</a:t>
-                      </a:r>
-                      <a:endParaRPr lang="en-US" sz="1100">
-                        <a:effectLst/>
-                        <a:latin typeface="Calibri" panose="020F0502020204030204" pitchFamily="34" charset="0"/>
-                        <a:ea typeface="Calibri" panose="020F0502020204030204" pitchFamily="34" charset="0"/>
-                        <a:cs typeface="Times New Roman" panose="02020603050405020304" pitchFamily="18" charset="0"/>
-                      </a:endParaRPr>
-                    </a:p>
-                  </a:txBody>
-                  <a:tcPr marL="42863" marR="42863" marT="0" marB="0" anchor="ctr">
-                    <a:lnL>
-                      <a:noFill/>
-                    </a:lnL>
-                    <a:lnR>
-                      <a:noFill/>
-                    </a:lnR>
-                    <a:lnT>
-                      <a:noFill/>
-                    </a:lnT>
-                    <a:lnB w="12700" cap="flat" cmpd="sng" algn="ctr">
-                      <a:solidFill>
-                        <a:srgbClr val="000000"/>
-                      </a:solidFill>
-                      <a:prstDash val="solid"/>
-                      <a:round/>
-                      <a:headEnd type="none" w="med" len="med"/>
-                      <a:tailEnd type="none" w="med" len="med"/>
-                    </a:lnB>
-                  </a:tcPr>
-                </a:tc>
-                <a:tc>
-                  <a:txBody>
-                    <a:bodyPr/>
-                    <a:lstStyle/>
-                    <a:p>
-                      <a:pPr marL="0" marR="0" algn="ctr">
-                        <a:lnSpc>
-                          <a:spcPct val="107000"/>
-                        </a:lnSpc>
-                        <a:spcBef>
-                          <a:spcPts val="0"/>
-                        </a:spcBef>
-                        <a:spcAft>
-                          <a:spcPts val="0"/>
-                        </a:spcAft>
-                      </a:pPr>
-                      <a:r>
-                        <a:rPr lang="en-US" sz="1100">
-                          <a:solidFill>
-                            <a:srgbClr val="000000"/>
-                          </a:solidFill>
-                          <a:effectLst/>
-                          <a:latin typeface="Calibri" panose="020F0502020204030204" pitchFamily="34" charset="0"/>
-                          <a:ea typeface="Times New Roman" panose="02020603050405020304" pitchFamily="18" charset="0"/>
-                          <a:cs typeface="Calibri" panose="020F0502020204030204" pitchFamily="34" charset="0"/>
-                        </a:rPr>
-                        <a:t>Disease</a:t>
-                      </a:r>
-                      <a:endParaRPr lang="en-US" sz="1100">
-                        <a:effectLst/>
-                        <a:latin typeface="Calibri" panose="020F0502020204030204" pitchFamily="34" charset="0"/>
-                        <a:ea typeface="Calibri" panose="020F0502020204030204" pitchFamily="34" charset="0"/>
-                        <a:cs typeface="Times New Roman" panose="02020603050405020304" pitchFamily="18" charset="0"/>
-                      </a:endParaRPr>
-                    </a:p>
-                  </a:txBody>
-                  <a:tcPr marL="42863" marR="42863" marT="0" marB="0" anchor="ctr">
-                    <a:lnL>
-                      <a:noFill/>
-                    </a:lnL>
-                    <a:lnR>
-                      <a:noFill/>
-                    </a:lnR>
-                    <a:lnT>
-                      <a:noFill/>
-                    </a:lnT>
-                    <a:lnB w="12700" cap="flat" cmpd="sng" algn="ctr">
-                      <a:solidFill>
-                        <a:srgbClr val="000000"/>
-                      </a:solidFill>
-                      <a:prstDash val="solid"/>
-                      <a:round/>
-                      <a:headEnd type="none" w="med" len="med"/>
-                      <a:tailEnd type="none" w="med" len="med"/>
-                    </a:lnB>
-                  </a:tcPr>
-                </a:tc>
-                <a:tc>
-                  <a:txBody>
-                    <a:bodyPr/>
-                    <a:lstStyle/>
-                    <a:p>
-                      <a:pPr marL="0" marR="0" algn="ctr">
-                        <a:lnSpc>
-                          <a:spcPct val="107000"/>
-                        </a:lnSpc>
-                        <a:spcBef>
-                          <a:spcPts val="0"/>
-                        </a:spcBef>
-                        <a:spcAft>
-                          <a:spcPts val="0"/>
-                        </a:spcAft>
-                      </a:pPr>
-                      <a:r>
-                        <a:rPr lang="en-US" sz="1100">
-                          <a:solidFill>
-                            <a:srgbClr val="000000"/>
-                          </a:solidFill>
-                          <a:effectLst/>
-                          <a:latin typeface="Calibri" panose="020F0502020204030204" pitchFamily="34" charset="0"/>
-                          <a:ea typeface="Times New Roman" panose="02020603050405020304" pitchFamily="18" charset="0"/>
-                          <a:cs typeface="Calibri" panose="020F0502020204030204" pitchFamily="34" charset="0"/>
-                        </a:rPr>
-                        <a:t>Anus</a:t>
-                      </a:r>
-                      <a:endParaRPr lang="en-US" sz="1100">
-                        <a:effectLst/>
-                        <a:latin typeface="Calibri" panose="020F0502020204030204" pitchFamily="34" charset="0"/>
-                        <a:ea typeface="Calibri" panose="020F0502020204030204" pitchFamily="34" charset="0"/>
-                        <a:cs typeface="Times New Roman" panose="02020603050405020304" pitchFamily="18" charset="0"/>
-                      </a:endParaRPr>
-                    </a:p>
-                  </a:txBody>
-                  <a:tcPr marL="42863" marR="42863" marT="0" marB="0" anchor="ctr">
-                    <a:lnL>
-                      <a:noFill/>
-                    </a:lnL>
-                    <a:lnR>
-                      <a:noFill/>
-                    </a:lnR>
-                    <a:lnT w="12700" cap="flat" cmpd="sng" algn="ctr">
-                      <a:solidFill>
-                        <a:srgbClr val="000000"/>
-                      </a:solidFill>
-                      <a:prstDash val="solid"/>
-                      <a:round/>
-                      <a:headEnd type="none" w="med" len="med"/>
-                      <a:tailEnd type="none" w="med" len="med"/>
-                    </a:lnT>
-                    <a:lnB w="12700" cap="flat" cmpd="sng" algn="ctr">
-                      <a:solidFill>
-                        <a:srgbClr val="000000"/>
-                      </a:solidFill>
-                      <a:prstDash val="solid"/>
-                      <a:round/>
-                      <a:headEnd type="none" w="med" len="med"/>
-                      <a:tailEnd type="none" w="med" len="med"/>
-                    </a:lnB>
-                  </a:tcPr>
-                </a:tc>
-                <a:tc>
-                  <a:txBody>
-                    <a:bodyPr/>
-                    <a:lstStyle/>
-                    <a:p>
-                      <a:pPr marL="0" marR="0" algn="ctr">
-                        <a:lnSpc>
-                          <a:spcPct val="107000"/>
-                        </a:lnSpc>
-                        <a:spcBef>
-                          <a:spcPts val="0"/>
-                        </a:spcBef>
-                        <a:spcAft>
-                          <a:spcPts val="0"/>
-                        </a:spcAft>
-                      </a:pPr>
-                      <a:r>
-                        <a:rPr lang="en-US" sz="1100">
-                          <a:solidFill>
-                            <a:srgbClr val="000000"/>
-                          </a:solidFill>
-                          <a:effectLst/>
-                          <a:latin typeface="Calibri" panose="020F0502020204030204" pitchFamily="34" charset="0"/>
-                          <a:ea typeface="Times New Roman" panose="02020603050405020304" pitchFamily="18" charset="0"/>
-                          <a:cs typeface="Calibri" panose="020F0502020204030204" pitchFamily="34" charset="0"/>
-                        </a:rPr>
-                        <a:t>Cervix</a:t>
-                      </a:r>
-                      <a:endParaRPr lang="en-US" sz="1100">
-                        <a:effectLst/>
-                        <a:latin typeface="Calibri" panose="020F0502020204030204" pitchFamily="34" charset="0"/>
-                        <a:ea typeface="Calibri" panose="020F0502020204030204" pitchFamily="34" charset="0"/>
-                        <a:cs typeface="Times New Roman" panose="02020603050405020304" pitchFamily="18" charset="0"/>
-                      </a:endParaRPr>
-                    </a:p>
-                  </a:txBody>
-                  <a:tcPr marL="42863" marR="42863" marT="0" marB="0" anchor="ctr">
-                    <a:lnL>
-                      <a:noFill/>
-                    </a:lnL>
-                    <a:lnR>
-                      <a:noFill/>
-                    </a:lnR>
-                    <a:lnT w="12700" cap="flat" cmpd="sng" algn="ctr">
-                      <a:solidFill>
-                        <a:srgbClr val="000000"/>
-                      </a:solidFill>
-                      <a:prstDash val="solid"/>
-                      <a:round/>
-                      <a:headEnd type="none" w="med" len="med"/>
-                      <a:tailEnd type="none" w="med" len="med"/>
-                    </a:lnT>
-                    <a:lnB w="12700" cap="flat" cmpd="sng" algn="ctr">
-                      <a:solidFill>
-                        <a:srgbClr val="000000"/>
-                      </a:solidFill>
-                      <a:prstDash val="solid"/>
-                      <a:round/>
-                      <a:headEnd type="none" w="med" len="med"/>
-                      <a:tailEnd type="none" w="med" len="med"/>
-                    </a:lnB>
-                  </a:tcPr>
-                </a:tc>
-                <a:tc>
-                  <a:txBody>
-                    <a:bodyPr/>
-                    <a:lstStyle/>
-                    <a:p>
-                      <a:pPr marL="0" marR="0" algn="ctr">
-                        <a:lnSpc>
-                          <a:spcPct val="107000"/>
-                        </a:lnSpc>
-                        <a:spcBef>
-                          <a:spcPts val="0"/>
-                        </a:spcBef>
-                        <a:spcAft>
-                          <a:spcPts val="0"/>
-                        </a:spcAft>
-                      </a:pPr>
-                      <a:r>
-                        <a:rPr lang="en-US" sz="1100">
-                          <a:solidFill>
-                            <a:srgbClr val="000000"/>
-                          </a:solidFill>
-                          <a:effectLst/>
-                          <a:latin typeface="Calibri" panose="020F0502020204030204" pitchFamily="34" charset="0"/>
-                          <a:ea typeface="Times New Roman" panose="02020603050405020304" pitchFamily="18" charset="0"/>
-                          <a:cs typeface="Calibri" panose="020F0502020204030204" pitchFamily="34" charset="0"/>
-                        </a:rPr>
-                        <a:t>Introitus</a:t>
-                      </a:r>
-                      <a:endParaRPr lang="en-US" sz="1100">
-                        <a:effectLst/>
-                        <a:latin typeface="Calibri" panose="020F0502020204030204" pitchFamily="34" charset="0"/>
-                        <a:ea typeface="Calibri" panose="020F0502020204030204" pitchFamily="34" charset="0"/>
-                        <a:cs typeface="Times New Roman" panose="02020603050405020304" pitchFamily="18" charset="0"/>
-                      </a:endParaRPr>
-                    </a:p>
-                  </a:txBody>
-                  <a:tcPr marL="42863" marR="42863" marT="0" marB="0" anchor="ctr">
-                    <a:lnL>
-                      <a:noFill/>
-                    </a:lnL>
-                    <a:lnR>
-                      <a:noFill/>
-                    </a:lnR>
-                    <a:lnT w="12700" cap="flat" cmpd="sng" algn="ctr">
-                      <a:solidFill>
-                        <a:srgbClr val="000000"/>
-                      </a:solidFill>
-                      <a:prstDash val="solid"/>
-                      <a:round/>
-                      <a:headEnd type="none" w="med" len="med"/>
-                      <a:tailEnd type="none" w="med" len="med"/>
-                    </a:lnT>
-                    <a:lnB w="12700" cap="flat" cmpd="sng" algn="ctr">
-                      <a:solidFill>
-                        <a:srgbClr val="000000"/>
-                      </a:solidFill>
-                      <a:prstDash val="solid"/>
-                      <a:round/>
-                      <a:headEnd type="none" w="med" len="med"/>
-                      <a:tailEnd type="none" w="med" len="med"/>
-                    </a:lnB>
-                  </a:tcPr>
-                </a:tc>
-                <a:tc>
-                  <a:txBody>
-                    <a:bodyPr/>
-                    <a:lstStyle/>
-                    <a:p>
-                      <a:pPr marL="0" marR="0" algn="ctr">
-                        <a:lnSpc>
-                          <a:spcPct val="107000"/>
-                        </a:lnSpc>
-                        <a:spcBef>
-                          <a:spcPts val="0"/>
-                        </a:spcBef>
-                        <a:spcAft>
-                          <a:spcPts val="0"/>
-                        </a:spcAft>
-                      </a:pPr>
-                      <a:r>
-                        <a:rPr lang="en-US" sz="1100">
-                          <a:solidFill>
-                            <a:srgbClr val="000000"/>
-                          </a:solidFill>
-                          <a:effectLst/>
-                          <a:latin typeface="Calibri" panose="020F0502020204030204" pitchFamily="34" charset="0"/>
-                          <a:ea typeface="Times New Roman" panose="02020603050405020304" pitchFamily="18" charset="0"/>
-                          <a:cs typeface="Calibri" panose="020F0502020204030204" pitchFamily="34" charset="0"/>
-                        </a:rPr>
-                        <a:t>Unknown</a:t>
-                      </a:r>
-                      <a:endParaRPr lang="en-US" sz="1100">
-                        <a:effectLst/>
-                        <a:latin typeface="Calibri" panose="020F0502020204030204" pitchFamily="34" charset="0"/>
-                        <a:ea typeface="Calibri" panose="020F0502020204030204" pitchFamily="34" charset="0"/>
-                        <a:cs typeface="Times New Roman" panose="02020603050405020304" pitchFamily="18" charset="0"/>
-                      </a:endParaRPr>
-                    </a:p>
-                  </a:txBody>
-                  <a:tcPr marL="42863" marR="42863" marT="0" marB="0" anchor="ctr">
-                    <a:lnL>
-                      <a:noFill/>
-                    </a:lnL>
-                    <a:lnR>
-                      <a:noFill/>
-                    </a:lnR>
-                    <a:lnT w="12700" cap="flat" cmpd="sng" algn="ctr">
-                      <a:solidFill>
-                        <a:srgbClr val="000000"/>
-                      </a:solidFill>
-                      <a:prstDash val="solid"/>
-                      <a:round/>
-                      <a:headEnd type="none" w="med" len="med"/>
-                      <a:tailEnd type="none" w="med" len="med"/>
-                    </a:lnT>
-                    <a:lnB w="12700" cap="flat" cmpd="sng" algn="ctr">
-                      <a:solidFill>
-                        <a:srgbClr val="000000"/>
-                      </a:solidFill>
-                      <a:prstDash val="solid"/>
-                      <a:round/>
-                      <a:headEnd type="none" w="med" len="med"/>
-                      <a:tailEnd type="none" w="med" len="med"/>
-                    </a:lnB>
-                  </a:tcPr>
-                </a:tc>
-                <a:tc>
-                  <a:txBody>
-                    <a:bodyPr/>
-                    <a:lstStyle/>
-                    <a:p>
-                      <a:pPr marL="0" marR="0" algn="ctr">
-                        <a:lnSpc>
-                          <a:spcPct val="107000"/>
-                        </a:lnSpc>
-                        <a:spcBef>
-                          <a:spcPts val="0"/>
-                        </a:spcBef>
-                        <a:spcAft>
-                          <a:spcPts val="0"/>
-                        </a:spcAft>
-                      </a:pPr>
-                      <a:r>
-                        <a:rPr lang="en-US" sz="1100">
-                          <a:solidFill>
-                            <a:srgbClr val="000000"/>
-                          </a:solidFill>
-                          <a:effectLst/>
-                          <a:latin typeface="Calibri" panose="020F0502020204030204" pitchFamily="34" charset="0"/>
-                          <a:ea typeface="Times New Roman" panose="02020603050405020304" pitchFamily="18" charset="0"/>
-                          <a:cs typeface="Calibri" panose="020F0502020204030204" pitchFamily="34" charset="0"/>
-                        </a:rPr>
-                        <a:t>Vagina</a:t>
-                      </a:r>
-                      <a:endParaRPr lang="en-US" sz="1100">
-                        <a:effectLst/>
-                        <a:latin typeface="Calibri" panose="020F0502020204030204" pitchFamily="34" charset="0"/>
-                        <a:ea typeface="Calibri" panose="020F0502020204030204" pitchFamily="34" charset="0"/>
-                        <a:cs typeface="Times New Roman" panose="02020603050405020304" pitchFamily="18" charset="0"/>
-                      </a:endParaRPr>
-                    </a:p>
-                  </a:txBody>
-                  <a:tcPr marL="42863" marR="42863" marT="0" marB="0" anchor="ctr">
-                    <a:lnL>
-                      <a:noFill/>
-                    </a:lnL>
-                    <a:lnR>
-                      <a:noFill/>
-                    </a:lnR>
-                    <a:lnT w="12700" cap="flat" cmpd="sng" algn="ctr">
-                      <a:solidFill>
-                        <a:srgbClr val="000000"/>
-                      </a:solidFill>
-                      <a:prstDash val="solid"/>
-                      <a:round/>
-                      <a:headEnd type="none" w="med" len="med"/>
-                      <a:tailEnd type="none" w="med" len="med"/>
-                    </a:lnT>
-                    <a:lnB w="12700" cap="flat" cmpd="sng" algn="ctr">
-                      <a:solidFill>
-                        <a:srgbClr val="000000"/>
-                      </a:solidFill>
-                      <a:prstDash val="solid"/>
-                      <a:round/>
-                      <a:headEnd type="none" w="med" len="med"/>
-                      <a:tailEnd type="none" w="med" len="med"/>
-                    </a:lnB>
-                  </a:tcPr>
-                </a:tc>
-                <a:extLst>
-                  <a:ext uri="{0D108BD9-81ED-4DB2-BD59-A6C34878D82A}">
-                    <a16:rowId xmlns:a16="http://schemas.microsoft.com/office/drawing/2014/main" val="726880910"/>
-                  </a:ext>
-                </a:extLst>
-              </a:tr>
-              <a:tr h="188607">
-                <a:tc rowSpan="4">
-                  <a:txBody>
-                    <a:bodyPr/>
-                    <a:lstStyle/>
-                    <a:p>
-                      <a:pPr marL="0" marR="0" algn="ctr">
-                        <a:lnSpc>
-                          <a:spcPct val="107000"/>
-                        </a:lnSpc>
-                        <a:spcBef>
-                          <a:spcPts val="0"/>
-                        </a:spcBef>
-                        <a:spcAft>
-                          <a:spcPts val="0"/>
-                        </a:spcAft>
-                      </a:pPr>
-                      <a:r>
-                        <a:rPr lang="en-US" sz="1100">
-                          <a:solidFill>
-                            <a:srgbClr val="000000"/>
-                          </a:solidFill>
-                          <a:effectLst/>
-                          <a:latin typeface="Calibri" panose="020F0502020204030204" pitchFamily="34" charset="0"/>
-                          <a:ea typeface="Times New Roman" panose="02020603050405020304" pitchFamily="18" charset="0"/>
-                          <a:cs typeface="Calibri" panose="020F0502020204030204" pitchFamily="34" charset="0"/>
-                        </a:rPr>
-                        <a:t>C-section</a:t>
-                      </a:r>
-                      <a:endParaRPr lang="en-US" sz="1100">
-                        <a:effectLst/>
-                        <a:latin typeface="Calibri" panose="020F0502020204030204" pitchFamily="34" charset="0"/>
-                        <a:ea typeface="Calibri" panose="020F0502020204030204" pitchFamily="34" charset="0"/>
-                        <a:cs typeface="Times New Roman" panose="02020603050405020304" pitchFamily="18" charset="0"/>
-                      </a:endParaRPr>
-                    </a:p>
-                  </a:txBody>
-                  <a:tcPr marL="42863" marR="42863" marT="0" marB="0" anchor="ctr">
-                    <a:lnL>
-                      <a:noFill/>
-                    </a:lnL>
-                    <a:lnR>
-                      <a:noFill/>
-                    </a:lnR>
-                    <a:lnT w="12700" cap="flat" cmpd="sng" algn="ctr">
-                      <a:solidFill>
-                        <a:srgbClr val="000000"/>
-                      </a:solidFill>
-                      <a:prstDash val="solid"/>
-                      <a:round/>
-                      <a:headEnd type="none" w="med" len="med"/>
-                      <a:tailEnd type="none" w="med" len="med"/>
-                    </a:lnT>
-                    <a:lnB>
-                      <a:noFill/>
-                    </a:lnB>
-                  </a:tcPr>
-                </a:tc>
-                <a:tc rowSpan="2">
-                  <a:txBody>
-                    <a:bodyPr/>
-                    <a:lstStyle/>
-                    <a:p>
-                      <a:pPr marL="0" marR="0" algn="ctr">
-                        <a:lnSpc>
-                          <a:spcPct val="107000"/>
-                        </a:lnSpc>
-                        <a:spcBef>
-                          <a:spcPts val="0"/>
-                        </a:spcBef>
-                        <a:spcAft>
-                          <a:spcPts val="0"/>
-                        </a:spcAft>
-                      </a:pPr>
-                      <a:r>
-                        <a:rPr lang="en-US" sz="1100">
-                          <a:solidFill>
-                            <a:srgbClr val="000000"/>
-                          </a:solidFill>
-                          <a:effectLst/>
-                          <a:latin typeface="Calibri" panose="020F0502020204030204" pitchFamily="34" charset="0"/>
-                          <a:ea typeface="Times New Roman" panose="02020603050405020304" pitchFamily="18" charset="0"/>
-                          <a:cs typeface="Calibri" panose="020F0502020204030204" pitchFamily="34" charset="0"/>
-                        </a:rPr>
-                        <a:t>Ear</a:t>
-                      </a:r>
-                      <a:endParaRPr lang="en-US" sz="1100">
-                        <a:effectLst/>
-                        <a:latin typeface="Calibri" panose="020F0502020204030204" pitchFamily="34" charset="0"/>
-                        <a:ea typeface="Calibri" panose="020F0502020204030204" pitchFamily="34" charset="0"/>
-                        <a:cs typeface="Times New Roman" panose="02020603050405020304" pitchFamily="18" charset="0"/>
-                      </a:endParaRPr>
-                    </a:p>
-                  </a:txBody>
-                  <a:tcPr marL="42863" marR="42863" marT="0" marB="0" anchor="ctr">
-                    <a:lnL>
-                      <a:noFill/>
-                    </a:lnL>
-                    <a:lnR>
-                      <a:noFill/>
-                    </a:lnR>
-                    <a:lnT w="12700" cap="flat" cmpd="sng" algn="ctr">
-                      <a:solidFill>
-                        <a:srgbClr val="000000"/>
-                      </a:solidFill>
-                      <a:prstDash val="solid"/>
-                      <a:round/>
-                      <a:headEnd type="none" w="med" len="med"/>
-                      <a:tailEnd type="none" w="med" len="med"/>
-                    </a:lnT>
-                    <a:lnB>
-                      <a:noFill/>
-                    </a:lnB>
-                  </a:tcPr>
-                </a:tc>
-                <a:tc>
-                  <a:txBody>
-                    <a:bodyPr/>
-                    <a:lstStyle/>
-                    <a:p>
-                      <a:pPr marL="0" marR="0" algn="ctr">
-                        <a:lnSpc>
-                          <a:spcPct val="107000"/>
-                        </a:lnSpc>
-                        <a:spcBef>
-                          <a:spcPts val="0"/>
-                        </a:spcBef>
-                        <a:spcAft>
-                          <a:spcPts val="0"/>
-                        </a:spcAft>
-                      </a:pPr>
-                      <a:r>
-                        <a:rPr lang="en-US" sz="1100">
-                          <a:solidFill>
-                            <a:srgbClr val="000000"/>
-                          </a:solidFill>
-                          <a:effectLst/>
-                          <a:latin typeface="Calibri" panose="020F0502020204030204" pitchFamily="34" charset="0"/>
-                          <a:ea typeface="Times New Roman" panose="02020603050405020304" pitchFamily="18" charset="0"/>
-                          <a:cs typeface="Calibri" panose="020F0502020204030204" pitchFamily="34" charset="0"/>
-                        </a:rPr>
-                        <a:t>Control</a:t>
-                      </a:r>
-                      <a:endParaRPr lang="en-US" sz="1100">
-                        <a:effectLst/>
-                        <a:latin typeface="Calibri" panose="020F0502020204030204" pitchFamily="34" charset="0"/>
-                        <a:ea typeface="Calibri" panose="020F0502020204030204" pitchFamily="34" charset="0"/>
-                        <a:cs typeface="Times New Roman" panose="02020603050405020304" pitchFamily="18" charset="0"/>
-                      </a:endParaRPr>
-                    </a:p>
-                  </a:txBody>
-                  <a:tcPr marL="42863" marR="42863" marT="0" marB="0" anchor="ctr">
-                    <a:lnL>
-                      <a:noFill/>
-                    </a:lnL>
-                    <a:lnR>
-                      <a:noFill/>
-                    </a:lnR>
-                    <a:lnT w="12700" cap="flat" cmpd="sng" algn="ctr">
-                      <a:solidFill>
-                        <a:srgbClr val="000000"/>
-                      </a:solidFill>
-                      <a:prstDash val="solid"/>
-                      <a:round/>
-                      <a:headEnd type="none" w="med" len="med"/>
-                      <a:tailEnd type="none" w="med" len="med"/>
-                    </a:lnT>
-                    <a:lnB>
-                      <a:noFill/>
-                    </a:lnB>
-                  </a:tcPr>
-                </a:tc>
-                <a:tc>
-                  <a:txBody>
-                    <a:bodyPr/>
-                    <a:lstStyle/>
-                    <a:p>
-                      <a:pPr marL="0" marR="0" algn="ctr">
-                        <a:lnSpc>
-                          <a:spcPct val="107000"/>
-                        </a:lnSpc>
-                        <a:spcBef>
-                          <a:spcPts val="0"/>
-                        </a:spcBef>
-                        <a:spcAft>
-                          <a:spcPts val="0"/>
-                        </a:spcAft>
-                      </a:pPr>
-                      <a:r>
-                        <a:rPr lang="en-US" sz="1100">
-                          <a:solidFill>
-                            <a:srgbClr val="000000"/>
-                          </a:solidFill>
-                          <a:effectLst/>
-                          <a:latin typeface="Calibri" panose="020F0502020204030204" pitchFamily="34" charset="0"/>
-                          <a:ea typeface="Times New Roman" panose="02020603050405020304" pitchFamily="18" charset="0"/>
-                          <a:cs typeface="Calibri" panose="020F0502020204030204" pitchFamily="34" charset="0"/>
-                        </a:rPr>
-                        <a:t>0.635 ± 0.31</a:t>
-                      </a:r>
-                      <a:endParaRPr lang="en-US" sz="1100">
-                        <a:effectLst/>
-                        <a:latin typeface="Calibri" panose="020F0502020204030204" pitchFamily="34" charset="0"/>
-                        <a:ea typeface="Calibri" panose="020F0502020204030204" pitchFamily="34" charset="0"/>
-                        <a:cs typeface="Times New Roman" panose="02020603050405020304" pitchFamily="18" charset="0"/>
-                      </a:endParaRPr>
-                    </a:p>
-                  </a:txBody>
-                  <a:tcPr marL="42863" marR="42863" marT="0" marB="0" anchor="ctr">
-                    <a:lnL>
-                      <a:noFill/>
-                    </a:lnL>
-                    <a:lnR>
-                      <a:noFill/>
-                    </a:lnR>
-                    <a:lnT w="12700" cap="flat" cmpd="sng" algn="ctr">
-                      <a:solidFill>
-                        <a:srgbClr val="000000"/>
-                      </a:solidFill>
-                      <a:prstDash val="solid"/>
-                      <a:round/>
-                      <a:headEnd type="none" w="med" len="med"/>
-                      <a:tailEnd type="none" w="med" len="med"/>
-                    </a:lnT>
-                    <a:lnB>
-                      <a:noFill/>
-                    </a:lnB>
-                  </a:tcPr>
-                </a:tc>
-                <a:tc>
-                  <a:txBody>
-                    <a:bodyPr/>
-                    <a:lstStyle/>
-                    <a:p>
-                      <a:pPr marL="0" marR="0" algn="ctr">
-                        <a:lnSpc>
-                          <a:spcPct val="107000"/>
-                        </a:lnSpc>
-                        <a:spcBef>
-                          <a:spcPts val="0"/>
-                        </a:spcBef>
-                        <a:spcAft>
-                          <a:spcPts val="0"/>
-                        </a:spcAft>
-                      </a:pPr>
-                      <a:r>
-                        <a:rPr lang="en-US" sz="1100">
-                          <a:solidFill>
-                            <a:srgbClr val="000000"/>
-                          </a:solidFill>
-                          <a:effectLst/>
-                          <a:latin typeface="Calibri" panose="020F0502020204030204" pitchFamily="34" charset="0"/>
-                          <a:ea typeface="Times New Roman" panose="02020603050405020304" pitchFamily="18" charset="0"/>
-                          <a:cs typeface="Calibri" panose="020F0502020204030204" pitchFamily="34" charset="0"/>
-                        </a:rPr>
-                        <a:t>0.022 ± 0.048</a:t>
-                      </a:r>
-                      <a:endParaRPr lang="en-US" sz="1100">
-                        <a:effectLst/>
-                        <a:latin typeface="Calibri" panose="020F0502020204030204" pitchFamily="34" charset="0"/>
-                        <a:ea typeface="Calibri" panose="020F0502020204030204" pitchFamily="34" charset="0"/>
-                        <a:cs typeface="Times New Roman" panose="02020603050405020304" pitchFamily="18" charset="0"/>
-                      </a:endParaRPr>
-                    </a:p>
-                  </a:txBody>
-                  <a:tcPr marL="42863" marR="42863" marT="0" marB="0" anchor="ctr">
-                    <a:lnL>
-                      <a:noFill/>
-                    </a:lnL>
-                    <a:lnR>
-                      <a:noFill/>
-                    </a:lnR>
-                    <a:lnT w="12700" cap="flat" cmpd="sng" algn="ctr">
-                      <a:solidFill>
-                        <a:srgbClr val="000000"/>
-                      </a:solidFill>
-                      <a:prstDash val="solid"/>
-                      <a:round/>
-                      <a:headEnd type="none" w="med" len="med"/>
-                      <a:tailEnd type="none" w="med" len="med"/>
-                    </a:lnT>
-                    <a:lnB>
-                      <a:noFill/>
-                    </a:lnB>
-                  </a:tcPr>
-                </a:tc>
-                <a:tc>
-                  <a:txBody>
-                    <a:bodyPr/>
-                    <a:lstStyle/>
-                    <a:p>
-                      <a:pPr marL="0" marR="0" algn="ctr">
-                        <a:lnSpc>
-                          <a:spcPct val="107000"/>
-                        </a:lnSpc>
-                        <a:spcBef>
-                          <a:spcPts val="0"/>
-                        </a:spcBef>
-                        <a:spcAft>
-                          <a:spcPts val="0"/>
-                        </a:spcAft>
-                      </a:pPr>
-                      <a:r>
-                        <a:rPr lang="en-US" sz="1100">
-                          <a:solidFill>
-                            <a:srgbClr val="000000"/>
-                          </a:solidFill>
-                          <a:effectLst/>
-                          <a:latin typeface="Calibri" panose="020F0502020204030204" pitchFamily="34" charset="0"/>
-                          <a:ea typeface="Times New Roman" panose="02020603050405020304" pitchFamily="18" charset="0"/>
-                          <a:cs typeface="Calibri" panose="020F0502020204030204" pitchFamily="34" charset="0"/>
-                        </a:rPr>
-                        <a:t>0.035 ± 0.043</a:t>
-                      </a:r>
-                      <a:endParaRPr lang="en-US" sz="1100">
-                        <a:effectLst/>
-                        <a:latin typeface="Calibri" panose="020F0502020204030204" pitchFamily="34" charset="0"/>
-                        <a:ea typeface="Calibri" panose="020F0502020204030204" pitchFamily="34" charset="0"/>
-                        <a:cs typeface="Times New Roman" panose="02020603050405020304" pitchFamily="18" charset="0"/>
-                      </a:endParaRPr>
-                    </a:p>
-                  </a:txBody>
-                  <a:tcPr marL="42863" marR="42863" marT="0" marB="0" anchor="ctr">
-                    <a:lnL>
-                      <a:noFill/>
-                    </a:lnL>
-                    <a:lnR>
-                      <a:noFill/>
-                    </a:lnR>
-                    <a:lnT w="12700" cap="flat" cmpd="sng" algn="ctr">
-                      <a:solidFill>
-                        <a:srgbClr val="000000"/>
-                      </a:solidFill>
-                      <a:prstDash val="solid"/>
-                      <a:round/>
-                      <a:headEnd type="none" w="med" len="med"/>
-                      <a:tailEnd type="none" w="med" len="med"/>
-                    </a:lnT>
-                    <a:lnB>
-                      <a:noFill/>
-                    </a:lnB>
-                  </a:tcPr>
-                </a:tc>
-                <a:tc>
-                  <a:txBody>
-                    <a:bodyPr/>
-                    <a:lstStyle/>
-                    <a:p>
-                      <a:pPr marL="0" marR="0" algn="ctr">
-                        <a:lnSpc>
-                          <a:spcPct val="107000"/>
-                        </a:lnSpc>
-                        <a:spcBef>
-                          <a:spcPts val="0"/>
-                        </a:spcBef>
-                        <a:spcAft>
-                          <a:spcPts val="0"/>
-                        </a:spcAft>
-                      </a:pPr>
-                      <a:r>
-                        <a:rPr lang="en-US" sz="1100">
-                          <a:solidFill>
-                            <a:srgbClr val="000000"/>
-                          </a:solidFill>
-                          <a:effectLst/>
-                          <a:latin typeface="Calibri" panose="020F0502020204030204" pitchFamily="34" charset="0"/>
-                          <a:ea typeface="Times New Roman" panose="02020603050405020304" pitchFamily="18" charset="0"/>
-                          <a:cs typeface="Calibri" panose="020F0502020204030204" pitchFamily="34" charset="0"/>
-                        </a:rPr>
-                        <a:t>0.276 ± 0.285</a:t>
-                      </a:r>
-                      <a:endParaRPr lang="en-US" sz="1100">
-                        <a:effectLst/>
-                        <a:latin typeface="Calibri" panose="020F0502020204030204" pitchFamily="34" charset="0"/>
-                        <a:ea typeface="Calibri" panose="020F0502020204030204" pitchFamily="34" charset="0"/>
-                        <a:cs typeface="Times New Roman" panose="02020603050405020304" pitchFamily="18" charset="0"/>
-                      </a:endParaRPr>
-                    </a:p>
-                  </a:txBody>
-                  <a:tcPr marL="42863" marR="42863" marT="0" marB="0" anchor="ctr">
-                    <a:lnL>
-                      <a:noFill/>
-                    </a:lnL>
-                    <a:lnR>
-                      <a:noFill/>
-                    </a:lnR>
-                    <a:lnT w="12700" cap="flat" cmpd="sng" algn="ctr">
-                      <a:solidFill>
-                        <a:srgbClr val="000000"/>
-                      </a:solidFill>
-                      <a:prstDash val="solid"/>
-                      <a:round/>
-                      <a:headEnd type="none" w="med" len="med"/>
-                      <a:tailEnd type="none" w="med" len="med"/>
-                    </a:lnT>
-                    <a:lnB>
-                      <a:noFill/>
-                    </a:lnB>
-                  </a:tcPr>
-                </a:tc>
-                <a:tc>
-                  <a:txBody>
-                    <a:bodyPr/>
-                    <a:lstStyle/>
-                    <a:p>
-                      <a:pPr marL="0" marR="0" algn="ctr">
-                        <a:lnSpc>
-                          <a:spcPct val="107000"/>
-                        </a:lnSpc>
-                        <a:spcBef>
-                          <a:spcPts val="0"/>
-                        </a:spcBef>
-                        <a:spcAft>
-                          <a:spcPts val="0"/>
-                        </a:spcAft>
-                      </a:pPr>
-                      <a:r>
-                        <a:rPr lang="en-US" sz="1100">
-                          <a:solidFill>
-                            <a:srgbClr val="000000"/>
-                          </a:solidFill>
-                          <a:effectLst/>
-                          <a:latin typeface="Calibri" panose="020F0502020204030204" pitchFamily="34" charset="0"/>
-                          <a:ea typeface="Times New Roman" panose="02020603050405020304" pitchFamily="18" charset="0"/>
-                          <a:cs typeface="Calibri" panose="020F0502020204030204" pitchFamily="34" charset="0"/>
-                        </a:rPr>
-                        <a:t>0.031 ± 0.051</a:t>
-                      </a:r>
-                      <a:endParaRPr lang="en-US" sz="1100">
-                        <a:effectLst/>
-                        <a:latin typeface="Calibri" panose="020F0502020204030204" pitchFamily="34" charset="0"/>
-                        <a:ea typeface="Calibri" panose="020F0502020204030204" pitchFamily="34" charset="0"/>
-                        <a:cs typeface="Times New Roman" panose="02020603050405020304" pitchFamily="18" charset="0"/>
-                      </a:endParaRPr>
-                    </a:p>
-                  </a:txBody>
-                  <a:tcPr marL="42863" marR="42863" marT="0" marB="0" anchor="ctr">
-                    <a:lnL>
-                      <a:noFill/>
-                    </a:lnL>
-                    <a:lnR>
-                      <a:noFill/>
-                    </a:lnR>
-                    <a:lnT w="12700" cap="flat" cmpd="sng" algn="ctr">
-                      <a:solidFill>
-                        <a:srgbClr val="000000"/>
-                      </a:solidFill>
-                      <a:prstDash val="solid"/>
-                      <a:round/>
-                      <a:headEnd type="none" w="med" len="med"/>
-                      <a:tailEnd type="none" w="med" len="med"/>
-                    </a:lnT>
-                    <a:lnB>
-                      <a:noFill/>
-                    </a:lnB>
-                  </a:tcPr>
-                </a:tc>
-                <a:extLst>
-                  <a:ext uri="{0D108BD9-81ED-4DB2-BD59-A6C34878D82A}">
-                    <a16:rowId xmlns:a16="http://schemas.microsoft.com/office/drawing/2014/main" val="1410334247"/>
-                  </a:ext>
-                </a:extLst>
-              </a:tr>
-              <a:tr h="188607">
-                <a:tc vMerge="1">
-                  <a:txBody>
-                    <a:bodyPr/>
-                    <a:lstStyle/>
-                    <a:p>
-                      <a:endParaRPr lang="en-US"/>
-                    </a:p>
-                  </a:txBody>
-                  <a:tcPr/>
-                </a:tc>
-                <a:tc vMerge="1">
-                  <a:txBody>
-                    <a:bodyPr/>
-                    <a:lstStyle/>
-                    <a:p>
-                      <a:endParaRPr lang="en-US"/>
-                    </a:p>
-                  </a:txBody>
-                  <a:tcPr/>
-                </a:tc>
-                <a:tc>
-                  <a:txBody>
-                    <a:bodyPr/>
-                    <a:lstStyle/>
-                    <a:p>
-                      <a:pPr marL="0" marR="0" algn="ctr">
-                        <a:lnSpc>
-                          <a:spcPct val="107000"/>
-                        </a:lnSpc>
-                        <a:spcBef>
-                          <a:spcPts val="0"/>
-                        </a:spcBef>
-                        <a:spcAft>
-                          <a:spcPts val="0"/>
-                        </a:spcAft>
-                      </a:pPr>
-                      <a:r>
-                        <a:rPr lang="en-US" sz="1100">
-                          <a:solidFill>
-                            <a:srgbClr val="000000"/>
-                          </a:solidFill>
-                          <a:effectLst/>
-                          <a:latin typeface="Calibri" panose="020F0502020204030204" pitchFamily="34" charset="0"/>
-                          <a:ea typeface="Times New Roman" panose="02020603050405020304" pitchFamily="18" charset="0"/>
-                          <a:cs typeface="Calibri" panose="020F0502020204030204" pitchFamily="34" charset="0"/>
-                        </a:rPr>
-                        <a:t>T1D</a:t>
-                      </a:r>
-                      <a:endParaRPr lang="en-US" sz="1100">
-                        <a:effectLst/>
-                        <a:latin typeface="Calibri" panose="020F0502020204030204" pitchFamily="34" charset="0"/>
-                        <a:ea typeface="Calibri" panose="020F0502020204030204" pitchFamily="34" charset="0"/>
-                        <a:cs typeface="Times New Roman" panose="02020603050405020304" pitchFamily="18" charset="0"/>
-                      </a:endParaRPr>
-                    </a:p>
-                  </a:txBody>
-                  <a:tcPr marL="42863" marR="42863" marT="0" marB="0" anchor="ctr">
-                    <a:lnL>
-                      <a:noFill/>
-                    </a:lnL>
-                    <a:lnR>
-                      <a:noFill/>
-                    </a:lnR>
-                    <a:lnT>
-                      <a:noFill/>
-                    </a:lnT>
-                    <a:lnB>
-                      <a:noFill/>
-                    </a:lnB>
-                  </a:tcPr>
-                </a:tc>
-                <a:tc>
-                  <a:txBody>
-                    <a:bodyPr/>
-                    <a:lstStyle/>
-                    <a:p>
-                      <a:pPr marL="0" marR="0" algn="ctr">
-                        <a:lnSpc>
-                          <a:spcPct val="107000"/>
-                        </a:lnSpc>
-                        <a:spcBef>
-                          <a:spcPts val="0"/>
-                        </a:spcBef>
-                        <a:spcAft>
-                          <a:spcPts val="0"/>
-                        </a:spcAft>
-                      </a:pPr>
-                      <a:r>
-                        <a:rPr lang="en-US" sz="1100">
-                          <a:solidFill>
-                            <a:srgbClr val="000000"/>
-                          </a:solidFill>
-                          <a:effectLst/>
-                          <a:latin typeface="Calibri" panose="020F0502020204030204" pitchFamily="34" charset="0"/>
-                          <a:ea typeface="Times New Roman" panose="02020603050405020304" pitchFamily="18" charset="0"/>
-                          <a:cs typeface="Calibri" panose="020F0502020204030204" pitchFamily="34" charset="0"/>
-                        </a:rPr>
-                        <a:t>0.691 ± 0.28</a:t>
-                      </a:r>
-                      <a:endParaRPr lang="en-US" sz="1100">
-                        <a:effectLst/>
-                        <a:latin typeface="Calibri" panose="020F0502020204030204" pitchFamily="34" charset="0"/>
-                        <a:ea typeface="Calibri" panose="020F0502020204030204" pitchFamily="34" charset="0"/>
-                        <a:cs typeface="Times New Roman" panose="02020603050405020304" pitchFamily="18" charset="0"/>
-                      </a:endParaRPr>
-                    </a:p>
-                  </a:txBody>
-                  <a:tcPr marL="42863" marR="42863" marT="0" marB="0" anchor="ctr">
-                    <a:lnL>
-                      <a:noFill/>
-                    </a:lnL>
-                    <a:lnR>
-                      <a:noFill/>
-                    </a:lnR>
-                    <a:lnT>
-                      <a:noFill/>
-                    </a:lnT>
-                    <a:lnB>
-                      <a:noFill/>
-                    </a:lnB>
-                  </a:tcPr>
-                </a:tc>
-                <a:tc>
-                  <a:txBody>
-                    <a:bodyPr/>
-                    <a:lstStyle/>
-                    <a:p>
-                      <a:pPr marL="0" marR="0" algn="ctr">
-                        <a:lnSpc>
-                          <a:spcPct val="107000"/>
-                        </a:lnSpc>
-                        <a:spcBef>
-                          <a:spcPts val="0"/>
-                        </a:spcBef>
-                        <a:spcAft>
-                          <a:spcPts val="0"/>
-                        </a:spcAft>
-                      </a:pPr>
-                      <a:r>
-                        <a:rPr lang="en-US" sz="1100">
-                          <a:solidFill>
-                            <a:srgbClr val="000000"/>
-                          </a:solidFill>
-                          <a:effectLst/>
-                          <a:latin typeface="Calibri" panose="020F0502020204030204" pitchFamily="34" charset="0"/>
-                          <a:ea typeface="Times New Roman" panose="02020603050405020304" pitchFamily="18" charset="0"/>
-                          <a:cs typeface="Calibri" panose="020F0502020204030204" pitchFamily="34" charset="0"/>
-                        </a:rPr>
-                        <a:t>0.02 ± 0.03</a:t>
-                      </a:r>
-                      <a:endParaRPr lang="en-US" sz="1100">
-                        <a:effectLst/>
-                        <a:latin typeface="Calibri" panose="020F0502020204030204" pitchFamily="34" charset="0"/>
-                        <a:ea typeface="Calibri" panose="020F0502020204030204" pitchFamily="34" charset="0"/>
-                        <a:cs typeface="Times New Roman" panose="02020603050405020304" pitchFamily="18" charset="0"/>
-                      </a:endParaRPr>
-                    </a:p>
-                  </a:txBody>
-                  <a:tcPr marL="42863" marR="42863" marT="0" marB="0" anchor="ctr">
-                    <a:lnL>
-                      <a:noFill/>
-                    </a:lnL>
-                    <a:lnR>
-                      <a:noFill/>
-                    </a:lnR>
-                    <a:lnT>
-                      <a:noFill/>
-                    </a:lnT>
-                    <a:lnB>
-                      <a:noFill/>
-                    </a:lnB>
-                  </a:tcPr>
-                </a:tc>
-                <a:tc>
-                  <a:txBody>
-                    <a:bodyPr/>
-                    <a:lstStyle/>
-                    <a:p>
-                      <a:pPr marL="0" marR="0" algn="ctr">
-                        <a:lnSpc>
-                          <a:spcPct val="107000"/>
-                        </a:lnSpc>
-                        <a:spcBef>
-                          <a:spcPts val="0"/>
-                        </a:spcBef>
-                        <a:spcAft>
-                          <a:spcPts val="0"/>
-                        </a:spcAft>
-                      </a:pPr>
-                      <a:r>
-                        <a:rPr lang="en-US" sz="1100">
-                          <a:solidFill>
-                            <a:srgbClr val="000000"/>
-                          </a:solidFill>
-                          <a:effectLst/>
-                          <a:latin typeface="Calibri" panose="020F0502020204030204" pitchFamily="34" charset="0"/>
-                          <a:ea typeface="Times New Roman" panose="02020603050405020304" pitchFamily="18" charset="0"/>
-                          <a:cs typeface="Calibri" panose="020F0502020204030204" pitchFamily="34" charset="0"/>
-                        </a:rPr>
-                        <a:t>0.039 ± 0.038</a:t>
-                      </a:r>
-                      <a:endParaRPr lang="en-US" sz="1100">
-                        <a:effectLst/>
-                        <a:latin typeface="Calibri" panose="020F0502020204030204" pitchFamily="34" charset="0"/>
-                        <a:ea typeface="Calibri" panose="020F0502020204030204" pitchFamily="34" charset="0"/>
-                        <a:cs typeface="Times New Roman" panose="02020603050405020304" pitchFamily="18" charset="0"/>
-                      </a:endParaRPr>
-                    </a:p>
-                  </a:txBody>
-                  <a:tcPr marL="42863" marR="42863" marT="0" marB="0" anchor="ctr">
-                    <a:lnL>
-                      <a:noFill/>
-                    </a:lnL>
-                    <a:lnR>
-                      <a:noFill/>
-                    </a:lnR>
-                    <a:lnT>
-                      <a:noFill/>
-                    </a:lnT>
-                    <a:lnB>
-                      <a:noFill/>
-                    </a:lnB>
-                  </a:tcPr>
-                </a:tc>
-                <a:tc>
-                  <a:txBody>
-                    <a:bodyPr/>
-                    <a:lstStyle/>
-                    <a:p>
-                      <a:pPr marL="0" marR="0" algn="ctr">
-                        <a:lnSpc>
-                          <a:spcPct val="107000"/>
-                        </a:lnSpc>
-                        <a:spcBef>
-                          <a:spcPts val="0"/>
-                        </a:spcBef>
-                        <a:spcAft>
-                          <a:spcPts val="0"/>
-                        </a:spcAft>
-                      </a:pPr>
-                      <a:r>
-                        <a:rPr lang="en-US" sz="1100">
-                          <a:solidFill>
-                            <a:srgbClr val="000000"/>
-                          </a:solidFill>
-                          <a:effectLst/>
-                          <a:latin typeface="Calibri" panose="020F0502020204030204" pitchFamily="34" charset="0"/>
-                          <a:ea typeface="Times New Roman" panose="02020603050405020304" pitchFamily="18" charset="0"/>
-                          <a:cs typeface="Calibri" panose="020F0502020204030204" pitchFamily="34" charset="0"/>
-                        </a:rPr>
-                        <a:t>0.22 ± 0.25</a:t>
-                      </a:r>
-                      <a:endParaRPr lang="en-US" sz="1100">
-                        <a:effectLst/>
-                        <a:latin typeface="Calibri" panose="020F0502020204030204" pitchFamily="34" charset="0"/>
-                        <a:ea typeface="Calibri" panose="020F0502020204030204" pitchFamily="34" charset="0"/>
-                        <a:cs typeface="Times New Roman" panose="02020603050405020304" pitchFamily="18" charset="0"/>
-                      </a:endParaRPr>
-                    </a:p>
-                  </a:txBody>
-                  <a:tcPr marL="42863" marR="42863" marT="0" marB="0" anchor="ctr">
-                    <a:lnL>
-                      <a:noFill/>
-                    </a:lnL>
-                    <a:lnR>
-                      <a:noFill/>
-                    </a:lnR>
-                    <a:lnT>
-                      <a:noFill/>
-                    </a:lnT>
-                    <a:lnB>
-                      <a:noFill/>
-                    </a:lnB>
-                  </a:tcPr>
-                </a:tc>
-                <a:tc>
-                  <a:txBody>
-                    <a:bodyPr/>
-                    <a:lstStyle/>
-                    <a:p>
-                      <a:pPr marL="0" marR="0" algn="ctr">
-                        <a:lnSpc>
-                          <a:spcPct val="107000"/>
-                        </a:lnSpc>
-                        <a:spcBef>
-                          <a:spcPts val="0"/>
-                        </a:spcBef>
-                        <a:spcAft>
-                          <a:spcPts val="0"/>
-                        </a:spcAft>
-                      </a:pPr>
-                      <a:r>
-                        <a:rPr lang="en-US" sz="1100">
-                          <a:solidFill>
-                            <a:srgbClr val="000000"/>
-                          </a:solidFill>
-                          <a:effectLst/>
-                          <a:latin typeface="Calibri" panose="020F0502020204030204" pitchFamily="34" charset="0"/>
-                          <a:ea typeface="Times New Roman" panose="02020603050405020304" pitchFamily="18" charset="0"/>
-                          <a:cs typeface="Calibri" panose="020F0502020204030204" pitchFamily="34" charset="0"/>
-                        </a:rPr>
-                        <a:t>0.031 ± 0.032</a:t>
-                      </a:r>
-                      <a:endParaRPr lang="en-US" sz="1100">
-                        <a:effectLst/>
-                        <a:latin typeface="Calibri" panose="020F0502020204030204" pitchFamily="34" charset="0"/>
-                        <a:ea typeface="Calibri" panose="020F0502020204030204" pitchFamily="34" charset="0"/>
-                        <a:cs typeface="Times New Roman" panose="02020603050405020304" pitchFamily="18" charset="0"/>
-                      </a:endParaRPr>
-                    </a:p>
-                  </a:txBody>
-                  <a:tcPr marL="42863" marR="42863" marT="0" marB="0" anchor="ctr">
-                    <a:lnL>
-                      <a:noFill/>
-                    </a:lnL>
-                    <a:lnR>
-                      <a:noFill/>
-                    </a:lnR>
-                    <a:lnT>
-                      <a:noFill/>
-                    </a:lnT>
-                    <a:lnB>
-                      <a:noFill/>
-                    </a:lnB>
-                  </a:tcPr>
-                </a:tc>
-                <a:extLst>
-                  <a:ext uri="{0D108BD9-81ED-4DB2-BD59-A6C34878D82A}">
-                    <a16:rowId xmlns:a16="http://schemas.microsoft.com/office/drawing/2014/main" val="3278370441"/>
-                  </a:ext>
-                </a:extLst>
-              </a:tr>
-              <a:tr h="188607">
-                <a:tc vMerge="1">
-                  <a:txBody>
-                    <a:bodyPr/>
-                    <a:lstStyle/>
-                    <a:p>
-                      <a:endParaRPr lang="en-US"/>
-                    </a:p>
-                  </a:txBody>
-                  <a:tcPr/>
-                </a:tc>
-                <a:tc rowSpan="2">
-                  <a:txBody>
-                    <a:bodyPr/>
-                    <a:lstStyle/>
-                    <a:p>
-                      <a:pPr marL="0" marR="0" algn="ctr">
-                        <a:lnSpc>
-                          <a:spcPct val="107000"/>
-                        </a:lnSpc>
-                        <a:spcBef>
-                          <a:spcPts val="0"/>
-                        </a:spcBef>
-                        <a:spcAft>
-                          <a:spcPts val="0"/>
-                        </a:spcAft>
-                      </a:pPr>
-                      <a:r>
-                        <a:rPr lang="en-US" sz="1100">
-                          <a:solidFill>
-                            <a:srgbClr val="000000"/>
-                          </a:solidFill>
-                          <a:effectLst/>
-                          <a:latin typeface="Calibri" panose="020F0502020204030204" pitchFamily="34" charset="0"/>
-                          <a:ea typeface="Times New Roman" panose="02020603050405020304" pitchFamily="18" charset="0"/>
-                          <a:cs typeface="Calibri" panose="020F0502020204030204" pitchFamily="34" charset="0"/>
-                        </a:rPr>
-                        <a:t>Stool</a:t>
-                      </a:r>
-                      <a:endParaRPr lang="en-US" sz="1100">
-                        <a:effectLst/>
-                        <a:latin typeface="Calibri" panose="020F0502020204030204" pitchFamily="34" charset="0"/>
-                        <a:ea typeface="Calibri" panose="020F0502020204030204" pitchFamily="34" charset="0"/>
-                        <a:cs typeface="Times New Roman" panose="02020603050405020304" pitchFamily="18" charset="0"/>
-                      </a:endParaRPr>
-                    </a:p>
-                  </a:txBody>
-                  <a:tcPr marL="42863" marR="42863" marT="0" marB="0" anchor="ctr">
-                    <a:lnL>
-                      <a:noFill/>
-                    </a:lnL>
-                    <a:lnR>
-                      <a:noFill/>
-                    </a:lnR>
-                    <a:lnT>
-                      <a:noFill/>
-                    </a:lnT>
-                    <a:lnB>
-                      <a:noFill/>
-                    </a:lnB>
-                  </a:tcPr>
-                </a:tc>
-                <a:tc>
-                  <a:txBody>
-                    <a:bodyPr/>
-                    <a:lstStyle/>
-                    <a:p>
-                      <a:pPr marL="0" marR="0" algn="ctr">
-                        <a:lnSpc>
-                          <a:spcPct val="107000"/>
-                        </a:lnSpc>
-                        <a:spcBef>
-                          <a:spcPts val="0"/>
-                        </a:spcBef>
-                        <a:spcAft>
-                          <a:spcPts val="0"/>
-                        </a:spcAft>
-                      </a:pPr>
-                      <a:r>
-                        <a:rPr lang="en-US" sz="1100">
-                          <a:solidFill>
-                            <a:srgbClr val="000000"/>
-                          </a:solidFill>
-                          <a:effectLst/>
-                          <a:latin typeface="Calibri" panose="020F0502020204030204" pitchFamily="34" charset="0"/>
-                          <a:ea typeface="Times New Roman" panose="02020603050405020304" pitchFamily="18" charset="0"/>
-                          <a:cs typeface="Calibri" panose="020F0502020204030204" pitchFamily="34" charset="0"/>
-                        </a:rPr>
-                        <a:t>Control</a:t>
-                      </a:r>
-                      <a:endParaRPr lang="en-US" sz="1100">
-                        <a:effectLst/>
-                        <a:latin typeface="Calibri" panose="020F0502020204030204" pitchFamily="34" charset="0"/>
-                        <a:ea typeface="Calibri" panose="020F0502020204030204" pitchFamily="34" charset="0"/>
-                        <a:cs typeface="Times New Roman" panose="02020603050405020304" pitchFamily="18" charset="0"/>
-                      </a:endParaRPr>
-                    </a:p>
-                  </a:txBody>
-                  <a:tcPr marL="42863" marR="42863" marT="0" marB="0" anchor="ctr">
-                    <a:lnL>
-                      <a:noFill/>
-                    </a:lnL>
-                    <a:lnR>
-                      <a:noFill/>
-                    </a:lnR>
-                    <a:lnT>
-                      <a:noFill/>
-                    </a:lnT>
-                    <a:lnB>
-                      <a:noFill/>
-                    </a:lnB>
-                  </a:tcPr>
-                </a:tc>
-                <a:tc>
-                  <a:txBody>
-                    <a:bodyPr/>
-                    <a:lstStyle/>
-                    <a:p>
-                      <a:pPr marL="0" marR="0" algn="ctr">
-                        <a:lnSpc>
-                          <a:spcPct val="107000"/>
-                        </a:lnSpc>
-                        <a:spcBef>
-                          <a:spcPts val="0"/>
-                        </a:spcBef>
-                        <a:spcAft>
-                          <a:spcPts val="0"/>
-                        </a:spcAft>
-                      </a:pPr>
-                      <a:r>
-                        <a:rPr lang="en-US" sz="1100">
-                          <a:solidFill>
-                            <a:srgbClr val="000000"/>
-                          </a:solidFill>
-                          <a:effectLst/>
-                          <a:latin typeface="Calibri" panose="020F0502020204030204" pitchFamily="34" charset="0"/>
-                          <a:ea typeface="Times New Roman" panose="02020603050405020304" pitchFamily="18" charset="0"/>
-                          <a:cs typeface="Calibri" panose="020F0502020204030204" pitchFamily="34" charset="0"/>
-                        </a:rPr>
-                        <a:t>0.839 ± 0.104</a:t>
-                      </a:r>
-                      <a:endParaRPr lang="en-US" sz="1100">
-                        <a:effectLst/>
-                        <a:latin typeface="Calibri" panose="020F0502020204030204" pitchFamily="34" charset="0"/>
-                        <a:ea typeface="Calibri" panose="020F0502020204030204" pitchFamily="34" charset="0"/>
-                        <a:cs typeface="Times New Roman" panose="02020603050405020304" pitchFamily="18" charset="0"/>
-                      </a:endParaRPr>
-                    </a:p>
-                  </a:txBody>
-                  <a:tcPr marL="42863" marR="42863" marT="0" marB="0" anchor="ctr">
-                    <a:lnL>
-                      <a:noFill/>
-                    </a:lnL>
-                    <a:lnR>
-                      <a:noFill/>
-                    </a:lnR>
-                    <a:lnT>
-                      <a:noFill/>
-                    </a:lnT>
-                    <a:lnB>
-                      <a:noFill/>
-                    </a:lnB>
-                  </a:tcPr>
-                </a:tc>
-                <a:tc>
-                  <a:txBody>
-                    <a:bodyPr/>
-                    <a:lstStyle/>
-                    <a:p>
-                      <a:pPr marL="0" marR="0" algn="ctr">
-                        <a:lnSpc>
-                          <a:spcPct val="107000"/>
-                        </a:lnSpc>
-                        <a:spcBef>
-                          <a:spcPts val="0"/>
-                        </a:spcBef>
-                        <a:spcAft>
-                          <a:spcPts val="0"/>
-                        </a:spcAft>
-                      </a:pPr>
-                      <a:r>
-                        <a:rPr lang="en-US" sz="1100">
-                          <a:solidFill>
-                            <a:srgbClr val="000000"/>
-                          </a:solidFill>
-                          <a:effectLst/>
-                          <a:latin typeface="Calibri" panose="020F0502020204030204" pitchFamily="34" charset="0"/>
-                          <a:ea typeface="Times New Roman" panose="02020603050405020304" pitchFamily="18" charset="0"/>
-                          <a:cs typeface="Calibri" panose="020F0502020204030204" pitchFamily="34" charset="0"/>
-                        </a:rPr>
-                        <a:t>0.003 ± 0.003</a:t>
-                      </a:r>
-                      <a:endParaRPr lang="en-US" sz="1100">
-                        <a:effectLst/>
-                        <a:latin typeface="Calibri" panose="020F0502020204030204" pitchFamily="34" charset="0"/>
-                        <a:ea typeface="Calibri" panose="020F0502020204030204" pitchFamily="34" charset="0"/>
-                        <a:cs typeface="Times New Roman" panose="02020603050405020304" pitchFamily="18" charset="0"/>
-                      </a:endParaRPr>
-                    </a:p>
-                  </a:txBody>
-                  <a:tcPr marL="42863" marR="42863" marT="0" marB="0" anchor="ctr">
-                    <a:lnL>
-                      <a:noFill/>
-                    </a:lnL>
-                    <a:lnR>
-                      <a:noFill/>
-                    </a:lnR>
-                    <a:lnT>
-                      <a:noFill/>
-                    </a:lnT>
-                    <a:lnB>
-                      <a:noFill/>
-                    </a:lnB>
-                  </a:tcPr>
-                </a:tc>
-                <a:tc>
-                  <a:txBody>
-                    <a:bodyPr/>
-                    <a:lstStyle/>
-                    <a:p>
-                      <a:pPr marL="0" marR="0" algn="ctr">
-                        <a:lnSpc>
-                          <a:spcPct val="107000"/>
-                        </a:lnSpc>
-                        <a:spcBef>
-                          <a:spcPts val="0"/>
-                        </a:spcBef>
-                        <a:spcAft>
-                          <a:spcPts val="0"/>
-                        </a:spcAft>
-                      </a:pPr>
-                      <a:r>
-                        <a:rPr lang="en-US" sz="1100">
-                          <a:solidFill>
-                            <a:srgbClr val="000000"/>
-                          </a:solidFill>
-                          <a:effectLst/>
-                          <a:latin typeface="Calibri" panose="020F0502020204030204" pitchFamily="34" charset="0"/>
-                          <a:ea typeface="Times New Roman" panose="02020603050405020304" pitchFamily="18" charset="0"/>
-                          <a:cs typeface="Calibri" panose="020F0502020204030204" pitchFamily="34" charset="0"/>
-                        </a:rPr>
-                        <a:t>0.067 ± 0.033</a:t>
-                      </a:r>
-                      <a:endParaRPr lang="en-US" sz="1100">
-                        <a:effectLst/>
-                        <a:latin typeface="Calibri" panose="020F0502020204030204" pitchFamily="34" charset="0"/>
-                        <a:ea typeface="Calibri" panose="020F0502020204030204" pitchFamily="34" charset="0"/>
-                        <a:cs typeface="Times New Roman" panose="02020603050405020304" pitchFamily="18" charset="0"/>
-                      </a:endParaRPr>
-                    </a:p>
-                  </a:txBody>
-                  <a:tcPr marL="42863" marR="42863" marT="0" marB="0" anchor="ctr">
-                    <a:lnL>
-                      <a:noFill/>
-                    </a:lnL>
-                    <a:lnR>
-                      <a:noFill/>
-                    </a:lnR>
-                    <a:lnT>
-                      <a:noFill/>
-                    </a:lnT>
-                    <a:lnB>
-                      <a:noFill/>
-                    </a:lnB>
-                  </a:tcPr>
-                </a:tc>
-                <a:tc>
-                  <a:txBody>
-                    <a:bodyPr/>
-                    <a:lstStyle/>
-                    <a:p>
-                      <a:pPr marL="0" marR="0" algn="ctr">
-                        <a:lnSpc>
-                          <a:spcPct val="107000"/>
-                        </a:lnSpc>
-                        <a:spcBef>
-                          <a:spcPts val="0"/>
-                        </a:spcBef>
-                        <a:spcAft>
-                          <a:spcPts val="0"/>
-                        </a:spcAft>
-                      </a:pPr>
-                      <a:r>
-                        <a:rPr lang="en-US" sz="1100">
-                          <a:solidFill>
-                            <a:srgbClr val="000000"/>
-                          </a:solidFill>
-                          <a:effectLst/>
-                          <a:latin typeface="Calibri" panose="020F0502020204030204" pitchFamily="34" charset="0"/>
-                          <a:ea typeface="Times New Roman" panose="02020603050405020304" pitchFamily="18" charset="0"/>
-                          <a:cs typeface="Calibri" panose="020F0502020204030204" pitchFamily="34" charset="0"/>
-                        </a:rPr>
-                        <a:t>0.046 ± 0.111</a:t>
-                      </a:r>
-                      <a:endParaRPr lang="en-US" sz="1100">
-                        <a:effectLst/>
-                        <a:latin typeface="Calibri" panose="020F0502020204030204" pitchFamily="34" charset="0"/>
-                        <a:ea typeface="Calibri" panose="020F0502020204030204" pitchFamily="34" charset="0"/>
-                        <a:cs typeface="Times New Roman" panose="02020603050405020304" pitchFamily="18" charset="0"/>
-                      </a:endParaRPr>
-                    </a:p>
-                  </a:txBody>
-                  <a:tcPr marL="42863" marR="42863" marT="0" marB="0" anchor="ctr">
-                    <a:lnL>
-                      <a:noFill/>
-                    </a:lnL>
-                    <a:lnR>
-                      <a:noFill/>
-                    </a:lnR>
-                    <a:lnT>
-                      <a:noFill/>
-                    </a:lnT>
-                    <a:lnB>
-                      <a:noFill/>
-                    </a:lnB>
-                  </a:tcPr>
-                </a:tc>
-                <a:tc>
-                  <a:txBody>
-                    <a:bodyPr/>
-                    <a:lstStyle/>
-                    <a:p>
-                      <a:pPr marL="0" marR="0" algn="ctr">
-                        <a:lnSpc>
-                          <a:spcPct val="107000"/>
-                        </a:lnSpc>
-                        <a:spcBef>
-                          <a:spcPts val="0"/>
-                        </a:spcBef>
-                        <a:spcAft>
-                          <a:spcPts val="0"/>
-                        </a:spcAft>
-                      </a:pPr>
-                      <a:r>
-                        <a:rPr lang="en-US" sz="1100">
-                          <a:solidFill>
-                            <a:srgbClr val="000000"/>
-                          </a:solidFill>
-                          <a:effectLst/>
-                          <a:latin typeface="Calibri" panose="020F0502020204030204" pitchFamily="34" charset="0"/>
-                          <a:ea typeface="Times New Roman" panose="02020603050405020304" pitchFamily="18" charset="0"/>
-                          <a:cs typeface="Calibri" panose="020F0502020204030204" pitchFamily="34" charset="0"/>
-                        </a:rPr>
-                        <a:t>0.044 ± 0.024</a:t>
-                      </a:r>
-                      <a:endParaRPr lang="en-US" sz="1100">
-                        <a:effectLst/>
-                        <a:latin typeface="Calibri" panose="020F0502020204030204" pitchFamily="34" charset="0"/>
-                        <a:ea typeface="Calibri" panose="020F0502020204030204" pitchFamily="34" charset="0"/>
-                        <a:cs typeface="Times New Roman" panose="02020603050405020304" pitchFamily="18" charset="0"/>
-                      </a:endParaRPr>
-                    </a:p>
-                  </a:txBody>
-                  <a:tcPr marL="42863" marR="42863" marT="0" marB="0" anchor="ctr">
-                    <a:lnL>
-                      <a:noFill/>
-                    </a:lnL>
-                    <a:lnR>
-                      <a:noFill/>
-                    </a:lnR>
-                    <a:lnT>
-                      <a:noFill/>
-                    </a:lnT>
-                    <a:lnB>
-                      <a:noFill/>
-                    </a:lnB>
-                  </a:tcPr>
-                </a:tc>
-                <a:extLst>
-                  <a:ext uri="{0D108BD9-81ED-4DB2-BD59-A6C34878D82A}">
-                    <a16:rowId xmlns:a16="http://schemas.microsoft.com/office/drawing/2014/main" val="864942743"/>
-                  </a:ext>
-                </a:extLst>
-              </a:tr>
-              <a:tr h="188607">
-                <a:tc vMerge="1">
-                  <a:txBody>
-                    <a:bodyPr/>
-                    <a:lstStyle/>
-                    <a:p>
-                      <a:endParaRPr lang="en-US"/>
-                    </a:p>
-                  </a:txBody>
-                  <a:tcPr/>
-                </a:tc>
-                <a:tc vMerge="1">
-                  <a:txBody>
-                    <a:bodyPr/>
-                    <a:lstStyle/>
-                    <a:p>
-                      <a:endParaRPr lang="en-US"/>
-                    </a:p>
-                  </a:txBody>
-                  <a:tcPr/>
-                </a:tc>
-                <a:tc>
-                  <a:txBody>
-                    <a:bodyPr/>
-                    <a:lstStyle/>
-                    <a:p>
-                      <a:pPr marL="0" marR="0" algn="ctr">
-                        <a:lnSpc>
-                          <a:spcPct val="107000"/>
-                        </a:lnSpc>
-                        <a:spcBef>
-                          <a:spcPts val="0"/>
-                        </a:spcBef>
-                        <a:spcAft>
-                          <a:spcPts val="0"/>
-                        </a:spcAft>
-                      </a:pPr>
-                      <a:r>
-                        <a:rPr lang="en-US" sz="1100">
-                          <a:solidFill>
-                            <a:srgbClr val="000000"/>
-                          </a:solidFill>
-                          <a:effectLst/>
-                          <a:latin typeface="Calibri" panose="020F0502020204030204" pitchFamily="34" charset="0"/>
-                          <a:ea typeface="Times New Roman" panose="02020603050405020304" pitchFamily="18" charset="0"/>
-                          <a:cs typeface="Calibri" panose="020F0502020204030204" pitchFamily="34" charset="0"/>
-                        </a:rPr>
-                        <a:t>T1D</a:t>
-                      </a:r>
-                      <a:endParaRPr lang="en-US" sz="1100">
-                        <a:effectLst/>
-                        <a:latin typeface="Calibri" panose="020F0502020204030204" pitchFamily="34" charset="0"/>
-                        <a:ea typeface="Calibri" panose="020F0502020204030204" pitchFamily="34" charset="0"/>
-                        <a:cs typeface="Times New Roman" panose="02020603050405020304" pitchFamily="18" charset="0"/>
-                      </a:endParaRPr>
-                    </a:p>
-                  </a:txBody>
-                  <a:tcPr marL="42863" marR="42863" marT="0" marB="0" anchor="ctr">
-                    <a:lnL>
-                      <a:noFill/>
-                    </a:lnL>
-                    <a:lnR>
-                      <a:noFill/>
-                    </a:lnR>
-                    <a:lnT>
-                      <a:noFill/>
-                    </a:lnT>
-                    <a:lnB>
-                      <a:noFill/>
-                    </a:lnB>
-                  </a:tcPr>
-                </a:tc>
-                <a:tc>
-                  <a:txBody>
-                    <a:bodyPr/>
-                    <a:lstStyle/>
-                    <a:p>
-                      <a:pPr marL="0" marR="0" algn="ctr">
-                        <a:lnSpc>
-                          <a:spcPct val="107000"/>
-                        </a:lnSpc>
-                        <a:spcBef>
-                          <a:spcPts val="0"/>
-                        </a:spcBef>
-                        <a:spcAft>
-                          <a:spcPts val="0"/>
-                        </a:spcAft>
-                      </a:pPr>
-                      <a:r>
-                        <a:rPr lang="en-US" sz="1100">
-                          <a:solidFill>
-                            <a:srgbClr val="000000"/>
-                          </a:solidFill>
-                          <a:effectLst/>
-                          <a:latin typeface="Calibri" panose="020F0502020204030204" pitchFamily="34" charset="0"/>
-                          <a:ea typeface="Times New Roman" panose="02020603050405020304" pitchFamily="18" charset="0"/>
-                          <a:cs typeface="Calibri" panose="020F0502020204030204" pitchFamily="34" charset="0"/>
-                        </a:rPr>
-                        <a:t>0.764 ± 0.252</a:t>
-                      </a:r>
-                      <a:endParaRPr lang="en-US" sz="1100">
-                        <a:effectLst/>
-                        <a:latin typeface="Calibri" panose="020F0502020204030204" pitchFamily="34" charset="0"/>
-                        <a:ea typeface="Calibri" panose="020F0502020204030204" pitchFamily="34" charset="0"/>
-                        <a:cs typeface="Times New Roman" panose="02020603050405020304" pitchFamily="18" charset="0"/>
-                      </a:endParaRPr>
-                    </a:p>
-                  </a:txBody>
-                  <a:tcPr marL="42863" marR="42863" marT="0" marB="0" anchor="ctr">
-                    <a:lnL>
-                      <a:noFill/>
-                    </a:lnL>
-                    <a:lnR>
-                      <a:noFill/>
-                    </a:lnR>
-                    <a:lnT>
-                      <a:noFill/>
-                    </a:lnT>
-                    <a:lnB>
-                      <a:noFill/>
-                    </a:lnB>
-                  </a:tcPr>
-                </a:tc>
-                <a:tc>
-                  <a:txBody>
-                    <a:bodyPr/>
-                    <a:lstStyle/>
-                    <a:p>
-                      <a:pPr marL="0" marR="0" algn="ctr">
-                        <a:lnSpc>
-                          <a:spcPct val="107000"/>
-                        </a:lnSpc>
-                        <a:spcBef>
-                          <a:spcPts val="0"/>
-                        </a:spcBef>
-                        <a:spcAft>
-                          <a:spcPts val="0"/>
-                        </a:spcAft>
-                      </a:pPr>
-                      <a:r>
-                        <a:rPr lang="en-US" sz="1100">
-                          <a:solidFill>
-                            <a:srgbClr val="000000"/>
-                          </a:solidFill>
-                          <a:effectLst/>
-                          <a:latin typeface="Calibri" panose="020F0502020204030204" pitchFamily="34" charset="0"/>
-                          <a:ea typeface="Times New Roman" panose="02020603050405020304" pitchFamily="18" charset="0"/>
-                          <a:cs typeface="Calibri" panose="020F0502020204030204" pitchFamily="34" charset="0"/>
-                        </a:rPr>
-                        <a:t>0.003 ± 0.005</a:t>
-                      </a:r>
-                      <a:endParaRPr lang="en-US" sz="1100">
-                        <a:effectLst/>
-                        <a:latin typeface="Calibri" panose="020F0502020204030204" pitchFamily="34" charset="0"/>
-                        <a:ea typeface="Calibri" panose="020F0502020204030204" pitchFamily="34" charset="0"/>
-                        <a:cs typeface="Times New Roman" panose="02020603050405020304" pitchFamily="18" charset="0"/>
-                      </a:endParaRPr>
-                    </a:p>
-                  </a:txBody>
-                  <a:tcPr marL="42863" marR="42863" marT="0" marB="0" anchor="ctr">
-                    <a:lnL>
-                      <a:noFill/>
-                    </a:lnL>
-                    <a:lnR>
-                      <a:noFill/>
-                    </a:lnR>
-                    <a:lnT>
-                      <a:noFill/>
-                    </a:lnT>
-                    <a:lnB>
-                      <a:noFill/>
-                    </a:lnB>
-                  </a:tcPr>
-                </a:tc>
-                <a:tc>
-                  <a:txBody>
-                    <a:bodyPr/>
-                    <a:lstStyle/>
-                    <a:p>
-                      <a:pPr marL="0" marR="0" algn="ctr">
-                        <a:lnSpc>
-                          <a:spcPct val="107000"/>
-                        </a:lnSpc>
-                        <a:spcBef>
-                          <a:spcPts val="0"/>
-                        </a:spcBef>
-                        <a:spcAft>
-                          <a:spcPts val="0"/>
-                        </a:spcAft>
-                      </a:pPr>
-                      <a:r>
-                        <a:rPr lang="en-US" sz="1100">
-                          <a:solidFill>
-                            <a:srgbClr val="000000"/>
-                          </a:solidFill>
-                          <a:effectLst/>
-                          <a:latin typeface="Calibri" panose="020F0502020204030204" pitchFamily="34" charset="0"/>
-                          <a:ea typeface="Times New Roman" panose="02020603050405020304" pitchFamily="18" charset="0"/>
-                          <a:cs typeface="Calibri" panose="020F0502020204030204" pitchFamily="34" charset="0"/>
-                        </a:rPr>
-                        <a:t>0.09 ± 0.091</a:t>
-                      </a:r>
-                      <a:endParaRPr lang="en-US" sz="1100">
-                        <a:effectLst/>
-                        <a:latin typeface="Calibri" panose="020F0502020204030204" pitchFamily="34" charset="0"/>
-                        <a:ea typeface="Calibri" panose="020F0502020204030204" pitchFamily="34" charset="0"/>
-                        <a:cs typeface="Times New Roman" panose="02020603050405020304" pitchFamily="18" charset="0"/>
-                      </a:endParaRPr>
-                    </a:p>
-                  </a:txBody>
-                  <a:tcPr marL="42863" marR="42863" marT="0" marB="0" anchor="ctr">
-                    <a:lnL>
-                      <a:noFill/>
-                    </a:lnL>
-                    <a:lnR>
-                      <a:noFill/>
-                    </a:lnR>
-                    <a:lnT>
-                      <a:noFill/>
-                    </a:lnT>
-                    <a:lnB>
-                      <a:noFill/>
-                    </a:lnB>
-                  </a:tcPr>
-                </a:tc>
-                <a:tc>
-                  <a:txBody>
-                    <a:bodyPr/>
-                    <a:lstStyle/>
-                    <a:p>
-                      <a:pPr marL="0" marR="0" algn="ctr">
-                        <a:lnSpc>
-                          <a:spcPct val="107000"/>
-                        </a:lnSpc>
-                        <a:spcBef>
-                          <a:spcPts val="0"/>
-                        </a:spcBef>
-                        <a:spcAft>
-                          <a:spcPts val="0"/>
-                        </a:spcAft>
-                      </a:pPr>
-                      <a:r>
-                        <a:rPr lang="en-US" sz="1100">
-                          <a:solidFill>
-                            <a:srgbClr val="000000"/>
-                          </a:solidFill>
-                          <a:effectLst/>
-                          <a:latin typeface="Calibri" panose="020F0502020204030204" pitchFamily="34" charset="0"/>
-                          <a:ea typeface="Times New Roman" panose="02020603050405020304" pitchFamily="18" charset="0"/>
-                          <a:cs typeface="Calibri" panose="020F0502020204030204" pitchFamily="34" charset="0"/>
-                        </a:rPr>
-                        <a:t>0.091 ± 0.209</a:t>
-                      </a:r>
-                      <a:endParaRPr lang="en-US" sz="1100">
-                        <a:effectLst/>
-                        <a:latin typeface="Calibri" panose="020F0502020204030204" pitchFamily="34" charset="0"/>
-                        <a:ea typeface="Calibri" panose="020F0502020204030204" pitchFamily="34" charset="0"/>
-                        <a:cs typeface="Times New Roman" panose="02020603050405020304" pitchFamily="18" charset="0"/>
-                      </a:endParaRPr>
-                    </a:p>
-                  </a:txBody>
-                  <a:tcPr marL="42863" marR="42863" marT="0" marB="0" anchor="ctr">
-                    <a:lnL>
-                      <a:noFill/>
-                    </a:lnL>
-                    <a:lnR>
-                      <a:noFill/>
-                    </a:lnR>
-                    <a:lnT>
-                      <a:noFill/>
-                    </a:lnT>
-                    <a:lnB>
-                      <a:noFill/>
-                    </a:lnB>
-                  </a:tcPr>
-                </a:tc>
-                <a:tc>
-                  <a:txBody>
-                    <a:bodyPr/>
-                    <a:lstStyle/>
-                    <a:p>
-                      <a:pPr marL="0" marR="0" algn="ctr">
-                        <a:lnSpc>
-                          <a:spcPct val="107000"/>
-                        </a:lnSpc>
-                        <a:spcBef>
-                          <a:spcPts val="0"/>
-                        </a:spcBef>
-                        <a:spcAft>
-                          <a:spcPts val="0"/>
-                        </a:spcAft>
-                      </a:pPr>
-                      <a:r>
-                        <a:rPr lang="en-US" sz="1100">
-                          <a:solidFill>
-                            <a:srgbClr val="000000"/>
-                          </a:solidFill>
-                          <a:effectLst/>
-                          <a:latin typeface="Calibri" panose="020F0502020204030204" pitchFamily="34" charset="0"/>
-                          <a:ea typeface="Times New Roman" panose="02020603050405020304" pitchFamily="18" charset="0"/>
-                          <a:cs typeface="Calibri" panose="020F0502020204030204" pitchFamily="34" charset="0"/>
-                        </a:rPr>
-                        <a:t>0.052 ± 0.069</a:t>
-                      </a:r>
-                      <a:endParaRPr lang="en-US" sz="1100">
-                        <a:effectLst/>
-                        <a:latin typeface="Calibri" panose="020F0502020204030204" pitchFamily="34" charset="0"/>
-                        <a:ea typeface="Calibri" panose="020F0502020204030204" pitchFamily="34" charset="0"/>
-                        <a:cs typeface="Times New Roman" panose="02020603050405020304" pitchFamily="18" charset="0"/>
-                      </a:endParaRPr>
-                    </a:p>
-                  </a:txBody>
-                  <a:tcPr marL="42863" marR="42863" marT="0" marB="0" anchor="ctr">
-                    <a:lnL>
-                      <a:noFill/>
-                    </a:lnL>
-                    <a:lnR>
-                      <a:noFill/>
-                    </a:lnR>
-                    <a:lnT>
-                      <a:noFill/>
-                    </a:lnT>
-                    <a:lnB>
-                      <a:noFill/>
-                    </a:lnB>
-                  </a:tcPr>
-                </a:tc>
-                <a:extLst>
-                  <a:ext uri="{0D108BD9-81ED-4DB2-BD59-A6C34878D82A}">
-                    <a16:rowId xmlns:a16="http://schemas.microsoft.com/office/drawing/2014/main" val="2922261006"/>
-                  </a:ext>
-                </a:extLst>
-              </a:tr>
-              <a:tr h="188607">
-                <a:tc rowSpan="4">
-                  <a:txBody>
-                    <a:bodyPr/>
-                    <a:lstStyle/>
-                    <a:p>
-                      <a:pPr marL="0" marR="0" algn="ctr">
-                        <a:lnSpc>
-                          <a:spcPct val="107000"/>
-                        </a:lnSpc>
-                        <a:spcBef>
-                          <a:spcPts val="0"/>
-                        </a:spcBef>
-                        <a:spcAft>
-                          <a:spcPts val="0"/>
-                        </a:spcAft>
-                      </a:pPr>
-                      <a:r>
-                        <a:rPr lang="en-US" sz="1100">
-                          <a:solidFill>
-                            <a:srgbClr val="000000"/>
-                          </a:solidFill>
-                          <a:effectLst/>
-                          <a:latin typeface="Calibri" panose="020F0502020204030204" pitchFamily="34" charset="0"/>
-                          <a:ea typeface="Times New Roman" panose="02020603050405020304" pitchFamily="18" charset="0"/>
-                          <a:cs typeface="Calibri" panose="020F0502020204030204" pitchFamily="34" charset="0"/>
-                        </a:rPr>
-                        <a:t>Vaginal</a:t>
-                      </a:r>
-                      <a:endParaRPr lang="en-US" sz="1100">
-                        <a:effectLst/>
-                        <a:latin typeface="Calibri" panose="020F0502020204030204" pitchFamily="34" charset="0"/>
-                        <a:ea typeface="Calibri" panose="020F0502020204030204" pitchFamily="34" charset="0"/>
-                        <a:cs typeface="Times New Roman" panose="02020603050405020304" pitchFamily="18" charset="0"/>
-                      </a:endParaRPr>
-                    </a:p>
-                  </a:txBody>
-                  <a:tcPr marL="42863" marR="42863" marT="0" marB="0" anchor="ctr">
-                    <a:lnL>
-                      <a:noFill/>
-                    </a:lnL>
-                    <a:lnR>
-                      <a:noFill/>
-                    </a:lnR>
-                    <a:lnT>
-                      <a:noFill/>
-                    </a:lnT>
-                    <a:lnB>
-                      <a:noFill/>
-                    </a:lnB>
-                  </a:tcPr>
-                </a:tc>
-                <a:tc rowSpan="2">
-                  <a:txBody>
-                    <a:bodyPr/>
-                    <a:lstStyle/>
-                    <a:p>
-                      <a:pPr marL="0" marR="0" algn="ctr">
-                        <a:lnSpc>
-                          <a:spcPct val="107000"/>
-                        </a:lnSpc>
-                        <a:spcBef>
-                          <a:spcPts val="0"/>
-                        </a:spcBef>
-                        <a:spcAft>
-                          <a:spcPts val="0"/>
-                        </a:spcAft>
-                      </a:pPr>
-                      <a:r>
-                        <a:rPr lang="en-US" sz="1100">
-                          <a:solidFill>
-                            <a:srgbClr val="000000"/>
-                          </a:solidFill>
-                          <a:effectLst/>
-                          <a:latin typeface="Calibri" panose="020F0502020204030204" pitchFamily="34" charset="0"/>
-                          <a:ea typeface="Times New Roman" panose="02020603050405020304" pitchFamily="18" charset="0"/>
-                          <a:cs typeface="Calibri" panose="020F0502020204030204" pitchFamily="34" charset="0"/>
-                        </a:rPr>
-                        <a:t>Ear</a:t>
-                      </a:r>
-                      <a:endParaRPr lang="en-US" sz="1100">
-                        <a:effectLst/>
-                        <a:latin typeface="Calibri" panose="020F0502020204030204" pitchFamily="34" charset="0"/>
-                        <a:ea typeface="Calibri" panose="020F0502020204030204" pitchFamily="34" charset="0"/>
-                        <a:cs typeface="Times New Roman" panose="02020603050405020304" pitchFamily="18" charset="0"/>
-                      </a:endParaRPr>
-                    </a:p>
-                  </a:txBody>
-                  <a:tcPr marL="42863" marR="42863" marT="0" marB="0" anchor="ctr">
-                    <a:lnL>
-                      <a:noFill/>
-                    </a:lnL>
-                    <a:lnR>
-                      <a:noFill/>
-                    </a:lnR>
-                    <a:lnT>
-                      <a:noFill/>
-                    </a:lnT>
-                    <a:lnB>
-                      <a:noFill/>
-                    </a:lnB>
-                  </a:tcPr>
-                </a:tc>
-                <a:tc>
-                  <a:txBody>
-                    <a:bodyPr/>
-                    <a:lstStyle/>
-                    <a:p>
-                      <a:pPr marL="0" marR="0" algn="ctr">
-                        <a:lnSpc>
-                          <a:spcPct val="107000"/>
-                        </a:lnSpc>
-                        <a:spcBef>
-                          <a:spcPts val="0"/>
-                        </a:spcBef>
-                        <a:spcAft>
-                          <a:spcPts val="0"/>
-                        </a:spcAft>
-                      </a:pPr>
-                      <a:r>
-                        <a:rPr lang="en-US" sz="1100">
-                          <a:solidFill>
-                            <a:srgbClr val="000000"/>
-                          </a:solidFill>
-                          <a:effectLst/>
-                          <a:latin typeface="Calibri" panose="020F0502020204030204" pitchFamily="34" charset="0"/>
-                          <a:ea typeface="Times New Roman" panose="02020603050405020304" pitchFamily="18" charset="0"/>
-                          <a:cs typeface="Calibri" panose="020F0502020204030204" pitchFamily="34" charset="0"/>
-                        </a:rPr>
-                        <a:t>Control</a:t>
-                      </a:r>
-                      <a:endParaRPr lang="en-US" sz="1100">
-                        <a:effectLst/>
-                        <a:latin typeface="Calibri" panose="020F0502020204030204" pitchFamily="34" charset="0"/>
-                        <a:ea typeface="Calibri" panose="020F0502020204030204" pitchFamily="34" charset="0"/>
-                        <a:cs typeface="Times New Roman" panose="02020603050405020304" pitchFamily="18" charset="0"/>
-                      </a:endParaRPr>
-                    </a:p>
-                  </a:txBody>
-                  <a:tcPr marL="42863" marR="42863" marT="0" marB="0" anchor="ctr">
-                    <a:lnL>
-                      <a:noFill/>
-                    </a:lnL>
-                    <a:lnR>
-                      <a:noFill/>
-                    </a:lnR>
-                    <a:lnT>
-                      <a:noFill/>
-                    </a:lnT>
-                    <a:lnB>
-                      <a:noFill/>
-                    </a:lnB>
-                  </a:tcPr>
-                </a:tc>
-                <a:tc>
-                  <a:txBody>
-                    <a:bodyPr/>
-                    <a:lstStyle/>
-                    <a:p>
-                      <a:pPr marL="0" marR="0" algn="ctr">
-                        <a:lnSpc>
-                          <a:spcPct val="107000"/>
-                        </a:lnSpc>
-                        <a:spcBef>
-                          <a:spcPts val="0"/>
-                        </a:spcBef>
-                        <a:spcAft>
-                          <a:spcPts val="0"/>
-                        </a:spcAft>
-                      </a:pPr>
-                      <a:r>
-                        <a:rPr lang="en-US" sz="1100">
-                          <a:solidFill>
-                            <a:srgbClr val="000000"/>
-                          </a:solidFill>
-                          <a:effectLst/>
-                          <a:latin typeface="Calibri" panose="020F0502020204030204" pitchFamily="34" charset="0"/>
-                          <a:ea typeface="Times New Roman" panose="02020603050405020304" pitchFamily="18" charset="0"/>
-                          <a:cs typeface="Calibri" panose="020F0502020204030204" pitchFamily="34" charset="0"/>
-                        </a:rPr>
-                        <a:t>0.595 ± 0.311</a:t>
-                      </a:r>
-                      <a:endParaRPr lang="en-US" sz="1100">
-                        <a:effectLst/>
-                        <a:latin typeface="Calibri" panose="020F0502020204030204" pitchFamily="34" charset="0"/>
-                        <a:ea typeface="Calibri" panose="020F0502020204030204" pitchFamily="34" charset="0"/>
-                        <a:cs typeface="Times New Roman" panose="02020603050405020304" pitchFamily="18" charset="0"/>
-                      </a:endParaRPr>
-                    </a:p>
-                  </a:txBody>
-                  <a:tcPr marL="42863" marR="42863" marT="0" marB="0" anchor="ctr">
-                    <a:lnL>
-                      <a:noFill/>
-                    </a:lnL>
-                    <a:lnR>
-                      <a:noFill/>
-                    </a:lnR>
-                    <a:lnT>
-                      <a:noFill/>
-                    </a:lnT>
-                    <a:lnB>
-                      <a:noFill/>
-                    </a:lnB>
-                  </a:tcPr>
-                </a:tc>
-                <a:tc>
-                  <a:txBody>
-                    <a:bodyPr/>
-                    <a:lstStyle/>
-                    <a:p>
-                      <a:pPr marL="0" marR="0" algn="ctr">
-                        <a:lnSpc>
-                          <a:spcPct val="107000"/>
-                        </a:lnSpc>
-                        <a:spcBef>
-                          <a:spcPts val="0"/>
-                        </a:spcBef>
-                        <a:spcAft>
-                          <a:spcPts val="0"/>
-                        </a:spcAft>
-                      </a:pPr>
-                      <a:r>
-                        <a:rPr lang="en-US" sz="1100">
-                          <a:solidFill>
-                            <a:srgbClr val="000000"/>
-                          </a:solidFill>
-                          <a:effectLst/>
-                          <a:latin typeface="Calibri" panose="020F0502020204030204" pitchFamily="34" charset="0"/>
-                          <a:ea typeface="Times New Roman" panose="02020603050405020304" pitchFamily="18" charset="0"/>
-                          <a:cs typeface="Calibri" panose="020F0502020204030204" pitchFamily="34" charset="0"/>
-                        </a:rPr>
-                        <a:t>0.052 ± 0.092</a:t>
-                      </a:r>
-                      <a:endParaRPr lang="en-US" sz="1100">
-                        <a:effectLst/>
-                        <a:latin typeface="Calibri" panose="020F0502020204030204" pitchFamily="34" charset="0"/>
-                        <a:ea typeface="Calibri" panose="020F0502020204030204" pitchFamily="34" charset="0"/>
-                        <a:cs typeface="Times New Roman" panose="02020603050405020304" pitchFamily="18" charset="0"/>
-                      </a:endParaRPr>
-                    </a:p>
-                  </a:txBody>
-                  <a:tcPr marL="42863" marR="42863" marT="0" marB="0" anchor="ctr">
-                    <a:lnL>
-                      <a:noFill/>
-                    </a:lnL>
-                    <a:lnR>
-                      <a:noFill/>
-                    </a:lnR>
-                    <a:lnT>
-                      <a:noFill/>
-                    </a:lnT>
-                    <a:lnB>
-                      <a:noFill/>
-                    </a:lnB>
-                  </a:tcPr>
-                </a:tc>
-                <a:tc>
-                  <a:txBody>
-                    <a:bodyPr/>
-                    <a:lstStyle/>
-                    <a:p>
-                      <a:pPr marL="0" marR="0" algn="ctr">
-                        <a:lnSpc>
-                          <a:spcPct val="107000"/>
-                        </a:lnSpc>
-                        <a:spcBef>
-                          <a:spcPts val="0"/>
-                        </a:spcBef>
-                        <a:spcAft>
-                          <a:spcPts val="0"/>
-                        </a:spcAft>
-                      </a:pPr>
-                      <a:r>
-                        <a:rPr lang="en-US" sz="1100">
-                          <a:solidFill>
-                            <a:srgbClr val="000000"/>
-                          </a:solidFill>
-                          <a:effectLst/>
-                          <a:latin typeface="Calibri" panose="020F0502020204030204" pitchFamily="34" charset="0"/>
-                          <a:ea typeface="Times New Roman" panose="02020603050405020304" pitchFamily="18" charset="0"/>
-                          <a:cs typeface="Calibri" panose="020F0502020204030204" pitchFamily="34" charset="0"/>
-                        </a:rPr>
-                        <a:t>0.09 ± 0.096</a:t>
-                      </a:r>
-                      <a:endParaRPr lang="en-US" sz="1100">
-                        <a:effectLst/>
-                        <a:latin typeface="Calibri" panose="020F0502020204030204" pitchFamily="34" charset="0"/>
-                        <a:ea typeface="Calibri" panose="020F0502020204030204" pitchFamily="34" charset="0"/>
-                        <a:cs typeface="Times New Roman" panose="02020603050405020304" pitchFamily="18" charset="0"/>
-                      </a:endParaRPr>
-                    </a:p>
-                  </a:txBody>
-                  <a:tcPr marL="42863" marR="42863" marT="0" marB="0" anchor="ctr">
-                    <a:lnL>
-                      <a:noFill/>
-                    </a:lnL>
-                    <a:lnR>
-                      <a:noFill/>
-                    </a:lnR>
-                    <a:lnT>
-                      <a:noFill/>
-                    </a:lnT>
-                    <a:lnB>
-                      <a:noFill/>
-                    </a:lnB>
-                  </a:tcPr>
-                </a:tc>
-                <a:tc>
-                  <a:txBody>
-                    <a:bodyPr/>
-                    <a:lstStyle/>
-                    <a:p>
-                      <a:pPr marL="0" marR="0" algn="ctr">
-                        <a:lnSpc>
-                          <a:spcPct val="107000"/>
-                        </a:lnSpc>
-                        <a:spcBef>
-                          <a:spcPts val="0"/>
-                        </a:spcBef>
-                        <a:spcAft>
-                          <a:spcPts val="0"/>
-                        </a:spcAft>
-                      </a:pPr>
-                      <a:r>
-                        <a:rPr lang="en-US" sz="1100">
-                          <a:solidFill>
-                            <a:srgbClr val="000000"/>
-                          </a:solidFill>
-                          <a:effectLst/>
-                          <a:latin typeface="Calibri" panose="020F0502020204030204" pitchFamily="34" charset="0"/>
-                          <a:ea typeface="Times New Roman" panose="02020603050405020304" pitchFamily="18" charset="0"/>
-                          <a:cs typeface="Calibri" panose="020F0502020204030204" pitchFamily="34" charset="0"/>
-                        </a:rPr>
-                        <a:t>0.18 ± 0.247</a:t>
-                      </a:r>
-                      <a:endParaRPr lang="en-US" sz="1100">
-                        <a:effectLst/>
-                        <a:latin typeface="Calibri" panose="020F0502020204030204" pitchFamily="34" charset="0"/>
-                        <a:ea typeface="Calibri" panose="020F0502020204030204" pitchFamily="34" charset="0"/>
-                        <a:cs typeface="Times New Roman" panose="02020603050405020304" pitchFamily="18" charset="0"/>
-                      </a:endParaRPr>
-                    </a:p>
-                  </a:txBody>
-                  <a:tcPr marL="42863" marR="42863" marT="0" marB="0" anchor="ctr">
-                    <a:lnL>
-                      <a:noFill/>
-                    </a:lnL>
-                    <a:lnR>
-                      <a:noFill/>
-                    </a:lnR>
-                    <a:lnT>
-                      <a:noFill/>
-                    </a:lnT>
-                    <a:lnB>
-                      <a:noFill/>
-                    </a:lnB>
-                  </a:tcPr>
-                </a:tc>
-                <a:tc>
-                  <a:txBody>
-                    <a:bodyPr/>
-                    <a:lstStyle/>
-                    <a:p>
-                      <a:pPr marL="0" marR="0" algn="ctr">
-                        <a:lnSpc>
-                          <a:spcPct val="107000"/>
-                        </a:lnSpc>
-                        <a:spcBef>
-                          <a:spcPts val="0"/>
-                        </a:spcBef>
-                        <a:spcAft>
-                          <a:spcPts val="0"/>
-                        </a:spcAft>
-                      </a:pPr>
-                      <a:r>
-                        <a:rPr lang="en-US" sz="1100">
-                          <a:solidFill>
-                            <a:srgbClr val="000000"/>
-                          </a:solidFill>
-                          <a:effectLst/>
-                          <a:latin typeface="Calibri" panose="020F0502020204030204" pitchFamily="34" charset="0"/>
-                          <a:ea typeface="Times New Roman" panose="02020603050405020304" pitchFamily="18" charset="0"/>
-                          <a:cs typeface="Calibri" panose="020F0502020204030204" pitchFamily="34" charset="0"/>
-                        </a:rPr>
-                        <a:t>0.083 ± 0.105</a:t>
-                      </a:r>
-                      <a:endParaRPr lang="en-US" sz="1100">
-                        <a:effectLst/>
-                        <a:latin typeface="Calibri" panose="020F0502020204030204" pitchFamily="34" charset="0"/>
-                        <a:ea typeface="Calibri" panose="020F0502020204030204" pitchFamily="34" charset="0"/>
-                        <a:cs typeface="Times New Roman" panose="02020603050405020304" pitchFamily="18" charset="0"/>
-                      </a:endParaRPr>
-                    </a:p>
-                  </a:txBody>
-                  <a:tcPr marL="42863" marR="42863" marT="0" marB="0" anchor="ctr">
-                    <a:lnL>
-                      <a:noFill/>
-                    </a:lnL>
-                    <a:lnR>
-                      <a:noFill/>
-                    </a:lnR>
-                    <a:lnT>
-                      <a:noFill/>
-                    </a:lnT>
-                    <a:lnB>
-                      <a:noFill/>
-                    </a:lnB>
-                  </a:tcPr>
-                </a:tc>
-                <a:extLst>
-                  <a:ext uri="{0D108BD9-81ED-4DB2-BD59-A6C34878D82A}">
-                    <a16:rowId xmlns:a16="http://schemas.microsoft.com/office/drawing/2014/main" val="3279492272"/>
-                  </a:ext>
-                </a:extLst>
-              </a:tr>
-              <a:tr h="188607">
-                <a:tc vMerge="1">
-                  <a:txBody>
-                    <a:bodyPr/>
-                    <a:lstStyle/>
-                    <a:p>
-                      <a:endParaRPr lang="en-US"/>
-                    </a:p>
-                  </a:txBody>
-                  <a:tcPr/>
-                </a:tc>
-                <a:tc vMerge="1">
-                  <a:txBody>
-                    <a:bodyPr/>
-                    <a:lstStyle/>
-                    <a:p>
-                      <a:endParaRPr lang="en-US"/>
-                    </a:p>
-                  </a:txBody>
-                  <a:tcPr/>
-                </a:tc>
-                <a:tc>
-                  <a:txBody>
-                    <a:bodyPr/>
-                    <a:lstStyle/>
-                    <a:p>
-                      <a:pPr marL="0" marR="0" algn="ctr">
-                        <a:lnSpc>
-                          <a:spcPct val="107000"/>
-                        </a:lnSpc>
-                        <a:spcBef>
-                          <a:spcPts val="0"/>
-                        </a:spcBef>
-                        <a:spcAft>
-                          <a:spcPts val="0"/>
-                        </a:spcAft>
-                      </a:pPr>
-                      <a:r>
-                        <a:rPr lang="en-US" sz="1100">
-                          <a:solidFill>
-                            <a:srgbClr val="000000"/>
-                          </a:solidFill>
-                          <a:effectLst/>
-                          <a:latin typeface="Calibri" panose="020F0502020204030204" pitchFamily="34" charset="0"/>
-                          <a:ea typeface="Times New Roman" panose="02020603050405020304" pitchFamily="18" charset="0"/>
-                          <a:cs typeface="Calibri" panose="020F0502020204030204" pitchFamily="34" charset="0"/>
-                        </a:rPr>
-                        <a:t>T1D</a:t>
-                      </a:r>
-                      <a:endParaRPr lang="en-US" sz="1100">
-                        <a:effectLst/>
-                        <a:latin typeface="Calibri" panose="020F0502020204030204" pitchFamily="34" charset="0"/>
-                        <a:ea typeface="Calibri" panose="020F0502020204030204" pitchFamily="34" charset="0"/>
-                        <a:cs typeface="Times New Roman" panose="02020603050405020304" pitchFamily="18" charset="0"/>
-                      </a:endParaRPr>
-                    </a:p>
-                  </a:txBody>
-                  <a:tcPr marL="42863" marR="42863" marT="0" marB="0" anchor="ctr">
-                    <a:lnL>
-                      <a:noFill/>
-                    </a:lnL>
-                    <a:lnR>
-                      <a:noFill/>
-                    </a:lnR>
-                    <a:lnT>
-                      <a:noFill/>
-                    </a:lnT>
-                    <a:lnB>
-                      <a:noFill/>
-                    </a:lnB>
-                  </a:tcPr>
-                </a:tc>
-                <a:tc>
-                  <a:txBody>
-                    <a:bodyPr/>
-                    <a:lstStyle/>
-                    <a:p>
-                      <a:pPr marL="0" marR="0" algn="ctr">
-                        <a:lnSpc>
-                          <a:spcPct val="107000"/>
-                        </a:lnSpc>
-                        <a:spcBef>
-                          <a:spcPts val="0"/>
-                        </a:spcBef>
-                        <a:spcAft>
-                          <a:spcPts val="0"/>
-                        </a:spcAft>
-                      </a:pPr>
-                      <a:r>
-                        <a:rPr lang="en-US" sz="1100">
-                          <a:solidFill>
-                            <a:srgbClr val="000000"/>
-                          </a:solidFill>
-                          <a:effectLst/>
-                          <a:latin typeface="Calibri" panose="020F0502020204030204" pitchFamily="34" charset="0"/>
-                          <a:ea typeface="Times New Roman" panose="02020603050405020304" pitchFamily="18" charset="0"/>
-                          <a:cs typeface="Calibri" panose="020F0502020204030204" pitchFamily="34" charset="0"/>
-                        </a:rPr>
-                        <a:t>0.832 ± 0.198</a:t>
-                      </a:r>
-                      <a:endParaRPr lang="en-US" sz="1100">
-                        <a:effectLst/>
-                        <a:latin typeface="Calibri" panose="020F0502020204030204" pitchFamily="34" charset="0"/>
-                        <a:ea typeface="Calibri" panose="020F0502020204030204" pitchFamily="34" charset="0"/>
-                        <a:cs typeface="Times New Roman" panose="02020603050405020304" pitchFamily="18" charset="0"/>
-                      </a:endParaRPr>
-                    </a:p>
-                  </a:txBody>
-                  <a:tcPr marL="42863" marR="42863" marT="0" marB="0" anchor="ctr">
-                    <a:lnL>
-                      <a:noFill/>
-                    </a:lnL>
-                    <a:lnR>
-                      <a:noFill/>
-                    </a:lnR>
-                    <a:lnT>
-                      <a:noFill/>
-                    </a:lnT>
-                    <a:lnB>
-                      <a:noFill/>
-                    </a:lnB>
-                  </a:tcPr>
-                </a:tc>
-                <a:tc>
-                  <a:txBody>
-                    <a:bodyPr/>
-                    <a:lstStyle/>
-                    <a:p>
-                      <a:pPr marL="0" marR="0" algn="ctr">
-                        <a:lnSpc>
-                          <a:spcPct val="107000"/>
-                        </a:lnSpc>
-                        <a:spcBef>
-                          <a:spcPts val="0"/>
-                        </a:spcBef>
-                        <a:spcAft>
-                          <a:spcPts val="0"/>
-                        </a:spcAft>
-                      </a:pPr>
-                      <a:r>
-                        <a:rPr lang="en-US" sz="1100">
-                          <a:solidFill>
-                            <a:srgbClr val="000000"/>
-                          </a:solidFill>
-                          <a:effectLst/>
-                          <a:latin typeface="Calibri" panose="020F0502020204030204" pitchFamily="34" charset="0"/>
-                          <a:ea typeface="Times New Roman" panose="02020603050405020304" pitchFamily="18" charset="0"/>
-                          <a:cs typeface="Calibri" panose="020F0502020204030204" pitchFamily="34" charset="0"/>
-                        </a:rPr>
-                        <a:t>0.007 ± 0.011</a:t>
-                      </a:r>
-                      <a:endParaRPr lang="en-US" sz="1100">
-                        <a:effectLst/>
-                        <a:latin typeface="Calibri" panose="020F0502020204030204" pitchFamily="34" charset="0"/>
-                        <a:ea typeface="Calibri" panose="020F0502020204030204" pitchFamily="34" charset="0"/>
-                        <a:cs typeface="Times New Roman" panose="02020603050405020304" pitchFamily="18" charset="0"/>
-                      </a:endParaRPr>
-                    </a:p>
-                  </a:txBody>
-                  <a:tcPr marL="42863" marR="42863" marT="0" marB="0" anchor="ctr">
-                    <a:lnL>
-                      <a:noFill/>
-                    </a:lnL>
-                    <a:lnR>
-                      <a:noFill/>
-                    </a:lnR>
-                    <a:lnT>
-                      <a:noFill/>
-                    </a:lnT>
-                    <a:lnB>
-                      <a:noFill/>
-                    </a:lnB>
-                  </a:tcPr>
-                </a:tc>
-                <a:tc>
-                  <a:txBody>
-                    <a:bodyPr/>
-                    <a:lstStyle/>
-                    <a:p>
-                      <a:pPr marL="0" marR="0" algn="ctr">
-                        <a:lnSpc>
-                          <a:spcPct val="107000"/>
-                        </a:lnSpc>
-                        <a:spcBef>
-                          <a:spcPts val="0"/>
-                        </a:spcBef>
-                        <a:spcAft>
-                          <a:spcPts val="0"/>
-                        </a:spcAft>
-                      </a:pPr>
-                      <a:r>
-                        <a:rPr lang="en-US" sz="1100">
-                          <a:solidFill>
-                            <a:srgbClr val="000000"/>
-                          </a:solidFill>
-                          <a:effectLst/>
-                          <a:latin typeface="Calibri" panose="020F0502020204030204" pitchFamily="34" charset="0"/>
-                          <a:ea typeface="Times New Roman" panose="02020603050405020304" pitchFamily="18" charset="0"/>
-                          <a:cs typeface="Calibri" panose="020F0502020204030204" pitchFamily="34" charset="0"/>
-                        </a:rPr>
-                        <a:t>0.051 ± 0.076</a:t>
-                      </a:r>
-                      <a:endParaRPr lang="en-US" sz="1100">
-                        <a:effectLst/>
-                        <a:latin typeface="Calibri" panose="020F0502020204030204" pitchFamily="34" charset="0"/>
-                        <a:ea typeface="Calibri" panose="020F0502020204030204" pitchFamily="34" charset="0"/>
-                        <a:cs typeface="Times New Roman" panose="02020603050405020304" pitchFamily="18" charset="0"/>
-                      </a:endParaRPr>
-                    </a:p>
-                  </a:txBody>
-                  <a:tcPr marL="42863" marR="42863" marT="0" marB="0" anchor="ctr">
-                    <a:lnL>
-                      <a:noFill/>
-                    </a:lnL>
-                    <a:lnR>
-                      <a:noFill/>
-                    </a:lnR>
-                    <a:lnT>
-                      <a:noFill/>
-                    </a:lnT>
-                    <a:lnB>
-                      <a:noFill/>
-                    </a:lnB>
-                  </a:tcPr>
-                </a:tc>
-                <a:tc>
-                  <a:txBody>
-                    <a:bodyPr/>
-                    <a:lstStyle/>
-                    <a:p>
-                      <a:pPr marL="0" marR="0" algn="ctr">
-                        <a:lnSpc>
-                          <a:spcPct val="107000"/>
-                        </a:lnSpc>
-                        <a:spcBef>
-                          <a:spcPts val="0"/>
-                        </a:spcBef>
-                        <a:spcAft>
-                          <a:spcPts val="0"/>
-                        </a:spcAft>
-                      </a:pPr>
-                      <a:r>
-                        <a:rPr lang="en-US" sz="1100">
-                          <a:solidFill>
-                            <a:srgbClr val="000000"/>
-                          </a:solidFill>
-                          <a:effectLst/>
-                          <a:latin typeface="Calibri" panose="020F0502020204030204" pitchFamily="34" charset="0"/>
-                          <a:ea typeface="Times New Roman" panose="02020603050405020304" pitchFamily="18" charset="0"/>
-                          <a:cs typeface="Calibri" panose="020F0502020204030204" pitchFamily="34" charset="0"/>
-                        </a:rPr>
-                        <a:t>0.08 ± 0.174</a:t>
-                      </a:r>
-                      <a:endParaRPr lang="en-US" sz="1100">
-                        <a:effectLst/>
-                        <a:latin typeface="Calibri" panose="020F0502020204030204" pitchFamily="34" charset="0"/>
-                        <a:ea typeface="Calibri" panose="020F0502020204030204" pitchFamily="34" charset="0"/>
-                        <a:cs typeface="Times New Roman" panose="02020603050405020304" pitchFamily="18" charset="0"/>
-                      </a:endParaRPr>
-                    </a:p>
-                  </a:txBody>
-                  <a:tcPr marL="42863" marR="42863" marT="0" marB="0" anchor="ctr">
-                    <a:lnL>
-                      <a:noFill/>
-                    </a:lnL>
-                    <a:lnR>
-                      <a:noFill/>
-                    </a:lnR>
-                    <a:lnT>
-                      <a:noFill/>
-                    </a:lnT>
-                    <a:lnB>
-                      <a:noFill/>
-                    </a:lnB>
-                  </a:tcPr>
-                </a:tc>
-                <a:tc>
-                  <a:txBody>
-                    <a:bodyPr/>
-                    <a:lstStyle/>
-                    <a:p>
-                      <a:pPr marL="0" marR="0" algn="ctr">
-                        <a:lnSpc>
-                          <a:spcPct val="107000"/>
-                        </a:lnSpc>
-                        <a:spcBef>
-                          <a:spcPts val="0"/>
-                        </a:spcBef>
-                        <a:spcAft>
-                          <a:spcPts val="0"/>
-                        </a:spcAft>
-                      </a:pPr>
-                      <a:r>
-                        <a:rPr lang="en-US" sz="1100">
-                          <a:solidFill>
-                            <a:srgbClr val="000000"/>
-                          </a:solidFill>
-                          <a:effectLst/>
-                          <a:latin typeface="Calibri" panose="020F0502020204030204" pitchFamily="34" charset="0"/>
-                          <a:ea typeface="Times New Roman" panose="02020603050405020304" pitchFamily="18" charset="0"/>
-                          <a:cs typeface="Calibri" panose="020F0502020204030204" pitchFamily="34" charset="0"/>
-                        </a:rPr>
-                        <a:t>0.03 ± 0.047</a:t>
-                      </a:r>
-                      <a:endParaRPr lang="en-US" sz="1100">
-                        <a:effectLst/>
-                        <a:latin typeface="Calibri" panose="020F0502020204030204" pitchFamily="34" charset="0"/>
-                        <a:ea typeface="Calibri" panose="020F0502020204030204" pitchFamily="34" charset="0"/>
-                        <a:cs typeface="Times New Roman" panose="02020603050405020304" pitchFamily="18" charset="0"/>
-                      </a:endParaRPr>
-                    </a:p>
-                  </a:txBody>
-                  <a:tcPr marL="42863" marR="42863" marT="0" marB="0" anchor="ctr">
-                    <a:lnL>
-                      <a:noFill/>
-                    </a:lnL>
-                    <a:lnR>
-                      <a:noFill/>
-                    </a:lnR>
-                    <a:lnT>
-                      <a:noFill/>
-                    </a:lnT>
-                    <a:lnB>
-                      <a:noFill/>
-                    </a:lnB>
-                  </a:tcPr>
-                </a:tc>
-                <a:extLst>
-                  <a:ext uri="{0D108BD9-81ED-4DB2-BD59-A6C34878D82A}">
-                    <a16:rowId xmlns:a16="http://schemas.microsoft.com/office/drawing/2014/main" val="2798663544"/>
-                  </a:ext>
-                </a:extLst>
-              </a:tr>
-              <a:tr h="188607">
-                <a:tc vMerge="1">
-                  <a:txBody>
-                    <a:bodyPr/>
-                    <a:lstStyle/>
-                    <a:p>
-                      <a:endParaRPr lang="en-US"/>
-                    </a:p>
-                  </a:txBody>
-                  <a:tcPr/>
-                </a:tc>
-                <a:tc rowSpan="2">
-                  <a:txBody>
-                    <a:bodyPr/>
-                    <a:lstStyle/>
-                    <a:p>
-                      <a:pPr marL="0" marR="0" algn="ctr">
-                        <a:lnSpc>
-                          <a:spcPct val="107000"/>
-                        </a:lnSpc>
-                        <a:spcBef>
-                          <a:spcPts val="0"/>
-                        </a:spcBef>
-                        <a:spcAft>
-                          <a:spcPts val="0"/>
-                        </a:spcAft>
-                      </a:pPr>
-                      <a:r>
-                        <a:rPr lang="en-US" sz="1100">
-                          <a:solidFill>
-                            <a:srgbClr val="000000"/>
-                          </a:solidFill>
-                          <a:effectLst/>
-                          <a:latin typeface="Calibri" panose="020F0502020204030204" pitchFamily="34" charset="0"/>
-                          <a:ea typeface="Times New Roman" panose="02020603050405020304" pitchFamily="18" charset="0"/>
-                          <a:cs typeface="Calibri" panose="020F0502020204030204" pitchFamily="34" charset="0"/>
-                        </a:rPr>
-                        <a:t>Stool</a:t>
-                      </a:r>
-                      <a:endParaRPr lang="en-US" sz="1100">
-                        <a:effectLst/>
-                        <a:latin typeface="Calibri" panose="020F0502020204030204" pitchFamily="34" charset="0"/>
-                        <a:ea typeface="Calibri" panose="020F0502020204030204" pitchFamily="34" charset="0"/>
-                        <a:cs typeface="Times New Roman" panose="02020603050405020304" pitchFamily="18" charset="0"/>
-                      </a:endParaRPr>
-                    </a:p>
-                  </a:txBody>
-                  <a:tcPr marL="42863" marR="42863" marT="0" marB="0" anchor="ctr">
-                    <a:lnL>
-                      <a:noFill/>
-                    </a:lnL>
-                    <a:lnR>
-                      <a:noFill/>
-                    </a:lnR>
-                    <a:lnT>
-                      <a:noFill/>
-                    </a:lnT>
-                    <a:lnB>
-                      <a:noFill/>
-                    </a:lnB>
-                  </a:tcPr>
-                </a:tc>
-                <a:tc>
-                  <a:txBody>
-                    <a:bodyPr/>
-                    <a:lstStyle/>
-                    <a:p>
-                      <a:pPr marL="0" marR="0" algn="ctr">
-                        <a:lnSpc>
-                          <a:spcPct val="107000"/>
-                        </a:lnSpc>
-                        <a:spcBef>
-                          <a:spcPts val="0"/>
-                        </a:spcBef>
-                        <a:spcAft>
-                          <a:spcPts val="0"/>
-                        </a:spcAft>
-                      </a:pPr>
-                      <a:r>
-                        <a:rPr lang="en-US" sz="1100">
-                          <a:solidFill>
-                            <a:srgbClr val="000000"/>
-                          </a:solidFill>
-                          <a:effectLst/>
-                          <a:latin typeface="Calibri" panose="020F0502020204030204" pitchFamily="34" charset="0"/>
-                          <a:ea typeface="Times New Roman" panose="02020603050405020304" pitchFamily="18" charset="0"/>
-                          <a:cs typeface="Calibri" panose="020F0502020204030204" pitchFamily="34" charset="0"/>
-                        </a:rPr>
-                        <a:t>Control</a:t>
-                      </a:r>
-                      <a:endParaRPr lang="en-US" sz="1100">
-                        <a:effectLst/>
-                        <a:latin typeface="Calibri" panose="020F0502020204030204" pitchFamily="34" charset="0"/>
-                        <a:ea typeface="Calibri" panose="020F0502020204030204" pitchFamily="34" charset="0"/>
-                        <a:cs typeface="Times New Roman" panose="02020603050405020304" pitchFamily="18" charset="0"/>
-                      </a:endParaRPr>
-                    </a:p>
-                  </a:txBody>
-                  <a:tcPr marL="42863" marR="42863" marT="0" marB="0" anchor="ctr">
-                    <a:lnL>
-                      <a:noFill/>
-                    </a:lnL>
-                    <a:lnR>
-                      <a:noFill/>
-                    </a:lnR>
-                    <a:lnT>
-                      <a:noFill/>
-                    </a:lnT>
-                    <a:lnB>
-                      <a:noFill/>
-                    </a:lnB>
-                  </a:tcPr>
-                </a:tc>
-                <a:tc>
-                  <a:txBody>
-                    <a:bodyPr/>
-                    <a:lstStyle/>
-                    <a:p>
-                      <a:pPr marL="0" marR="0" algn="ctr">
-                        <a:lnSpc>
-                          <a:spcPct val="107000"/>
-                        </a:lnSpc>
-                        <a:spcBef>
-                          <a:spcPts val="0"/>
-                        </a:spcBef>
-                        <a:spcAft>
-                          <a:spcPts val="0"/>
-                        </a:spcAft>
-                      </a:pPr>
-                      <a:r>
-                        <a:rPr lang="en-US" sz="1100">
-                          <a:solidFill>
-                            <a:srgbClr val="000000"/>
-                          </a:solidFill>
-                          <a:effectLst/>
-                          <a:latin typeface="Calibri" panose="020F0502020204030204" pitchFamily="34" charset="0"/>
-                          <a:ea typeface="Times New Roman" panose="02020603050405020304" pitchFamily="18" charset="0"/>
-                          <a:cs typeface="Calibri" panose="020F0502020204030204" pitchFamily="34" charset="0"/>
-                        </a:rPr>
-                        <a:t>0.653 ± 0.317</a:t>
-                      </a:r>
-                      <a:endParaRPr lang="en-US" sz="1100">
-                        <a:effectLst/>
-                        <a:latin typeface="Calibri" panose="020F0502020204030204" pitchFamily="34" charset="0"/>
-                        <a:ea typeface="Calibri" panose="020F0502020204030204" pitchFamily="34" charset="0"/>
-                        <a:cs typeface="Times New Roman" panose="02020603050405020304" pitchFamily="18" charset="0"/>
-                      </a:endParaRPr>
-                    </a:p>
-                  </a:txBody>
-                  <a:tcPr marL="42863" marR="42863" marT="0" marB="0" anchor="ctr">
-                    <a:lnL>
-                      <a:noFill/>
-                    </a:lnL>
-                    <a:lnR>
-                      <a:noFill/>
-                    </a:lnR>
-                    <a:lnT>
-                      <a:noFill/>
-                    </a:lnT>
-                    <a:lnB>
-                      <a:noFill/>
-                    </a:lnB>
-                  </a:tcPr>
-                </a:tc>
-                <a:tc>
-                  <a:txBody>
-                    <a:bodyPr/>
-                    <a:lstStyle/>
-                    <a:p>
-                      <a:pPr marL="0" marR="0" algn="ctr">
-                        <a:lnSpc>
-                          <a:spcPct val="107000"/>
-                        </a:lnSpc>
-                        <a:spcBef>
-                          <a:spcPts val="0"/>
-                        </a:spcBef>
-                        <a:spcAft>
-                          <a:spcPts val="0"/>
-                        </a:spcAft>
-                      </a:pPr>
-                      <a:r>
-                        <a:rPr lang="en-US" sz="1100">
-                          <a:solidFill>
-                            <a:srgbClr val="000000"/>
-                          </a:solidFill>
-                          <a:effectLst/>
-                          <a:latin typeface="Calibri" panose="020F0502020204030204" pitchFamily="34" charset="0"/>
-                          <a:ea typeface="Times New Roman" panose="02020603050405020304" pitchFamily="18" charset="0"/>
-                          <a:cs typeface="Calibri" panose="020F0502020204030204" pitchFamily="34" charset="0"/>
-                        </a:rPr>
-                        <a:t>0.006 ± 0.006</a:t>
-                      </a:r>
-                      <a:endParaRPr lang="en-US" sz="1100">
-                        <a:effectLst/>
-                        <a:latin typeface="Calibri" panose="020F0502020204030204" pitchFamily="34" charset="0"/>
-                        <a:ea typeface="Calibri" panose="020F0502020204030204" pitchFamily="34" charset="0"/>
-                        <a:cs typeface="Times New Roman" panose="02020603050405020304" pitchFamily="18" charset="0"/>
-                      </a:endParaRPr>
-                    </a:p>
-                  </a:txBody>
-                  <a:tcPr marL="42863" marR="42863" marT="0" marB="0" anchor="ctr">
-                    <a:lnL>
-                      <a:noFill/>
-                    </a:lnL>
-                    <a:lnR>
-                      <a:noFill/>
-                    </a:lnR>
-                    <a:lnT>
-                      <a:noFill/>
-                    </a:lnT>
-                    <a:lnB>
-                      <a:noFill/>
-                    </a:lnB>
-                  </a:tcPr>
-                </a:tc>
-                <a:tc>
-                  <a:txBody>
-                    <a:bodyPr/>
-                    <a:lstStyle/>
-                    <a:p>
-                      <a:pPr marL="0" marR="0" algn="ctr">
-                        <a:lnSpc>
-                          <a:spcPct val="107000"/>
-                        </a:lnSpc>
-                        <a:spcBef>
-                          <a:spcPts val="0"/>
-                        </a:spcBef>
-                        <a:spcAft>
-                          <a:spcPts val="0"/>
-                        </a:spcAft>
-                      </a:pPr>
-                      <a:r>
-                        <a:rPr lang="en-US" sz="1100">
-                          <a:solidFill>
-                            <a:srgbClr val="000000"/>
-                          </a:solidFill>
-                          <a:effectLst/>
-                          <a:latin typeface="Calibri" panose="020F0502020204030204" pitchFamily="34" charset="0"/>
-                          <a:ea typeface="Times New Roman" panose="02020603050405020304" pitchFamily="18" charset="0"/>
-                          <a:cs typeface="Calibri" panose="020F0502020204030204" pitchFamily="34" charset="0"/>
-                        </a:rPr>
-                        <a:t>0.038 ± 0.024</a:t>
-                      </a:r>
-                      <a:endParaRPr lang="en-US" sz="1100">
-                        <a:effectLst/>
-                        <a:latin typeface="Calibri" panose="020F0502020204030204" pitchFamily="34" charset="0"/>
-                        <a:ea typeface="Calibri" panose="020F0502020204030204" pitchFamily="34" charset="0"/>
-                        <a:cs typeface="Times New Roman" panose="02020603050405020304" pitchFamily="18" charset="0"/>
-                      </a:endParaRPr>
-                    </a:p>
-                  </a:txBody>
-                  <a:tcPr marL="42863" marR="42863" marT="0" marB="0" anchor="ctr">
-                    <a:lnL>
-                      <a:noFill/>
-                    </a:lnL>
-                    <a:lnR>
-                      <a:noFill/>
-                    </a:lnR>
-                    <a:lnT>
-                      <a:noFill/>
-                    </a:lnT>
-                    <a:lnB>
-                      <a:noFill/>
-                    </a:lnB>
-                  </a:tcPr>
-                </a:tc>
-                <a:tc>
-                  <a:txBody>
-                    <a:bodyPr/>
-                    <a:lstStyle/>
-                    <a:p>
-                      <a:pPr marL="0" marR="0" algn="ctr">
-                        <a:lnSpc>
-                          <a:spcPct val="107000"/>
-                        </a:lnSpc>
-                        <a:spcBef>
-                          <a:spcPts val="0"/>
-                        </a:spcBef>
-                        <a:spcAft>
-                          <a:spcPts val="0"/>
-                        </a:spcAft>
-                      </a:pPr>
-                      <a:r>
-                        <a:rPr lang="en-US" sz="1100">
-                          <a:solidFill>
-                            <a:srgbClr val="000000"/>
-                          </a:solidFill>
-                          <a:effectLst/>
-                          <a:latin typeface="Calibri" panose="020F0502020204030204" pitchFamily="34" charset="0"/>
-                          <a:ea typeface="Times New Roman" panose="02020603050405020304" pitchFamily="18" charset="0"/>
-                          <a:cs typeface="Calibri" panose="020F0502020204030204" pitchFamily="34" charset="0"/>
-                        </a:rPr>
-                        <a:t>0.282 ± 0.331</a:t>
-                      </a:r>
-                      <a:endParaRPr lang="en-US" sz="1100">
-                        <a:effectLst/>
-                        <a:latin typeface="Calibri" panose="020F0502020204030204" pitchFamily="34" charset="0"/>
-                        <a:ea typeface="Calibri" panose="020F0502020204030204" pitchFamily="34" charset="0"/>
-                        <a:cs typeface="Times New Roman" panose="02020603050405020304" pitchFamily="18" charset="0"/>
-                      </a:endParaRPr>
-                    </a:p>
-                  </a:txBody>
-                  <a:tcPr marL="42863" marR="42863" marT="0" marB="0" anchor="ctr">
-                    <a:lnL>
-                      <a:noFill/>
-                    </a:lnL>
-                    <a:lnR>
-                      <a:noFill/>
-                    </a:lnR>
-                    <a:lnT>
-                      <a:noFill/>
-                    </a:lnT>
-                    <a:lnB>
-                      <a:noFill/>
-                    </a:lnB>
-                  </a:tcPr>
-                </a:tc>
-                <a:tc>
-                  <a:txBody>
-                    <a:bodyPr/>
-                    <a:lstStyle/>
-                    <a:p>
-                      <a:pPr marL="0" marR="0" algn="ctr">
-                        <a:lnSpc>
-                          <a:spcPct val="107000"/>
-                        </a:lnSpc>
-                        <a:spcBef>
-                          <a:spcPts val="0"/>
-                        </a:spcBef>
-                        <a:spcAft>
-                          <a:spcPts val="0"/>
-                        </a:spcAft>
-                      </a:pPr>
-                      <a:r>
-                        <a:rPr lang="en-US" sz="1100">
-                          <a:solidFill>
-                            <a:srgbClr val="000000"/>
-                          </a:solidFill>
-                          <a:effectLst/>
-                          <a:latin typeface="Calibri" panose="020F0502020204030204" pitchFamily="34" charset="0"/>
-                          <a:ea typeface="Times New Roman" panose="02020603050405020304" pitchFamily="18" charset="0"/>
-                          <a:cs typeface="Calibri" panose="020F0502020204030204" pitchFamily="34" charset="0"/>
-                        </a:rPr>
-                        <a:t>0.021 ± 0.014</a:t>
-                      </a:r>
-                      <a:endParaRPr lang="en-US" sz="1100">
-                        <a:effectLst/>
-                        <a:latin typeface="Calibri" panose="020F0502020204030204" pitchFamily="34" charset="0"/>
-                        <a:ea typeface="Calibri" panose="020F0502020204030204" pitchFamily="34" charset="0"/>
-                        <a:cs typeface="Times New Roman" panose="02020603050405020304" pitchFamily="18" charset="0"/>
-                      </a:endParaRPr>
-                    </a:p>
-                  </a:txBody>
-                  <a:tcPr marL="42863" marR="42863" marT="0" marB="0" anchor="ctr">
-                    <a:lnL>
-                      <a:noFill/>
-                    </a:lnL>
-                    <a:lnR>
-                      <a:noFill/>
-                    </a:lnR>
-                    <a:lnT>
-                      <a:noFill/>
-                    </a:lnT>
-                    <a:lnB>
-                      <a:noFill/>
-                    </a:lnB>
-                  </a:tcPr>
-                </a:tc>
-                <a:extLst>
-                  <a:ext uri="{0D108BD9-81ED-4DB2-BD59-A6C34878D82A}">
-                    <a16:rowId xmlns:a16="http://schemas.microsoft.com/office/drawing/2014/main" val="3607586446"/>
-                  </a:ext>
-                </a:extLst>
-              </a:tr>
-              <a:tr h="188607">
-                <a:tc vMerge="1">
-                  <a:txBody>
-                    <a:bodyPr/>
-                    <a:lstStyle/>
-                    <a:p>
-                      <a:endParaRPr lang="en-US"/>
-                    </a:p>
-                  </a:txBody>
-                  <a:tcPr/>
-                </a:tc>
-                <a:tc vMerge="1">
-                  <a:txBody>
-                    <a:bodyPr/>
-                    <a:lstStyle/>
-                    <a:p>
-                      <a:endParaRPr lang="en-US"/>
-                    </a:p>
-                  </a:txBody>
-                  <a:tcPr/>
-                </a:tc>
-                <a:tc>
-                  <a:txBody>
-                    <a:bodyPr/>
-                    <a:lstStyle/>
-                    <a:p>
-                      <a:pPr marL="0" marR="0" algn="ctr">
-                        <a:lnSpc>
-                          <a:spcPct val="107000"/>
-                        </a:lnSpc>
-                        <a:spcBef>
-                          <a:spcPts val="0"/>
-                        </a:spcBef>
-                        <a:spcAft>
-                          <a:spcPts val="0"/>
-                        </a:spcAft>
-                      </a:pPr>
-                      <a:r>
-                        <a:rPr lang="en-US" sz="1100">
-                          <a:solidFill>
-                            <a:srgbClr val="000000"/>
-                          </a:solidFill>
-                          <a:effectLst/>
-                          <a:latin typeface="Calibri" panose="020F0502020204030204" pitchFamily="34" charset="0"/>
-                          <a:ea typeface="Times New Roman" panose="02020603050405020304" pitchFamily="18" charset="0"/>
-                          <a:cs typeface="Calibri" panose="020F0502020204030204" pitchFamily="34" charset="0"/>
-                        </a:rPr>
-                        <a:t>T1D</a:t>
-                      </a:r>
-                      <a:endParaRPr lang="en-US" sz="1100">
-                        <a:effectLst/>
-                        <a:latin typeface="Calibri" panose="020F0502020204030204" pitchFamily="34" charset="0"/>
-                        <a:ea typeface="Calibri" panose="020F0502020204030204" pitchFamily="34" charset="0"/>
-                        <a:cs typeface="Times New Roman" panose="02020603050405020304" pitchFamily="18" charset="0"/>
-                      </a:endParaRPr>
-                    </a:p>
-                  </a:txBody>
-                  <a:tcPr marL="42863" marR="42863" marT="0" marB="0" anchor="ctr">
-                    <a:lnL>
-                      <a:noFill/>
-                    </a:lnL>
-                    <a:lnR>
-                      <a:noFill/>
-                    </a:lnR>
-                    <a:lnT>
-                      <a:noFill/>
-                    </a:lnT>
-                    <a:lnB>
-                      <a:noFill/>
-                    </a:lnB>
-                  </a:tcPr>
-                </a:tc>
-                <a:tc>
-                  <a:txBody>
-                    <a:bodyPr/>
-                    <a:lstStyle/>
-                    <a:p>
-                      <a:pPr marL="0" marR="0" algn="ctr">
-                        <a:lnSpc>
-                          <a:spcPct val="107000"/>
-                        </a:lnSpc>
-                        <a:spcBef>
-                          <a:spcPts val="0"/>
-                        </a:spcBef>
-                        <a:spcAft>
-                          <a:spcPts val="0"/>
-                        </a:spcAft>
-                      </a:pPr>
-                      <a:r>
-                        <a:rPr lang="en-US" sz="1100">
-                          <a:solidFill>
-                            <a:srgbClr val="000000"/>
-                          </a:solidFill>
-                          <a:effectLst/>
-                          <a:latin typeface="Calibri" panose="020F0502020204030204" pitchFamily="34" charset="0"/>
-                          <a:ea typeface="Times New Roman" panose="02020603050405020304" pitchFamily="18" charset="0"/>
-                          <a:cs typeface="Calibri" panose="020F0502020204030204" pitchFamily="34" charset="0"/>
-                        </a:rPr>
-                        <a:t>0.545 ± 0.336</a:t>
-                      </a:r>
-                      <a:endParaRPr lang="en-US" sz="1100">
-                        <a:effectLst/>
-                        <a:latin typeface="Calibri" panose="020F0502020204030204" pitchFamily="34" charset="0"/>
-                        <a:ea typeface="Calibri" panose="020F0502020204030204" pitchFamily="34" charset="0"/>
-                        <a:cs typeface="Times New Roman" panose="02020603050405020304" pitchFamily="18" charset="0"/>
-                      </a:endParaRPr>
-                    </a:p>
-                  </a:txBody>
-                  <a:tcPr marL="42863" marR="42863" marT="0" marB="0" anchor="ctr">
-                    <a:lnL>
-                      <a:noFill/>
-                    </a:lnL>
-                    <a:lnR>
-                      <a:noFill/>
-                    </a:lnR>
-                    <a:lnT>
-                      <a:noFill/>
-                    </a:lnT>
-                    <a:lnB>
-                      <a:noFill/>
-                    </a:lnB>
-                  </a:tcPr>
-                </a:tc>
-                <a:tc>
-                  <a:txBody>
-                    <a:bodyPr/>
-                    <a:lstStyle/>
-                    <a:p>
-                      <a:pPr marL="0" marR="0" algn="ctr">
-                        <a:lnSpc>
-                          <a:spcPct val="107000"/>
-                        </a:lnSpc>
-                        <a:spcBef>
-                          <a:spcPts val="0"/>
-                        </a:spcBef>
-                        <a:spcAft>
-                          <a:spcPts val="0"/>
-                        </a:spcAft>
-                      </a:pPr>
-                      <a:r>
-                        <a:rPr lang="en-US" sz="1100">
-                          <a:solidFill>
-                            <a:srgbClr val="000000"/>
-                          </a:solidFill>
-                          <a:effectLst/>
-                          <a:latin typeface="Calibri" panose="020F0502020204030204" pitchFamily="34" charset="0"/>
-                          <a:ea typeface="Times New Roman" panose="02020603050405020304" pitchFamily="18" charset="0"/>
-                          <a:cs typeface="Calibri" panose="020F0502020204030204" pitchFamily="34" charset="0"/>
-                        </a:rPr>
-                        <a:t>0.02 ± 0.062</a:t>
-                      </a:r>
-                      <a:endParaRPr lang="en-US" sz="1100">
-                        <a:effectLst/>
-                        <a:latin typeface="Calibri" panose="020F0502020204030204" pitchFamily="34" charset="0"/>
-                        <a:ea typeface="Calibri" panose="020F0502020204030204" pitchFamily="34" charset="0"/>
-                        <a:cs typeface="Times New Roman" panose="02020603050405020304" pitchFamily="18" charset="0"/>
-                      </a:endParaRPr>
-                    </a:p>
-                  </a:txBody>
-                  <a:tcPr marL="42863" marR="42863" marT="0" marB="0" anchor="ctr">
-                    <a:lnL>
-                      <a:noFill/>
-                    </a:lnL>
-                    <a:lnR>
-                      <a:noFill/>
-                    </a:lnR>
-                    <a:lnT>
-                      <a:noFill/>
-                    </a:lnT>
-                    <a:lnB>
-                      <a:noFill/>
-                    </a:lnB>
-                  </a:tcPr>
-                </a:tc>
-                <a:tc>
-                  <a:txBody>
-                    <a:bodyPr/>
-                    <a:lstStyle/>
-                    <a:p>
-                      <a:pPr marL="0" marR="0" algn="ctr">
-                        <a:lnSpc>
-                          <a:spcPct val="107000"/>
-                        </a:lnSpc>
-                        <a:spcBef>
-                          <a:spcPts val="0"/>
-                        </a:spcBef>
-                        <a:spcAft>
-                          <a:spcPts val="0"/>
-                        </a:spcAft>
-                      </a:pPr>
-                      <a:r>
-                        <a:rPr lang="en-US" sz="1100">
-                          <a:solidFill>
-                            <a:srgbClr val="000000"/>
-                          </a:solidFill>
-                          <a:effectLst/>
-                          <a:latin typeface="Calibri" panose="020F0502020204030204" pitchFamily="34" charset="0"/>
-                          <a:ea typeface="Times New Roman" panose="02020603050405020304" pitchFamily="18" charset="0"/>
-                          <a:cs typeface="Calibri" panose="020F0502020204030204" pitchFamily="34" charset="0"/>
-                        </a:rPr>
-                        <a:t>0.053 ± 0.053</a:t>
-                      </a:r>
-                      <a:endParaRPr lang="en-US" sz="1100">
-                        <a:effectLst/>
-                        <a:latin typeface="Calibri" panose="020F0502020204030204" pitchFamily="34" charset="0"/>
-                        <a:ea typeface="Calibri" panose="020F0502020204030204" pitchFamily="34" charset="0"/>
-                        <a:cs typeface="Times New Roman" panose="02020603050405020304" pitchFamily="18" charset="0"/>
-                      </a:endParaRPr>
-                    </a:p>
-                  </a:txBody>
-                  <a:tcPr marL="42863" marR="42863" marT="0" marB="0" anchor="ctr">
-                    <a:lnL>
-                      <a:noFill/>
-                    </a:lnL>
-                    <a:lnR>
-                      <a:noFill/>
-                    </a:lnR>
-                    <a:lnT>
-                      <a:noFill/>
-                    </a:lnT>
-                    <a:lnB>
-                      <a:noFill/>
-                    </a:lnB>
-                  </a:tcPr>
-                </a:tc>
-                <a:tc>
-                  <a:txBody>
-                    <a:bodyPr/>
-                    <a:lstStyle/>
-                    <a:p>
-                      <a:pPr marL="0" marR="0" algn="ctr">
-                        <a:lnSpc>
-                          <a:spcPct val="107000"/>
-                        </a:lnSpc>
-                        <a:spcBef>
-                          <a:spcPts val="0"/>
-                        </a:spcBef>
-                        <a:spcAft>
-                          <a:spcPts val="0"/>
-                        </a:spcAft>
-                      </a:pPr>
-                      <a:r>
-                        <a:rPr lang="en-US" sz="1100">
-                          <a:solidFill>
-                            <a:srgbClr val="000000"/>
-                          </a:solidFill>
-                          <a:effectLst/>
-                          <a:latin typeface="Calibri" panose="020F0502020204030204" pitchFamily="34" charset="0"/>
-                          <a:ea typeface="Times New Roman" panose="02020603050405020304" pitchFamily="18" charset="0"/>
-                          <a:cs typeface="Calibri" panose="020F0502020204030204" pitchFamily="34" charset="0"/>
-                        </a:rPr>
-                        <a:t>0.346 ± 0.343</a:t>
-                      </a:r>
-                      <a:endParaRPr lang="en-US" sz="1100">
-                        <a:effectLst/>
-                        <a:latin typeface="Calibri" panose="020F0502020204030204" pitchFamily="34" charset="0"/>
-                        <a:ea typeface="Calibri" panose="020F0502020204030204" pitchFamily="34" charset="0"/>
-                        <a:cs typeface="Times New Roman" panose="02020603050405020304" pitchFamily="18" charset="0"/>
-                      </a:endParaRPr>
-                    </a:p>
-                  </a:txBody>
-                  <a:tcPr marL="42863" marR="42863" marT="0" marB="0" anchor="ctr">
-                    <a:lnL>
-                      <a:noFill/>
-                    </a:lnL>
-                    <a:lnR>
-                      <a:noFill/>
-                    </a:lnR>
-                    <a:lnT>
-                      <a:noFill/>
-                    </a:lnT>
-                    <a:lnB>
-                      <a:noFill/>
-                    </a:lnB>
-                  </a:tcPr>
-                </a:tc>
-                <a:tc>
-                  <a:txBody>
-                    <a:bodyPr/>
-                    <a:lstStyle/>
-                    <a:p>
-                      <a:pPr marL="0" marR="0" algn="ctr">
-                        <a:lnSpc>
-                          <a:spcPct val="107000"/>
-                        </a:lnSpc>
-                        <a:spcBef>
-                          <a:spcPts val="0"/>
-                        </a:spcBef>
-                        <a:spcAft>
-                          <a:spcPts val="0"/>
-                        </a:spcAft>
-                      </a:pPr>
-                      <a:r>
-                        <a:rPr lang="en-US" sz="1100" dirty="0">
-                          <a:solidFill>
-                            <a:srgbClr val="000000"/>
-                          </a:solidFill>
-                          <a:effectLst/>
-                          <a:latin typeface="Calibri" panose="020F0502020204030204" pitchFamily="34" charset="0"/>
-                          <a:ea typeface="Times New Roman" panose="02020603050405020304" pitchFamily="18" charset="0"/>
-                          <a:cs typeface="Calibri" panose="020F0502020204030204" pitchFamily="34" charset="0"/>
-                        </a:rPr>
-                        <a:t>0.036 ± 0.042</a:t>
-                      </a:r>
-                      <a:endParaRPr lang="en-US" sz="1100" dirty="0">
-                        <a:effectLst/>
-                        <a:latin typeface="Calibri" panose="020F0502020204030204" pitchFamily="34" charset="0"/>
-                        <a:ea typeface="Calibri" panose="020F0502020204030204" pitchFamily="34" charset="0"/>
-                        <a:cs typeface="Times New Roman" panose="02020603050405020304" pitchFamily="18" charset="0"/>
-                      </a:endParaRPr>
-                    </a:p>
-                  </a:txBody>
-                  <a:tcPr marL="42863" marR="42863" marT="0" marB="0" anchor="ctr">
-                    <a:lnL>
-                      <a:noFill/>
-                    </a:lnL>
-                    <a:lnR>
-                      <a:noFill/>
-                    </a:lnR>
-                    <a:lnT>
-                      <a:noFill/>
-                    </a:lnT>
-                    <a:lnB>
-                      <a:noFill/>
-                    </a:lnB>
-                  </a:tcPr>
-                </a:tc>
-                <a:extLst>
-                  <a:ext uri="{0D108BD9-81ED-4DB2-BD59-A6C34878D82A}">
-                    <a16:rowId xmlns:a16="http://schemas.microsoft.com/office/drawing/2014/main" val="1154372883"/>
-                  </a:ext>
-                </a:extLst>
-              </a:tr>
-            </a:tbl>
-          </a:graphicData>
-        </a:graphic>
-      </p:graphicFrame>
-      <p:sp>
-        <p:nvSpPr>
-          <p:cNvPr id="7" name="TextBox 6">
-            <a:extLst>
-              <a:ext uri="{FF2B5EF4-FFF2-40B4-BE49-F238E27FC236}">
-                <a16:creationId xmlns:a16="http://schemas.microsoft.com/office/drawing/2014/main" id="{8B6F50E6-C603-BEE5-1BFC-18BE4C002956}"/>
-              </a:ext>
-            </a:extLst>
-          </p:cNvPr>
-          <p:cNvSpPr txBox="1"/>
-          <p:nvPr/>
-        </p:nvSpPr>
-        <p:spPr>
-          <a:xfrm>
-            <a:off x="1856724" y="794176"/>
-            <a:ext cx="8478553" cy="269369"/>
-          </a:xfrm>
-          <a:prstGeom prst="rect">
-            <a:avLst/>
-          </a:prstGeom>
-          <a:noFill/>
-        </p:spPr>
-        <p:txBody>
-          <a:bodyPr wrap="square">
-            <a:spAutoFit/>
-          </a:bodyPr>
-          <a:lstStyle/>
-          <a:p>
-            <a:pPr>
-              <a:lnSpc>
-                <a:spcPct val="107000"/>
-              </a:lnSpc>
-              <a:spcAft>
-                <a:spcPts val="500"/>
-              </a:spcAft>
-            </a:pPr>
-            <a:r>
-              <a:rPr lang="en-US" sz="1125" b="1" dirty="0">
-                <a:latin typeface="Calibri" panose="020F0502020204030204" pitchFamily="34" charset="0"/>
-                <a:ea typeface="Calibri" panose="020F0502020204030204" pitchFamily="34" charset="0"/>
-                <a:cs typeface="Calibri" panose="020F0502020204030204" pitchFamily="34" charset="0"/>
-              </a:rPr>
-              <a:t>Supplementary Table X</a:t>
-            </a:r>
-            <a:r>
-              <a:rPr lang="en-US" sz="1125" dirty="0">
-                <a:latin typeface="Calibri" panose="020F0502020204030204" pitchFamily="34" charset="0"/>
-                <a:ea typeface="Calibri" panose="020F0502020204030204" pitchFamily="34" charset="0"/>
-                <a:cs typeface="Calibri" panose="020F0502020204030204" pitchFamily="34" charset="0"/>
-              </a:rPr>
-              <a:t>. Overview of maternal source mean contributions to newborn sinks by disease and delivery method.</a:t>
-            </a:r>
-            <a:endParaRPr lang="en-US" sz="1125" dirty="0">
-              <a:latin typeface="Calibri" panose="020F0502020204030204" pitchFamily="34" charset="0"/>
-              <a:ea typeface="Calibri" panose="020F0502020204030204" pitchFamily="34" charset="0"/>
-              <a:cs typeface="Times New Roman" panose="02020603050405020304" pitchFamily="18" charset="0"/>
-            </a:endParaRPr>
-          </a:p>
-        </p:txBody>
-      </p:sp>
-    </p:spTree>
-    <p:extLst>
-      <p:ext uri="{BB962C8B-B14F-4D97-AF65-F5344CB8AC3E}">
-        <p14:creationId xmlns:p14="http://schemas.microsoft.com/office/powerpoint/2010/main" val="2551749338"/>
       </p:ext>
     </p:extLst>
   </p:cSld>
@@ -17100,12 +18016,9 @@
 </file>
 
 <file path=customXml/item1.xml><?xml version="1.0" encoding="utf-8"?>
-<?mso-contentType ?>
-<FormTemplates xmlns="http://schemas.microsoft.com/sharepoint/v3/contenttype/forms">
-  <Display>DocumentLibraryForm</Display>
-  <Edit>DocumentLibraryForm</Edit>
-  <New>DocumentLibraryForm</New>
-</FormTemplates>
+<p:properties xmlns:p="http://schemas.microsoft.com/office/2006/metadata/properties" xmlns:xsi="http://www.w3.org/2001/XMLSchema-instance" xmlns:pc="http://schemas.microsoft.com/office/infopath/2007/PartnerControls">
+  <documentManagement/>
+</p:properties>
 </file>
 
 <file path=customXml/item2.xml><?xml version="1.0" encoding="utf-8"?>
@@ -17326,15 +18239,27 @@
 </file>
 
 <file path=customXml/item3.xml><?xml version="1.0" encoding="utf-8"?>
-<p:properties xmlns:p="http://schemas.microsoft.com/office/2006/metadata/properties" xmlns:xsi="http://www.w3.org/2001/XMLSchema-instance" xmlns:pc="http://schemas.microsoft.com/office/infopath/2007/PartnerControls">
-  <documentManagement/>
-</p:properties>
+<?mso-contentType ?>
+<FormTemplates xmlns="http://schemas.microsoft.com/sharepoint/v3/contenttype/forms">
+  <Display>DocumentLibraryForm</Display>
+  <Edit>DocumentLibraryForm</Edit>
+  <New>DocumentLibraryForm</New>
+</FormTemplates>
 </file>
 
 <file path=customXml/itemProps1.xml><?xml version="1.0" encoding="utf-8"?>
-<ds:datastoreItem xmlns:ds="http://schemas.openxmlformats.org/officeDocument/2006/customXml" ds:itemID="{539A8299-0D40-4DB3-AF43-D5B6BFB3E21D}">
+<ds:datastoreItem xmlns:ds="http://schemas.openxmlformats.org/officeDocument/2006/customXml" ds:itemID="{2F38FFB3-3835-4308-A9B1-8BBA8C1B0B4C}">
   <ds:schemaRefs>
-    <ds:schemaRef ds:uri="http://schemas.microsoft.com/sharepoint/v3/contenttype/forms"/>
+    <ds:schemaRef ds:uri="http://schemas.microsoft.com/office/2006/metadata/properties"/>
+    <ds:schemaRef ds:uri="http://purl.org/dc/terms/"/>
+    <ds:schemaRef ds:uri="http://schemas.openxmlformats.org/package/2006/metadata/core-properties"/>
+    <ds:schemaRef ds:uri="905a7d09-e762-41f5-95f0-bd17e1933062"/>
+    <ds:schemaRef ds:uri="26f2b1a6-7f5d-4cd2-8af4-0981bedb382c"/>
+    <ds:schemaRef ds:uri="http://schemas.microsoft.com/office/2006/documentManagement/types"/>
+    <ds:schemaRef ds:uri="http://purl.org/dc/dcmitype/"/>
+    <ds:schemaRef ds:uri="http://purl.org/dc/elements/1.1/"/>
+    <ds:schemaRef ds:uri="http://schemas.microsoft.com/office/infopath/2007/PartnerControls"/>
+    <ds:schemaRef ds:uri="http://www.w3.org/XML/1998/namespace"/>
   </ds:schemaRefs>
 </ds:datastoreItem>
 </file>
@@ -17359,18 +18284,9 @@
 </file>
 
 <file path=customXml/itemProps3.xml><?xml version="1.0" encoding="utf-8"?>
-<ds:datastoreItem xmlns:ds="http://schemas.openxmlformats.org/officeDocument/2006/customXml" ds:itemID="{2F38FFB3-3835-4308-A9B1-8BBA8C1B0B4C}">
+<ds:datastoreItem xmlns:ds="http://schemas.openxmlformats.org/officeDocument/2006/customXml" ds:itemID="{539A8299-0D40-4DB3-AF43-D5B6BFB3E21D}">
   <ds:schemaRefs>
-    <ds:schemaRef ds:uri="http://schemas.microsoft.com/office/infopath/2007/PartnerControls"/>
-    <ds:schemaRef ds:uri="http://schemas.microsoft.com/office/2006/metadata/properties"/>
-    <ds:schemaRef ds:uri="http://schemas.microsoft.com/office/2006/documentManagement/types"/>
-    <ds:schemaRef ds:uri="905a7d09-e762-41f5-95f0-bd17e1933062"/>
-    <ds:schemaRef ds:uri="http://www.w3.org/XML/1998/namespace"/>
-    <ds:schemaRef ds:uri="http://purl.org/dc/elements/1.1/"/>
-    <ds:schemaRef ds:uri="http://purl.org/dc/terms/"/>
-    <ds:schemaRef ds:uri="http://schemas.openxmlformats.org/package/2006/metadata/core-properties"/>
-    <ds:schemaRef ds:uri="26f2b1a6-7f5d-4cd2-8af4-0981bedb382c"/>
-    <ds:schemaRef ds:uri="http://purl.org/dc/dcmitype/"/>
+    <ds:schemaRef ds:uri="http://schemas.microsoft.com/sharepoint/v3/contenttype/forms"/>
   </ds:schemaRefs>
 </ds:datastoreItem>
 </file>